--- a/KRICT hackathon.pptx
+++ b/KRICT hackathon.pptx
@@ -5,21 +5,22 @@
     <p:sldMasterId id="2147483660" r:id="rId1"/>
   </p:sldMasterIdLst>
   <p:notesMasterIdLst>
-    <p:notesMasterId r:id="rId14"/>
+    <p:notesMasterId r:id="rId15"/>
   </p:notesMasterIdLst>
   <p:sldIdLst>
     <p:sldId id="377" r:id="rId2"/>
     <p:sldId id="378" r:id="rId3"/>
     <p:sldId id="391" r:id="rId4"/>
     <p:sldId id="383" r:id="rId5"/>
-    <p:sldId id="389" r:id="rId6"/>
-    <p:sldId id="384" r:id="rId7"/>
-    <p:sldId id="387" r:id="rId8"/>
-    <p:sldId id="388" r:id="rId9"/>
-    <p:sldId id="385" r:id="rId10"/>
-    <p:sldId id="386" r:id="rId11"/>
-    <p:sldId id="381" r:id="rId12"/>
-    <p:sldId id="390" r:id="rId13"/>
+    <p:sldId id="392" r:id="rId6"/>
+    <p:sldId id="389" r:id="rId7"/>
+    <p:sldId id="384" r:id="rId8"/>
+    <p:sldId id="387" r:id="rId9"/>
+    <p:sldId id="388" r:id="rId10"/>
+    <p:sldId id="385" r:id="rId11"/>
+    <p:sldId id="386" r:id="rId12"/>
+    <p:sldId id="381" r:id="rId13"/>
+    <p:sldId id="390" r:id="rId14"/>
   </p:sldIdLst>
   <p:sldSz cx="12192000" cy="6858000"/>
   <p:notesSz cx="6858000" cy="9144000"/>
@@ -1234,163 +1235,6 @@
             <ac:spMk id="2" creationId="{F9398C62-175A-3AE9-CCF4-D8D479B42460}"/>
           </ac:spMkLst>
         </pc:spChg>
-      </pc:sldChg>
-    </pc:docChg>
-  </pc:docChgLst>
-  <pc:docChgLst>
-    <pc:chgData name="#LOW KAI YUAN ANDRE#" userId="S::kaiyuana001@e.ntu.edu.sg::21debd0c-cf2b-4622-b54a-918816f10f4f" providerId="AD" clId="Web-{7B5B29AC-B858-93EF-FC13-5BDB776370BD}"/>
-    <pc:docChg chg="modSld">
-      <pc:chgData name="#LOW KAI YUAN ANDRE#" userId="S::kaiyuana001@e.ntu.edu.sg::21debd0c-cf2b-4622-b54a-918816f10f4f" providerId="AD" clId="Web-{7B5B29AC-B858-93EF-FC13-5BDB776370BD}" dt="2024-08-12T08:57:46.836" v="144"/>
-      <pc:docMkLst>
-        <pc:docMk/>
-      </pc:docMkLst>
-      <pc:sldChg chg="modSp">
-        <pc:chgData name="#LOW KAI YUAN ANDRE#" userId="S::kaiyuana001@e.ntu.edu.sg::21debd0c-cf2b-4622-b54a-918816f10f4f" providerId="AD" clId="Web-{7B5B29AC-B858-93EF-FC13-5BDB776370BD}" dt="2024-08-12T08:51:03.023" v="0" actId="20577"/>
-        <pc:sldMkLst>
-          <pc:docMk/>
-          <pc:sldMk cId="3044996226" sldId="265"/>
-        </pc:sldMkLst>
-        <pc:spChg chg="mod">
-          <ac:chgData name="#LOW KAI YUAN ANDRE#" userId="S::kaiyuana001@e.ntu.edu.sg::21debd0c-cf2b-4622-b54a-918816f10f4f" providerId="AD" clId="Web-{7B5B29AC-B858-93EF-FC13-5BDB776370BD}" dt="2024-08-12T08:51:03.023" v="0" actId="20577"/>
-          <ac:spMkLst>
-            <pc:docMk/>
-            <pc:sldMk cId="3044996226" sldId="265"/>
-            <ac:spMk id="5" creationId="{DCB89E92-E67B-6B46-6EF8-19C3A84C7365}"/>
-          </ac:spMkLst>
-        </pc:spChg>
-      </pc:sldChg>
-      <pc:sldChg chg="delSp modSp">
-        <pc:chgData name="#LOW KAI YUAN ANDRE#" userId="S::kaiyuana001@e.ntu.edu.sg::21debd0c-cf2b-4622-b54a-918816f10f4f" providerId="AD" clId="Web-{7B5B29AC-B858-93EF-FC13-5BDB776370BD}" dt="2024-08-12T08:57:17.163" v="141" actId="20577"/>
-        <pc:sldMkLst>
-          <pc:docMk/>
-          <pc:sldMk cId="1715466356" sldId="288"/>
-        </pc:sldMkLst>
-        <pc:spChg chg="mod">
-          <ac:chgData name="#LOW KAI YUAN ANDRE#" userId="S::kaiyuana001@e.ntu.edu.sg::21debd0c-cf2b-4622-b54a-918816f10f4f" providerId="AD" clId="Web-{7B5B29AC-B858-93EF-FC13-5BDB776370BD}" dt="2024-08-12T08:57:17.163" v="141" actId="20577"/>
-          <ac:spMkLst>
-            <pc:docMk/>
-            <pc:sldMk cId="1715466356" sldId="288"/>
-            <ac:spMk id="7" creationId="{6C2B1AC2-477C-4E55-712E-1BC6A5DB7925}"/>
-          </ac:spMkLst>
-        </pc:spChg>
-        <pc:picChg chg="del">
-          <ac:chgData name="#LOW KAI YUAN ANDRE#" userId="S::kaiyuana001@e.ntu.edu.sg::21debd0c-cf2b-4622-b54a-918816f10f4f" providerId="AD" clId="Web-{7B5B29AC-B858-93EF-FC13-5BDB776370BD}" dt="2024-08-12T08:52:21.495" v="16"/>
-          <ac:picMkLst>
-            <pc:docMk/>
-            <pc:sldMk cId="1715466356" sldId="288"/>
-            <ac:picMk id="8" creationId="{66BAB1F5-0277-7C0D-290F-45E62DFE23E6}"/>
-          </ac:picMkLst>
-        </pc:picChg>
-      </pc:sldChg>
-      <pc:sldChg chg="modSp">
-        <pc:chgData name="#LOW KAI YUAN ANDRE#" userId="S::kaiyuana001@e.ntu.edu.sg::21debd0c-cf2b-4622-b54a-918816f10f4f" providerId="AD" clId="Web-{7B5B29AC-B858-93EF-FC13-5BDB776370BD}" dt="2024-08-12T08:51:16.976" v="12" actId="20577"/>
-        <pc:sldMkLst>
-          <pc:docMk/>
-          <pc:sldMk cId="1257108610" sldId="327"/>
-        </pc:sldMkLst>
-        <pc:spChg chg="mod">
-          <ac:chgData name="#LOW KAI YUAN ANDRE#" userId="S::kaiyuana001@e.ntu.edu.sg::21debd0c-cf2b-4622-b54a-918816f10f4f" providerId="AD" clId="Web-{7B5B29AC-B858-93EF-FC13-5BDB776370BD}" dt="2024-08-12T08:51:16.976" v="12" actId="20577"/>
-          <ac:spMkLst>
-            <pc:docMk/>
-            <pc:sldMk cId="1257108610" sldId="327"/>
-            <ac:spMk id="3" creationId="{0678247A-D8E0-599A-B0E1-60D7BDE3B0CE}"/>
-          </ac:spMkLst>
-        </pc:spChg>
-      </pc:sldChg>
-      <pc:sldChg chg="addSp delSp modSp addAnim delAnim modAnim">
-        <pc:chgData name="#LOW KAI YUAN ANDRE#" userId="S::kaiyuana001@e.ntu.edu.sg::21debd0c-cf2b-4622-b54a-918816f10f4f" providerId="AD" clId="Web-{7B5B29AC-B858-93EF-FC13-5BDB776370BD}" dt="2024-08-12T08:57:46.836" v="144"/>
-        <pc:sldMkLst>
-          <pc:docMk/>
-          <pc:sldMk cId="2361061170" sldId="331"/>
-        </pc:sldMkLst>
-        <pc:spChg chg="del">
-          <ac:chgData name="#LOW KAI YUAN ANDRE#" userId="S::kaiyuana001@e.ntu.edu.sg::21debd0c-cf2b-4622-b54a-918816f10f4f" providerId="AD" clId="Web-{7B5B29AC-B858-93EF-FC13-5BDB776370BD}" dt="2024-08-12T08:57:46.836" v="144"/>
-          <ac:spMkLst>
-            <pc:docMk/>
-            <pc:sldMk cId="2361061170" sldId="331"/>
-            <ac:spMk id="3" creationId="{BE7D6E56-374C-DD46-B5C6-361678AF7DD3}"/>
-          </ac:spMkLst>
-        </pc:spChg>
-        <pc:spChg chg="del mod">
-          <ac:chgData name="#LOW KAI YUAN ANDRE#" userId="S::kaiyuana001@e.ntu.edu.sg::21debd0c-cf2b-4622-b54a-918816f10f4f" providerId="AD" clId="Web-{7B5B29AC-B858-93EF-FC13-5BDB776370BD}" dt="2024-08-12T08:57:45.570" v="143"/>
-          <ac:spMkLst>
-            <pc:docMk/>
-            <pc:sldMk cId="2361061170" sldId="331"/>
-            <ac:spMk id="5" creationId="{202C94C2-C020-F2AA-3B73-F4E5DE4E0570}"/>
-          </ac:spMkLst>
-        </pc:spChg>
-        <pc:spChg chg="add mod">
-          <ac:chgData name="#LOW KAI YUAN ANDRE#" userId="S::kaiyuana001@e.ntu.edu.sg::21debd0c-cf2b-4622-b54a-918816f10f4f" providerId="AD" clId="Web-{7B5B29AC-B858-93EF-FC13-5BDB776370BD}" dt="2024-08-12T08:56:54.615" v="134" actId="1076"/>
-          <ac:spMkLst>
-            <pc:docMk/>
-            <pc:sldMk cId="2361061170" sldId="331"/>
-            <ac:spMk id="11" creationId="{0DE111F9-21AD-0426-A7B8-AEB85CBC4563}"/>
-          </ac:spMkLst>
-        </pc:spChg>
-        <pc:spChg chg="add del mod">
-          <ac:chgData name="#LOW KAI YUAN ANDRE#" userId="S::kaiyuana001@e.ntu.edu.sg::21debd0c-cf2b-4622-b54a-918816f10f4f" providerId="AD" clId="Web-{7B5B29AC-B858-93EF-FC13-5BDB776370BD}" dt="2024-08-12T08:53:09.481" v="32"/>
-          <ac:spMkLst>
-            <pc:docMk/>
-            <pc:sldMk cId="2361061170" sldId="331"/>
-            <ac:spMk id="13" creationId="{B8F981A9-152E-674C-4434-AD76B545090D}"/>
-          </ac:spMkLst>
-        </pc:spChg>
-        <pc:spChg chg="add mod">
-          <ac:chgData name="#LOW KAI YUAN ANDRE#" userId="S::kaiyuana001@e.ntu.edu.sg::21debd0c-cf2b-4622-b54a-918816f10f4f" providerId="AD" clId="Web-{7B5B29AC-B858-93EF-FC13-5BDB776370BD}" dt="2024-08-12T08:54:11.187" v="90"/>
-          <ac:spMkLst>
-            <pc:docMk/>
-            <pc:sldMk cId="2361061170" sldId="331"/>
-            <ac:spMk id="15" creationId="{FF8461F1-81FB-F675-E9EC-0B9B32E11C23}"/>
-          </ac:spMkLst>
-        </pc:spChg>
-        <pc:spChg chg="add mod">
-          <ac:chgData name="#LOW KAI YUAN ANDRE#" userId="S::kaiyuana001@e.ntu.edu.sg::21debd0c-cf2b-4622-b54a-918816f10f4f" providerId="AD" clId="Web-{7B5B29AC-B858-93EF-FC13-5BDB776370BD}" dt="2024-08-12T08:56:43.521" v="131" actId="1076"/>
-          <ac:spMkLst>
-            <pc:docMk/>
-            <pc:sldMk cId="2361061170" sldId="331"/>
-            <ac:spMk id="16" creationId="{3080AD65-5E8A-D176-FB51-988680A99F01}"/>
-          </ac:spMkLst>
-        </pc:spChg>
-        <pc:spChg chg="add mod">
-          <ac:chgData name="#LOW KAI YUAN ANDRE#" userId="S::kaiyuana001@e.ntu.edu.sg::21debd0c-cf2b-4622-b54a-918816f10f4f" providerId="AD" clId="Web-{7B5B29AC-B858-93EF-FC13-5BDB776370BD}" dt="2024-08-12T08:56:48.068" v="133" actId="1076"/>
-          <ac:spMkLst>
-            <pc:docMk/>
-            <pc:sldMk cId="2361061170" sldId="331"/>
-            <ac:spMk id="17" creationId="{5789A256-99C1-12D7-6B9D-981A2E13568B}"/>
-          </ac:spMkLst>
-        </pc:spChg>
-        <pc:spChg chg="add del mod">
-          <ac:chgData name="#LOW KAI YUAN ANDRE#" userId="S::kaiyuana001@e.ntu.edu.sg::21debd0c-cf2b-4622-b54a-918816f10f4f" providerId="AD" clId="Web-{7B5B29AC-B858-93EF-FC13-5BDB776370BD}" dt="2024-08-12T08:56:00.066" v="108"/>
-          <ac:spMkLst>
-            <pc:docMk/>
-            <pc:sldMk cId="2361061170" sldId="331"/>
-            <ac:spMk id="20" creationId="{C1F80D13-9144-A58B-E9AA-0B091BA9C941}"/>
-          </ac:spMkLst>
-        </pc:spChg>
-        <pc:picChg chg="del mod">
-          <ac:chgData name="#LOW KAI YUAN ANDRE#" userId="S::kaiyuana001@e.ntu.edu.sg::21debd0c-cf2b-4622-b54a-918816f10f4f" providerId="AD" clId="Web-{7B5B29AC-B858-93EF-FC13-5BDB776370BD}" dt="2024-08-12T08:51:50.384" v="14"/>
-          <ac:picMkLst>
-            <pc:docMk/>
-            <pc:sldMk cId="2361061170" sldId="331"/>
-            <ac:picMk id="6" creationId="{A7ADC66D-8010-9D4E-A686-47067F4C6562}"/>
-          </ac:picMkLst>
-        </pc:picChg>
-        <pc:picChg chg="add mod">
-          <ac:chgData name="#LOW KAI YUAN ANDRE#" userId="S::kaiyuana001@e.ntu.edu.sg::21debd0c-cf2b-4622-b54a-918816f10f4f" providerId="AD" clId="Web-{7B5B29AC-B858-93EF-FC13-5BDB776370BD}" dt="2024-08-12T08:53:12.090" v="35" actId="1076"/>
-          <ac:picMkLst>
-            <pc:docMk/>
-            <pc:sldMk cId="2361061170" sldId="331"/>
-            <ac:picMk id="9" creationId="{33AB4E72-D07B-B1CC-22B8-A4CD445F2C90}"/>
-          </ac:picMkLst>
-        </pc:picChg>
-        <pc:cxnChg chg="add mod">
-          <ac:chgData name="#LOW KAI YUAN ANDRE#" userId="S::kaiyuana001@e.ntu.edu.sg::21debd0c-cf2b-4622-b54a-918816f10f4f" providerId="AD" clId="Web-{7B5B29AC-B858-93EF-FC13-5BDB776370BD}" dt="2024-08-12T08:55:49.847" v="105"/>
-          <ac:cxnSpMkLst>
-            <pc:docMk/>
-            <pc:sldMk cId="2361061170" sldId="331"/>
-            <ac:cxnSpMk id="18" creationId="{3496338C-1C26-1A67-9540-532BC4F25829}"/>
-          </ac:cxnSpMkLst>
-        </pc:cxnChg>
       </pc:sldChg>
     </pc:docChg>
   </pc:docChgLst>
@@ -2088,6 +1932,163 @@
           <pc:docMk/>
           <pc:sldMk cId="1428503266" sldId="400"/>
         </pc:sldMkLst>
+      </pc:sldChg>
+    </pc:docChg>
+  </pc:docChgLst>
+  <pc:docChgLst>
+    <pc:chgData name="#LOW KAI YUAN ANDRE#" userId="S::kaiyuana001@e.ntu.edu.sg::21debd0c-cf2b-4622-b54a-918816f10f4f" providerId="AD" clId="Web-{7B5B29AC-B858-93EF-FC13-5BDB776370BD}"/>
+    <pc:docChg chg="modSld">
+      <pc:chgData name="#LOW KAI YUAN ANDRE#" userId="S::kaiyuana001@e.ntu.edu.sg::21debd0c-cf2b-4622-b54a-918816f10f4f" providerId="AD" clId="Web-{7B5B29AC-B858-93EF-FC13-5BDB776370BD}" dt="2024-08-12T08:57:46.836" v="144"/>
+      <pc:docMkLst>
+        <pc:docMk/>
+      </pc:docMkLst>
+      <pc:sldChg chg="modSp">
+        <pc:chgData name="#LOW KAI YUAN ANDRE#" userId="S::kaiyuana001@e.ntu.edu.sg::21debd0c-cf2b-4622-b54a-918816f10f4f" providerId="AD" clId="Web-{7B5B29AC-B858-93EF-FC13-5BDB776370BD}" dt="2024-08-12T08:51:03.023" v="0" actId="20577"/>
+        <pc:sldMkLst>
+          <pc:docMk/>
+          <pc:sldMk cId="3044996226" sldId="265"/>
+        </pc:sldMkLst>
+        <pc:spChg chg="mod">
+          <ac:chgData name="#LOW KAI YUAN ANDRE#" userId="S::kaiyuana001@e.ntu.edu.sg::21debd0c-cf2b-4622-b54a-918816f10f4f" providerId="AD" clId="Web-{7B5B29AC-B858-93EF-FC13-5BDB776370BD}" dt="2024-08-12T08:51:03.023" v="0" actId="20577"/>
+          <ac:spMkLst>
+            <pc:docMk/>
+            <pc:sldMk cId="3044996226" sldId="265"/>
+            <ac:spMk id="5" creationId="{DCB89E92-E67B-6B46-6EF8-19C3A84C7365}"/>
+          </ac:spMkLst>
+        </pc:spChg>
+      </pc:sldChg>
+      <pc:sldChg chg="delSp modSp">
+        <pc:chgData name="#LOW KAI YUAN ANDRE#" userId="S::kaiyuana001@e.ntu.edu.sg::21debd0c-cf2b-4622-b54a-918816f10f4f" providerId="AD" clId="Web-{7B5B29AC-B858-93EF-FC13-5BDB776370BD}" dt="2024-08-12T08:57:17.163" v="141" actId="20577"/>
+        <pc:sldMkLst>
+          <pc:docMk/>
+          <pc:sldMk cId="1715466356" sldId="288"/>
+        </pc:sldMkLst>
+        <pc:spChg chg="mod">
+          <ac:chgData name="#LOW KAI YUAN ANDRE#" userId="S::kaiyuana001@e.ntu.edu.sg::21debd0c-cf2b-4622-b54a-918816f10f4f" providerId="AD" clId="Web-{7B5B29AC-B858-93EF-FC13-5BDB776370BD}" dt="2024-08-12T08:57:17.163" v="141" actId="20577"/>
+          <ac:spMkLst>
+            <pc:docMk/>
+            <pc:sldMk cId="1715466356" sldId="288"/>
+            <ac:spMk id="7" creationId="{6C2B1AC2-477C-4E55-712E-1BC6A5DB7925}"/>
+          </ac:spMkLst>
+        </pc:spChg>
+        <pc:picChg chg="del">
+          <ac:chgData name="#LOW KAI YUAN ANDRE#" userId="S::kaiyuana001@e.ntu.edu.sg::21debd0c-cf2b-4622-b54a-918816f10f4f" providerId="AD" clId="Web-{7B5B29AC-B858-93EF-FC13-5BDB776370BD}" dt="2024-08-12T08:52:21.495" v="16"/>
+          <ac:picMkLst>
+            <pc:docMk/>
+            <pc:sldMk cId="1715466356" sldId="288"/>
+            <ac:picMk id="8" creationId="{66BAB1F5-0277-7C0D-290F-45E62DFE23E6}"/>
+          </ac:picMkLst>
+        </pc:picChg>
+      </pc:sldChg>
+      <pc:sldChg chg="modSp">
+        <pc:chgData name="#LOW KAI YUAN ANDRE#" userId="S::kaiyuana001@e.ntu.edu.sg::21debd0c-cf2b-4622-b54a-918816f10f4f" providerId="AD" clId="Web-{7B5B29AC-B858-93EF-FC13-5BDB776370BD}" dt="2024-08-12T08:51:16.976" v="12" actId="20577"/>
+        <pc:sldMkLst>
+          <pc:docMk/>
+          <pc:sldMk cId="1257108610" sldId="327"/>
+        </pc:sldMkLst>
+        <pc:spChg chg="mod">
+          <ac:chgData name="#LOW KAI YUAN ANDRE#" userId="S::kaiyuana001@e.ntu.edu.sg::21debd0c-cf2b-4622-b54a-918816f10f4f" providerId="AD" clId="Web-{7B5B29AC-B858-93EF-FC13-5BDB776370BD}" dt="2024-08-12T08:51:16.976" v="12" actId="20577"/>
+          <ac:spMkLst>
+            <pc:docMk/>
+            <pc:sldMk cId="1257108610" sldId="327"/>
+            <ac:spMk id="3" creationId="{0678247A-D8E0-599A-B0E1-60D7BDE3B0CE}"/>
+          </ac:spMkLst>
+        </pc:spChg>
+      </pc:sldChg>
+      <pc:sldChg chg="addSp delSp modSp addAnim delAnim modAnim">
+        <pc:chgData name="#LOW KAI YUAN ANDRE#" userId="S::kaiyuana001@e.ntu.edu.sg::21debd0c-cf2b-4622-b54a-918816f10f4f" providerId="AD" clId="Web-{7B5B29AC-B858-93EF-FC13-5BDB776370BD}" dt="2024-08-12T08:57:46.836" v="144"/>
+        <pc:sldMkLst>
+          <pc:docMk/>
+          <pc:sldMk cId="2361061170" sldId="331"/>
+        </pc:sldMkLst>
+        <pc:spChg chg="del">
+          <ac:chgData name="#LOW KAI YUAN ANDRE#" userId="S::kaiyuana001@e.ntu.edu.sg::21debd0c-cf2b-4622-b54a-918816f10f4f" providerId="AD" clId="Web-{7B5B29AC-B858-93EF-FC13-5BDB776370BD}" dt="2024-08-12T08:57:46.836" v="144"/>
+          <ac:spMkLst>
+            <pc:docMk/>
+            <pc:sldMk cId="2361061170" sldId="331"/>
+            <ac:spMk id="3" creationId="{BE7D6E56-374C-DD46-B5C6-361678AF7DD3}"/>
+          </ac:spMkLst>
+        </pc:spChg>
+        <pc:spChg chg="del mod">
+          <ac:chgData name="#LOW KAI YUAN ANDRE#" userId="S::kaiyuana001@e.ntu.edu.sg::21debd0c-cf2b-4622-b54a-918816f10f4f" providerId="AD" clId="Web-{7B5B29AC-B858-93EF-FC13-5BDB776370BD}" dt="2024-08-12T08:57:45.570" v="143"/>
+          <ac:spMkLst>
+            <pc:docMk/>
+            <pc:sldMk cId="2361061170" sldId="331"/>
+            <ac:spMk id="5" creationId="{202C94C2-C020-F2AA-3B73-F4E5DE4E0570}"/>
+          </ac:spMkLst>
+        </pc:spChg>
+        <pc:spChg chg="add mod">
+          <ac:chgData name="#LOW KAI YUAN ANDRE#" userId="S::kaiyuana001@e.ntu.edu.sg::21debd0c-cf2b-4622-b54a-918816f10f4f" providerId="AD" clId="Web-{7B5B29AC-B858-93EF-FC13-5BDB776370BD}" dt="2024-08-12T08:56:54.615" v="134" actId="1076"/>
+          <ac:spMkLst>
+            <pc:docMk/>
+            <pc:sldMk cId="2361061170" sldId="331"/>
+            <ac:spMk id="11" creationId="{0DE111F9-21AD-0426-A7B8-AEB85CBC4563}"/>
+          </ac:spMkLst>
+        </pc:spChg>
+        <pc:spChg chg="add del mod">
+          <ac:chgData name="#LOW KAI YUAN ANDRE#" userId="S::kaiyuana001@e.ntu.edu.sg::21debd0c-cf2b-4622-b54a-918816f10f4f" providerId="AD" clId="Web-{7B5B29AC-B858-93EF-FC13-5BDB776370BD}" dt="2024-08-12T08:53:09.481" v="32"/>
+          <ac:spMkLst>
+            <pc:docMk/>
+            <pc:sldMk cId="2361061170" sldId="331"/>
+            <ac:spMk id="13" creationId="{B8F981A9-152E-674C-4434-AD76B545090D}"/>
+          </ac:spMkLst>
+        </pc:spChg>
+        <pc:spChg chg="add mod">
+          <ac:chgData name="#LOW KAI YUAN ANDRE#" userId="S::kaiyuana001@e.ntu.edu.sg::21debd0c-cf2b-4622-b54a-918816f10f4f" providerId="AD" clId="Web-{7B5B29AC-B858-93EF-FC13-5BDB776370BD}" dt="2024-08-12T08:54:11.187" v="90"/>
+          <ac:spMkLst>
+            <pc:docMk/>
+            <pc:sldMk cId="2361061170" sldId="331"/>
+            <ac:spMk id="15" creationId="{FF8461F1-81FB-F675-E9EC-0B9B32E11C23}"/>
+          </ac:spMkLst>
+        </pc:spChg>
+        <pc:spChg chg="add mod">
+          <ac:chgData name="#LOW KAI YUAN ANDRE#" userId="S::kaiyuana001@e.ntu.edu.sg::21debd0c-cf2b-4622-b54a-918816f10f4f" providerId="AD" clId="Web-{7B5B29AC-B858-93EF-FC13-5BDB776370BD}" dt="2024-08-12T08:56:43.521" v="131" actId="1076"/>
+          <ac:spMkLst>
+            <pc:docMk/>
+            <pc:sldMk cId="2361061170" sldId="331"/>
+            <ac:spMk id="16" creationId="{3080AD65-5E8A-D176-FB51-988680A99F01}"/>
+          </ac:spMkLst>
+        </pc:spChg>
+        <pc:spChg chg="add mod">
+          <ac:chgData name="#LOW KAI YUAN ANDRE#" userId="S::kaiyuana001@e.ntu.edu.sg::21debd0c-cf2b-4622-b54a-918816f10f4f" providerId="AD" clId="Web-{7B5B29AC-B858-93EF-FC13-5BDB776370BD}" dt="2024-08-12T08:56:48.068" v="133" actId="1076"/>
+          <ac:spMkLst>
+            <pc:docMk/>
+            <pc:sldMk cId="2361061170" sldId="331"/>
+            <ac:spMk id="17" creationId="{5789A256-99C1-12D7-6B9D-981A2E13568B}"/>
+          </ac:spMkLst>
+        </pc:spChg>
+        <pc:spChg chg="add del mod">
+          <ac:chgData name="#LOW KAI YUAN ANDRE#" userId="S::kaiyuana001@e.ntu.edu.sg::21debd0c-cf2b-4622-b54a-918816f10f4f" providerId="AD" clId="Web-{7B5B29AC-B858-93EF-FC13-5BDB776370BD}" dt="2024-08-12T08:56:00.066" v="108"/>
+          <ac:spMkLst>
+            <pc:docMk/>
+            <pc:sldMk cId="2361061170" sldId="331"/>
+            <ac:spMk id="20" creationId="{C1F80D13-9144-A58B-E9AA-0B091BA9C941}"/>
+          </ac:spMkLst>
+        </pc:spChg>
+        <pc:picChg chg="del mod">
+          <ac:chgData name="#LOW KAI YUAN ANDRE#" userId="S::kaiyuana001@e.ntu.edu.sg::21debd0c-cf2b-4622-b54a-918816f10f4f" providerId="AD" clId="Web-{7B5B29AC-B858-93EF-FC13-5BDB776370BD}" dt="2024-08-12T08:51:50.384" v="14"/>
+          <ac:picMkLst>
+            <pc:docMk/>
+            <pc:sldMk cId="2361061170" sldId="331"/>
+            <ac:picMk id="6" creationId="{A7ADC66D-8010-9D4E-A686-47067F4C6562}"/>
+          </ac:picMkLst>
+        </pc:picChg>
+        <pc:picChg chg="add mod">
+          <ac:chgData name="#LOW KAI YUAN ANDRE#" userId="S::kaiyuana001@e.ntu.edu.sg::21debd0c-cf2b-4622-b54a-918816f10f4f" providerId="AD" clId="Web-{7B5B29AC-B858-93EF-FC13-5BDB776370BD}" dt="2024-08-12T08:53:12.090" v="35" actId="1076"/>
+          <ac:picMkLst>
+            <pc:docMk/>
+            <pc:sldMk cId="2361061170" sldId="331"/>
+            <ac:picMk id="9" creationId="{33AB4E72-D07B-B1CC-22B8-A4CD445F2C90}"/>
+          </ac:picMkLst>
+        </pc:picChg>
+        <pc:cxnChg chg="add mod">
+          <ac:chgData name="#LOW KAI YUAN ANDRE#" userId="S::kaiyuana001@e.ntu.edu.sg::21debd0c-cf2b-4622-b54a-918816f10f4f" providerId="AD" clId="Web-{7B5B29AC-B858-93EF-FC13-5BDB776370BD}" dt="2024-08-12T08:55:49.847" v="105"/>
+          <ac:cxnSpMkLst>
+            <pc:docMk/>
+            <pc:sldMk cId="2361061170" sldId="331"/>
+            <ac:cxnSpMk id="18" creationId="{3496338C-1C26-1A67-9540-532BC4F25829}"/>
+          </ac:cxnSpMkLst>
+        </pc:cxnChg>
       </pc:sldChg>
     </pc:docChg>
   </pc:docChgLst>
@@ -16885,6 +16886,735 @@
           <p:cNvPr id="2" name="Title 1">
             <a:extLst>
               <a:ext uri="{FF2B5EF4-FFF2-40B4-BE49-F238E27FC236}">
+                <a16:creationId xmlns:a16="http://schemas.microsoft.com/office/drawing/2014/main" id="{234B06F0-1938-98AF-4273-9D8F4C7574D7}"/>
+              </a:ext>
+            </a:extLst>
+          </p:cNvPr>
+          <p:cNvSpPr>
+            <a:spLocks noGrp="1"/>
+          </p:cNvSpPr>
+          <p:nvPr>
+            <p:ph type="title"/>
+          </p:nvPr>
+        </p:nvSpPr>
+        <p:spPr/>
+        <p:txBody>
+          <a:bodyPr/>
+          <a:lstStyle/>
+          <a:p>
+            <a:r>
+              <a:rPr lang="en-SG" dirty="0"/>
+              <a:t>Active learning workflow</a:t>
+            </a:r>
+          </a:p>
+        </p:txBody>
+      </p:sp>
+      <p:sp>
+        <p:nvSpPr>
+          <p:cNvPr id="4" name="Slide Number Placeholder 3">
+            <a:extLst>
+              <a:ext uri="{FF2B5EF4-FFF2-40B4-BE49-F238E27FC236}">
+                <a16:creationId xmlns:a16="http://schemas.microsoft.com/office/drawing/2014/main" id="{2B03D9DD-2C79-9077-4186-0A46D4EA2298}"/>
+              </a:ext>
+            </a:extLst>
+          </p:cNvPr>
+          <p:cNvSpPr>
+            <a:spLocks noGrp="1"/>
+          </p:cNvSpPr>
+          <p:nvPr>
+            <p:ph type="sldNum" sz="quarter" idx="12"/>
+          </p:nvPr>
+        </p:nvSpPr>
+        <p:spPr/>
+        <p:txBody>
+          <a:bodyPr/>
+          <a:lstStyle/>
+          <a:p>
+            <a:fld id="{8E6562B1-0B0F-0246-9532-09536BC2AE59}" type="slidenum">
+              <a:rPr lang="en-US" smtClean="0"/>
+              <a:t>10</a:t>
+            </a:fld>
+            <a:endParaRPr lang="en-US"/>
+          </a:p>
+        </p:txBody>
+      </p:sp>
+      <p:pic>
+        <p:nvPicPr>
+          <p:cNvPr id="13" name="Picture 12">
+            <a:extLst>
+              <a:ext uri="{FF2B5EF4-FFF2-40B4-BE49-F238E27FC236}">
+                <a16:creationId xmlns:a16="http://schemas.microsoft.com/office/drawing/2014/main" id="{597A2E99-222C-D925-6D76-53D52A5A9350}"/>
+              </a:ext>
+            </a:extLst>
+          </p:cNvPr>
+          <p:cNvPicPr>
+            <a:picLocks noChangeAspect="1"/>
+          </p:cNvPicPr>
+          <p:nvPr/>
+        </p:nvPicPr>
+        <p:blipFill>
+          <a:blip r:embed="rId2"/>
+          <a:srcRect l="222"/>
+          <a:stretch/>
+        </p:blipFill>
+        <p:spPr>
+          <a:xfrm>
+            <a:off x="456048" y="2678839"/>
+            <a:ext cx="2446408" cy="1015381"/>
+          </a:xfrm>
+          <a:prstGeom prst="rect">
+            <a:avLst/>
+          </a:prstGeom>
+        </p:spPr>
+      </p:pic>
+      <p:pic>
+        <p:nvPicPr>
+          <p:cNvPr id="14" name="Picture 13">
+            <a:extLst>
+              <a:ext uri="{FF2B5EF4-FFF2-40B4-BE49-F238E27FC236}">
+                <a16:creationId xmlns:a16="http://schemas.microsoft.com/office/drawing/2014/main" id="{36768F19-182E-8826-3DEA-ADB5524A624D}"/>
+              </a:ext>
+            </a:extLst>
+          </p:cNvPr>
+          <p:cNvPicPr>
+            <a:picLocks noChangeAspect="1"/>
+          </p:cNvPicPr>
+          <p:nvPr/>
+        </p:nvPicPr>
+        <p:blipFill>
+          <a:blip r:embed="rId3"/>
+          <a:stretch>
+            <a:fillRect/>
+          </a:stretch>
+        </p:blipFill>
+        <p:spPr>
+          <a:xfrm>
+            <a:off x="4871014" y="2501543"/>
+            <a:ext cx="2338309" cy="1369974"/>
+          </a:xfrm>
+          <a:prstGeom prst="rect">
+            <a:avLst/>
+          </a:prstGeom>
+        </p:spPr>
+      </p:pic>
+      <p:pic>
+        <p:nvPicPr>
+          <p:cNvPr id="15" name="Picture 2">
+            <a:extLst>
+              <a:ext uri="{FF2B5EF4-FFF2-40B4-BE49-F238E27FC236}">
+                <a16:creationId xmlns:a16="http://schemas.microsoft.com/office/drawing/2014/main" id="{5143849D-80AA-081E-4F59-0340EB181130}"/>
+              </a:ext>
+            </a:extLst>
+          </p:cNvPr>
+          <p:cNvPicPr>
+            <a:picLocks noChangeAspect="1" noChangeArrowheads="1"/>
+          </p:cNvPicPr>
+          <p:nvPr/>
+        </p:nvPicPr>
+        <p:blipFill rotWithShape="1">
+          <a:blip r:embed="rId4">
+            <a:extLst>
+              <a:ext uri="{28A0092B-C50C-407E-A947-70E740481C1C}">
+                <a14:useLocalDpi xmlns:a14="http://schemas.microsoft.com/office/drawing/2010/main" val="0"/>
+              </a:ext>
+            </a:extLst>
+          </a:blip>
+          <a:srcRect t="6086" r="29879"/>
+          <a:stretch/>
+        </p:blipFill>
+        <p:spPr bwMode="auto">
+          <a:xfrm>
+            <a:off x="9177881" y="2464978"/>
+            <a:ext cx="2061647" cy="1543424"/>
+          </a:xfrm>
+          <a:prstGeom prst="rect">
+            <a:avLst/>
+          </a:prstGeom>
+          <a:noFill/>
+          <a:extLst>
+            <a:ext uri="{909E8E84-426E-40DD-AFC4-6F175D3DCCD1}">
+              <a14:hiddenFill xmlns:a14="http://schemas.microsoft.com/office/drawing/2010/main">
+                <a:solidFill>
+                  <a:srgbClr val="FFFFFF"/>
+                </a:solidFill>
+              </a14:hiddenFill>
+            </a:ext>
+          </a:extLst>
+        </p:spPr>
+      </p:pic>
+      <p:sp>
+        <p:nvSpPr>
+          <p:cNvPr id="16" name="TextBox 15">
+            <a:extLst>
+              <a:ext uri="{FF2B5EF4-FFF2-40B4-BE49-F238E27FC236}">
+                <a16:creationId xmlns:a16="http://schemas.microsoft.com/office/drawing/2014/main" id="{D08C61F5-E0C1-915E-1868-B3BA397C7EDA}"/>
+              </a:ext>
+            </a:extLst>
+          </p:cNvPr>
+          <p:cNvSpPr txBox="1"/>
+          <p:nvPr/>
+        </p:nvSpPr>
+        <p:spPr>
+          <a:xfrm>
+            <a:off x="153470" y="1757428"/>
+            <a:ext cx="2573590" cy="369332"/>
+          </a:xfrm>
+          <a:prstGeom prst="rect">
+            <a:avLst/>
+          </a:prstGeom>
+          <a:noFill/>
+        </p:spPr>
+        <p:txBody>
+          <a:bodyPr wrap="none" rtlCol="0">
+            <a:spAutoFit/>
+          </a:bodyPr>
+          <a:lstStyle/>
+          <a:p>
+            <a:r>
+              <a:rPr lang="en-SG" dirty="0"/>
+              <a:t>1. Dataset of TE materials</a:t>
+            </a:r>
+          </a:p>
+        </p:txBody>
+      </p:sp>
+      <p:sp>
+        <p:nvSpPr>
+          <p:cNvPr id="17" name="TextBox 16">
+            <a:extLst>
+              <a:ext uri="{FF2B5EF4-FFF2-40B4-BE49-F238E27FC236}">
+                <a16:creationId xmlns:a16="http://schemas.microsoft.com/office/drawing/2014/main" id="{48662ACC-2CDE-3E02-4926-A0F3931B456A}"/>
+              </a:ext>
+            </a:extLst>
+          </p:cNvPr>
+          <p:cNvSpPr txBox="1"/>
+          <p:nvPr/>
+        </p:nvSpPr>
+        <p:spPr>
+          <a:xfrm>
+            <a:off x="4871014" y="1757428"/>
+            <a:ext cx="2360326" cy="369332"/>
+          </a:xfrm>
+          <a:prstGeom prst="rect">
+            <a:avLst/>
+          </a:prstGeom>
+          <a:noFill/>
+        </p:spPr>
+        <p:txBody>
+          <a:bodyPr wrap="none" rtlCol="0">
+            <a:spAutoFit/>
+          </a:bodyPr>
+          <a:lstStyle/>
+          <a:p>
+            <a:r>
+              <a:rPr lang="en-SG" dirty="0"/>
+              <a:t>2. Multi-task ML model</a:t>
+            </a:r>
+          </a:p>
+        </p:txBody>
+      </p:sp>
+      <p:sp>
+        <p:nvSpPr>
+          <p:cNvPr id="18" name="TextBox 17">
+            <a:extLst>
+              <a:ext uri="{FF2B5EF4-FFF2-40B4-BE49-F238E27FC236}">
+                <a16:creationId xmlns:a16="http://schemas.microsoft.com/office/drawing/2014/main" id="{A7600FE3-2DED-4C95-AD63-C6DF72EB4A14}"/>
+              </a:ext>
+            </a:extLst>
+          </p:cNvPr>
+          <p:cNvSpPr txBox="1"/>
+          <p:nvPr/>
+        </p:nvSpPr>
+        <p:spPr>
+          <a:xfrm>
+            <a:off x="9174328" y="1757428"/>
+            <a:ext cx="2281971" cy="646331"/>
+          </a:xfrm>
+          <a:prstGeom prst="rect">
+            <a:avLst/>
+          </a:prstGeom>
+          <a:noFill/>
+        </p:spPr>
+        <p:txBody>
+          <a:bodyPr wrap="none" rtlCol="0">
+            <a:spAutoFit/>
+          </a:bodyPr>
+          <a:lstStyle/>
+          <a:p>
+            <a:r>
+              <a:rPr lang="en-SG" dirty="0"/>
+              <a:t>3. Compute and</a:t>
+            </a:r>
+            <a:br>
+              <a:rPr lang="en-SG" dirty="0"/>
+            </a:br>
+            <a:r>
+              <a:rPr lang="en-SG" dirty="0"/>
+              <a:t>extrapolate ZT-T curve</a:t>
+            </a:r>
+          </a:p>
+        </p:txBody>
+      </p:sp>
+      <p:sp>
+        <p:nvSpPr>
+          <p:cNvPr id="20" name="TextBox 19">
+            <a:extLst>
+              <a:ext uri="{FF2B5EF4-FFF2-40B4-BE49-F238E27FC236}">
+                <a16:creationId xmlns:a16="http://schemas.microsoft.com/office/drawing/2014/main" id="{4532E9A8-41A3-8EC6-DF05-F0BE8A897F3A}"/>
+              </a:ext>
+            </a:extLst>
+          </p:cNvPr>
+          <p:cNvSpPr txBox="1"/>
+          <p:nvPr/>
+        </p:nvSpPr>
+        <p:spPr>
+          <a:xfrm>
+            <a:off x="7158673" y="5424934"/>
+            <a:ext cx="3675686" cy="646331"/>
+          </a:xfrm>
+          <a:prstGeom prst="rect">
+            <a:avLst/>
+          </a:prstGeom>
+          <a:noFill/>
+        </p:spPr>
+        <p:txBody>
+          <a:bodyPr wrap="none" rtlCol="0">
+            <a:spAutoFit/>
+          </a:bodyPr>
+          <a:lstStyle/>
+          <a:p>
+            <a:r>
+              <a:rPr lang="en-SG" dirty="0"/>
+              <a:t>4. Sample/optimize </a:t>
+            </a:r>
+            <a:br>
+              <a:rPr lang="en-SG" dirty="0"/>
+            </a:br>
+            <a:r>
+              <a:rPr lang="en-SG" dirty="0"/>
+              <a:t>chemical similarity and ZT at target T </a:t>
+            </a:r>
+          </a:p>
+        </p:txBody>
+      </p:sp>
+      <p:cxnSp>
+        <p:nvCxnSpPr>
+          <p:cNvPr id="23" name="Straight Arrow Connector 22">
+            <a:extLst>
+              <a:ext uri="{FF2B5EF4-FFF2-40B4-BE49-F238E27FC236}">
+                <a16:creationId xmlns:a16="http://schemas.microsoft.com/office/drawing/2014/main" id="{F2D3D0BD-FFF1-E89A-E7F3-7E35A58469C0}"/>
+              </a:ext>
+            </a:extLst>
+          </p:cNvPr>
+          <p:cNvCxnSpPr>
+            <a:cxnSpLocks/>
+          </p:cNvCxnSpPr>
+          <p:nvPr/>
+        </p:nvCxnSpPr>
+        <p:spPr>
+          <a:xfrm>
+            <a:off x="7516475" y="2993694"/>
+            <a:ext cx="1480041" cy="0"/>
+          </a:xfrm>
+          <a:prstGeom prst="straightConnector1">
+            <a:avLst/>
+          </a:prstGeom>
+          <a:ln>
+            <a:tailEnd type="triangle"/>
+          </a:ln>
+          <a:effectLst/>
+        </p:spPr>
+        <p:style>
+          <a:lnRef idx="2">
+            <a:schemeClr val="dk1"/>
+          </a:lnRef>
+          <a:fillRef idx="0">
+            <a:schemeClr val="dk1"/>
+          </a:fillRef>
+          <a:effectRef idx="1">
+            <a:schemeClr val="dk1"/>
+          </a:effectRef>
+          <a:fontRef idx="minor">
+            <a:schemeClr val="tx1"/>
+          </a:fontRef>
+        </p:style>
+      </p:cxnSp>
+      <p:cxnSp>
+        <p:nvCxnSpPr>
+          <p:cNvPr id="31" name="Straight Arrow Connector 30">
+            <a:extLst>
+              <a:ext uri="{FF2B5EF4-FFF2-40B4-BE49-F238E27FC236}">
+                <a16:creationId xmlns:a16="http://schemas.microsoft.com/office/drawing/2014/main" id="{0B6B7545-629D-C82C-E8C3-F322685B0DF1}"/>
+              </a:ext>
+            </a:extLst>
+          </p:cNvPr>
+          <p:cNvCxnSpPr>
+            <a:cxnSpLocks/>
+          </p:cNvCxnSpPr>
+          <p:nvPr/>
+        </p:nvCxnSpPr>
+        <p:spPr>
+          <a:xfrm>
+            <a:off x="3195197" y="2975508"/>
+            <a:ext cx="1480041" cy="0"/>
+          </a:xfrm>
+          <a:prstGeom prst="straightConnector1">
+            <a:avLst/>
+          </a:prstGeom>
+          <a:ln>
+            <a:tailEnd type="triangle"/>
+          </a:ln>
+          <a:effectLst/>
+        </p:spPr>
+        <p:style>
+          <a:lnRef idx="2">
+            <a:schemeClr val="dk1"/>
+          </a:lnRef>
+          <a:fillRef idx="0">
+            <a:schemeClr val="dk1"/>
+          </a:fillRef>
+          <a:effectRef idx="1">
+            <a:schemeClr val="dk1"/>
+          </a:effectRef>
+          <a:fontRef idx="minor">
+            <a:schemeClr val="tx1"/>
+          </a:fontRef>
+        </p:style>
+      </p:cxnSp>
+      <p:pic>
+        <p:nvPicPr>
+          <p:cNvPr id="32" name="Picture 31">
+            <a:extLst>
+              <a:ext uri="{FF2B5EF4-FFF2-40B4-BE49-F238E27FC236}">
+                <a16:creationId xmlns:a16="http://schemas.microsoft.com/office/drawing/2014/main" id="{33E4A330-BF6E-2AFA-57B6-F0BCA2E06234}"/>
+              </a:ext>
+            </a:extLst>
+          </p:cNvPr>
+          <p:cNvPicPr>
+            <a:picLocks noChangeAspect="1"/>
+          </p:cNvPicPr>
+          <p:nvPr/>
+        </p:nvPicPr>
+        <p:blipFill>
+          <a:blip r:embed="rId5"/>
+          <a:stretch>
+            <a:fillRect/>
+          </a:stretch>
+        </p:blipFill>
+        <p:spPr>
+          <a:xfrm>
+            <a:off x="4588515" y="4482497"/>
+            <a:ext cx="2487560" cy="1884873"/>
+          </a:xfrm>
+          <a:prstGeom prst="rect">
+            <a:avLst/>
+          </a:prstGeom>
+        </p:spPr>
+      </p:pic>
+      <p:grpSp>
+        <p:nvGrpSpPr>
+          <p:cNvPr id="43" name="Group 42">
+            <a:extLst>
+              <a:ext uri="{FF2B5EF4-FFF2-40B4-BE49-F238E27FC236}">
+                <a16:creationId xmlns:a16="http://schemas.microsoft.com/office/drawing/2014/main" id="{61B09DE8-0214-DEB0-C72A-FC20B0A79852}"/>
+              </a:ext>
+            </a:extLst>
+          </p:cNvPr>
+          <p:cNvGrpSpPr/>
+          <p:nvPr/>
+        </p:nvGrpSpPr>
+        <p:grpSpPr>
+          <a:xfrm>
+            <a:off x="7076075" y="3820291"/>
+            <a:ext cx="3416216" cy="1683724"/>
+            <a:chOff x="6899097" y="3392959"/>
+            <a:chExt cx="3416216" cy="1683724"/>
+          </a:xfrm>
+        </p:grpSpPr>
+        <p:cxnSp>
+          <p:nvCxnSpPr>
+            <p:cNvPr id="36" name="Connector: Curved 35">
+              <a:extLst>
+                <a:ext uri="{FF2B5EF4-FFF2-40B4-BE49-F238E27FC236}">
+                  <a16:creationId xmlns:a16="http://schemas.microsoft.com/office/drawing/2014/main" id="{D28CB0C7-0A33-E7E1-38BE-E4D4BFA3283A}"/>
+                </a:ext>
+              </a:extLst>
+            </p:cNvPr>
+            <p:cNvCxnSpPr>
+              <a:cxnSpLocks/>
+              <a:stCxn id="41" idx="2"/>
+              <a:endCxn id="39" idx="3"/>
+            </p:cNvCxnSpPr>
+            <p:nvPr/>
+          </p:nvCxnSpPr>
+          <p:spPr>
+            <a:xfrm rot="5400000">
+              <a:off x="8101734" y="2797221"/>
+              <a:ext cx="1129726" cy="3059867"/>
+            </a:xfrm>
+            <a:prstGeom prst="curvedConnector2">
+              <a:avLst/>
+            </a:prstGeom>
+            <a:ln>
+              <a:tailEnd type="triangle"/>
+            </a:ln>
+            <a:effectLst/>
+          </p:spPr>
+          <p:style>
+            <a:lnRef idx="2">
+              <a:schemeClr val="dk1"/>
+            </a:lnRef>
+            <a:fillRef idx="0">
+              <a:schemeClr val="dk1"/>
+            </a:fillRef>
+            <a:effectRef idx="1">
+              <a:schemeClr val="dk1"/>
+            </a:effectRef>
+            <a:fontRef idx="minor">
+              <a:schemeClr val="tx1"/>
+            </a:fontRef>
+          </p:style>
+        </p:cxnSp>
+        <p:sp>
+          <p:nvSpPr>
+            <p:cNvPr id="39" name="TextBox 38">
+              <a:extLst>
+                <a:ext uri="{FF2B5EF4-FFF2-40B4-BE49-F238E27FC236}">
+                  <a16:creationId xmlns:a16="http://schemas.microsoft.com/office/drawing/2014/main" id="{45E6ED0D-1CE3-A577-4D3F-B558E976C64D}"/>
+                </a:ext>
+              </a:extLst>
+            </p:cNvPr>
+            <p:cNvSpPr txBox="1"/>
+            <p:nvPr/>
+          </p:nvSpPr>
+          <p:spPr>
+            <a:xfrm>
+              <a:off x="6899097" y="4707351"/>
+              <a:ext cx="237566" cy="369332"/>
+            </a:xfrm>
+            <a:prstGeom prst="rect">
+              <a:avLst/>
+            </a:prstGeom>
+            <a:noFill/>
+          </p:spPr>
+          <p:txBody>
+            <a:bodyPr wrap="none" rtlCol="0">
+              <a:spAutoFit/>
+            </a:bodyPr>
+            <a:lstStyle/>
+            <a:p>
+              <a:r>
+                <a:rPr lang="en-SG" dirty="0"/>
+                <a:t> </a:t>
+              </a:r>
+            </a:p>
+          </p:txBody>
+        </p:sp>
+        <p:sp>
+          <p:nvSpPr>
+            <p:cNvPr id="41" name="TextBox 40">
+              <a:extLst>
+                <a:ext uri="{FF2B5EF4-FFF2-40B4-BE49-F238E27FC236}">
+                  <a16:creationId xmlns:a16="http://schemas.microsoft.com/office/drawing/2014/main" id="{B52E312E-B99D-3831-7B40-C21A9271F21B}"/>
+                </a:ext>
+              </a:extLst>
+            </p:cNvPr>
+            <p:cNvSpPr txBox="1"/>
+            <p:nvPr/>
+          </p:nvSpPr>
+          <p:spPr>
+            <a:xfrm>
+              <a:off x="10077747" y="3392959"/>
+              <a:ext cx="237566" cy="369332"/>
+            </a:xfrm>
+            <a:prstGeom prst="rect">
+              <a:avLst/>
+            </a:prstGeom>
+            <a:noFill/>
+          </p:spPr>
+          <p:txBody>
+            <a:bodyPr wrap="none" rtlCol="0">
+              <a:spAutoFit/>
+            </a:bodyPr>
+            <a:lstStyle/>
+            <a:p>
+              <a:r>
+                <a:rPr lang="en-SG" dirty="0"/>
+                <a:t> </a:t>
+              </a:r>
+            </a:p>
+          </p:txBody>
+        </p:sp>
+      </p:grpSp>
+      <p:grpSp>
+        <p:nvGrpSpPr>
+          <p:cNvPr id="45" name="Group 44">
+            <a:extLst>
+              <a:ext uri="{FF2B5EF4-FFF2-40B4-BE49-F238E27FC236}">
+                <a16:creationId xmlns:a16="http://schemas.microsoft.com/office/drawing/2014/main" id="{F593D742-7024-C8E8-AA0C-E8893AA8C51D}"/>
+              </a:ext>
+            </a:extLst>
+          </p:cNvPr>
+          <p:cNvGrpSpPr/>
+          <p:nvPr/>
+        </p:nvGrpSpPr>
+        <p:grpSpPr>
+          <a:xfrm rot="5400000">
+            <a:off x="2166768" y="3046089"/>
+            <a:ext cx="1733178" cy="3182676"/>
+            <a:chOff x="6787440" y="1798253"/>
+            <a:chExt cx="1733178" cy="3182676"/>
+          </a:xfrm>
+        </p:grpSpPr>
+        <p:cxnSp>
+          <p:nvCxnSpPr>
+            <p:cNvPr id="46" name="Connector: Curved 45">
+              <a:extLst>
+                <a:ext uri="{FF2B5EF4-FFF2-40B4-BE49-F238E27FC236}">
+                  <a16:creationId xmlns:a16="http://schemas.microsoft.com/office/drawing/2014/main" id="{C29E9624-2B5A-E4C2-5B5A-F170C00F6581}"/>
+                </a:ext>
+              </a:extLst>
+            </p:cNvPr>
+            <p:cNvCxnSpPr>
+              <a:cxnSpLocks/>
+              <a:stCxn id="48" idx="2"/>
+              <a:endCxn id="47" idx="3"/>
+            </p:cNvCxnSpPr>
+            <p:nvPr/>
+          </p:nvCxnSpPr>
+          <p:spPr>
+            <a:xfrm rot="5400000">
+              <a:off x="6399083" y="2793509"/>
+              <a:ext cx="2628678" cy="1376829"/>
+            </a:xfrm>
+            <a:prstGeom prst="curvedConnector2">
+              <a:avLst/>
+            </a:prstGeom>
+            <a:ln>
+              <a:tailEnd type="triangle"/>
+            </a:ln>
+            <a:effectLst/>
+          </p:spPr>
+          <p:style>
+            <a:lnRef idx="2">
+              <a:schemeClr val="dk1"/>
+            </a:lnRef>
+            <a:fillRef idx="0">
+              <a:schemeClr val="dk1"/>
+            </a:fillRef>
+            <a:effectRef idx="1">
+              <a:schemeClr val="dk1"/>
+            </a:effectRef>
+            <a:fontRef idx="minor">
+              <a:schemeClr val="tx1"/>
+            </a:fontRef>
+          </p:style>
+        </p:cxnSp>
+        <p:sp>
+          <p:nvSpPr>
+            <p:cNvPr id="47" name="TextBox 46">
+              <a:extLst>
+                <a:ext uri="{FF2B5EF4-FFF2-40B4-BE49-F238E27FC236}">
+                  <a16:creationId xmlns:a16="http://schemas.microsoft.com/office/drawing/2014/main" id="{F86B07CA-5A2B-99D4-CA12-F6E76478E558}"/>
+                </a:ext>
+              </a:extLst>
+            </p:cNvPr>
+            <p:cNvSpPr txBox="1"/>
+            <p:nvPr/>
+          </p:nvSpPr>
+          <p:spPr>
+            <a:xfrm>
+              <a:off x="6787440" y="4611597"/>
+              <a:ext cx="237566" cy="369332"/>
+            </a:xfrm>
+            <a:prstGeom prst="rect">
+              <a:avLst/>
+            </a:prstGeom>
+            <a:noFill/>
+          </p:spPr>
+          <p:txBody>
+            <a:bodyPr wrap="square" rtlCol="0">
+              <a:spAutoFit/>
+            </a:bodyPr>
+            <a:lstStyle/>
+            <a:p>
+              <a:r>
+                <a:rPr lang="en-SG" dirty="0"/>
+                <a:t> </a:t>
+              </a:r>
+            </a:p>
+          </p:txBody>
+        </p:sp>
+        <p:sp>
+          <p:nvSpPr>
+            <p:cNvPr id="48" name="TextBox 47">
+              <a:extLst>
+                <a:ext uri="{FF2B5EF4-FFF2-40B4-BE49-F238E27FC236}">
+                  <a16:creationId xmlns:a16="http://schemas.microsoft.com/office/drawing/2014/main" id="{F1198997-2C7C-E328-9EBA-881DA7117BDD}"/>
+                </a:ext>
+              </a:extLst>
+            </p:cNvPr>
+            <p:cNvSpPr txBox="1"/>
+            <p:nvPr/>
+          </p:nvSpPr>
+          <p:spPr>
+            <a:xfrm>
+              <a:off x="8283052" y="1798253"/>
+              <a:ext cx="237566" cy="369332"/>
+            </a:xfrm>
+            <a:prstGeom prst="rect">
+              <a:avLst/>
+            </a:prstGeom>
+            <a:noFill/>
+          </p:spPr>
+          <p:txBody>
+            <a:bodyPr wrap="none" rtlCol="0">
+              <a:spAutoFit/>
+            </a:bodyPr>
+            <a:lstStyle/>
+            <a:p>
+              <a:r>
+                <a:rPr lang="en-SG" dirty="0"/>
+                <a:t> </a:t>
+              </a:r>
+            </a:p>
+          </p:txBody>
+        </p:sp>
+      </p:grpSp>
+    </p:spTree>
+    <p:extLst>
+      <p:ext uri="{BB962C8B-B14F-4D97-AF65-F5344CB8AC3E}">
+        <p14:creationId xmlns:p14="http://schemas.microsoft.com/office/powerpoint/2010/main" val="475331676"/>
+      </p:ext>
+    </p:extLst>
+  </p:cSld>
+  <p:clrMapOvr>
+    <a:masterClrMapping/>
+  </p:clrMapOvr>
+</p:sld>
+</file>
+
+<file path=ppt/slides/slide11.xml><?xml version="1.0" encoding="utf-8"?>
+<p:sld xmlns:a="http://schemas.openxmlformats.org/drawingml/2006/main" xmlns:r="http://schemas.openxmlformats.org/officeDocument/2006/relationships" xmlns:p="http://schemas.openxmlformats.org/presentationml/2006/main">
+  <p:cSld>
+    <p:spTree>
+      <p:nvGrpSpPr>
+        <p:cNvPr id="1" name=""/>
+        <p:cNvGrpSpPr/>
+        <p:nvPr/>
+      </p:nvGrpSpPr>
+      <p:grpSpPr>
+        <a:xfrm>
+          <a:off x="0" y="0"/>
+          <a:ext cx="0" cy="0"/>
+          <a:chOff x="0" y="0"/>
+          <a:chExt cx="0" cy="0"/>
+        </a:xfrm>
+      </p:grpSpPr>
+      <p:sp>
+        <p:nvSpPr>
+          <p:cNvPr id="2" name="Title 1">
+            <a:extLst>
+              <a:ext uri="{FF2B5EF4-FFF2-40B4-BE49-F238E27FC236}">
                 <a16:creationId xmlns:a16="http://schemas.microsoft.com/office/drawing/2014/main" id="{3C09926F-50D0-520B-E7DF-B983C000FE44}"/>
               </a:ext>
             </a:extLst>
@@ -17015,7 +17745,7 @@
           <a:p>
             <a:fld id="{8E6562B1-0B0F-0246-9532-09536BC2AE59}" type="slidenum">
               <a:rPr lang="en-US" smtClean="0"/>
-              <a:t>10</a:t>
+              <a:t>11</a:t>
             </a:fld>
             <a:endParaRPr lang="en-US"/>
           </a:p>
@@ -17034,7 +17764,7 @@
 </p:sld>
 </file>
 
-<file path=ppt/slides/slide11.xml><?xml version="1.0" encoding="utf-8"?>
+<file path=ppt/slides/slide12.xml><?xml version="1.0" encoding="utf-8"?>
 <p:sld xmlns:a="http://schemas.openxmlformats.org/drawingml/2006/main" xmlns:r="http://schemas.openxmlformats.org/officeDocument/2006/relationships" xmlns:p="http://schemas.openxmlformats.org/presentationml/2006/main">
   <p:cSld>
     <p:spTree>
@@ -17109,7 +17839,7 @@
           <a:p>
             <a:fld id="{8E6562B1-0B0F-0246-9532-09536BC2AE59}" type="slidenum">
               <a:rPr lang="en-US" smtClean="0"/>
-              <a:t>11</a:t>
+              <a:t>12</a:t>
             </a:fld>
             <a:endParaRPr lang="en-US"/>
           </a:p>
@@ -17457,7 +18187,7 @@
 </p:sld>
 </file>
 
-<file path=ppt/slides/slide12.xml><?xml version="1.0" encoding="utf-8"?>
+<file path=ppt/slides/slide13.xml><?xml version="1.0" encoding="utf-8"?>
 <p:sld xmlns:a="http://schemas.openxmlformats.org/drawingml/2006/main" xmlns:r="http://schemas.openxmlformats.org/officeDocument/2006/relationships" xmlns:p="http://schemas.openxmlformats.org/presentationml/2006/main">
   <p:cSld>
     <p:spTree>
@@ -17526,7 +18256,7 @@
           <a:p>
             <a:fld id="{8E6562B1-0B0F-0246-9532-09536BC2AE59}" type="slidenum">
               <a:rPr lang="en-US" smtClean="0"/>
-              <a:t>12</a:t>
+              <a:t>13</a:t>
             </a:fld>
             <a:endParaRPr lang="en-US"/>
           </a:p>
@@ -18479,6 +19209,1828 @@
           </a:p>
         </p:txBody>
       </p:sp>
+      <mc:AlternateContent xmlns:mc="http://schemas.openxmlformats.org/markup-compatibility/2006">
+        <mc:Choice xmlns:a14="http://schemas.microsoft.com/office/drawing/2010/main" Requires="a14">
+          <p:sp>
+            <p:nvSpPr>
+              <p:cNvPr id="3" name="TextBox 2">
+                <a:extLst>
+                  <a:ext uri="{FF2B5EF4-FFF2-40B4-BE49-F238E27FC236}">
+                    <a16:creationId xmlns:a16="http://schemas.microsoft.com/office/drawing/2014/main" id="{B6DCF593-BAB1-870A-6166-AB9A1D3BECBA}"/>
+                  </a:ext>
+                </a:extLst>
+              </p:cNvPr>
+              <p:cNvSpPr txBox="1"/>
+              <p:nvPr/>
+            </p:nvSpPr>
+            <p:spPr>
+              <a:xfrm>
+                <a:off x="3064401" y="2773653"/>
+                <a:ext cx="747251" cy="369332"/>
+              </a:xfrm>
+              <a:prstGeom prst="rect">
+                <a:avLst/>
+              </a:prstGeom>
+              <a:noFill/>
+              <a:ln>
+                <a:solidFill>
+                  <a:schemeClr val="tx1"/>
+                </a:solidFill>
+              </a:ln>
+            </p:spPr>
+            <p:txBody>
+              <a:bodyPr wrap="square" rtlCol="0">
+                <a:spAutoFit/>
+              </a:bodyPr>
+              <a:lstStyle/>
+              <a:p>
+                <a:pPr/>
+                <a14:m>
+                  <m:oMathPara xmlns:m="http://schemas.openxmlformats.org/officeDocument/2006/math">
+                    <m:oMathParaPr>
+                      <m:jc m:val="centerGroup"/>
+                    </m:oMathParaPr>
+                    <m:oMath xmlns:m="http://schemas.openxmlformats.org/officeDocument/2006/math">
+                      <m:r>
+                        <a:rPr lang="en-SG" sz="1800" b="0" i="1" smtClean="0">
+                          <a:latin typeface="Cambria Math" panose="02040503050406030204" pitchFamily="18" charset="0"/>
+                        </a:rPr>
+                        <m:t>𝑥</m:t>
+                      </m:r>
+                    </m:oMath>
+                  </m:oMathPara>
+                </a14:m>
+                <a:endParaRPr lang="en-SG" sz="1800" dirty="0"/>
+              </a:p>
+            </p:txBody>
+          </p:sp>
+        </mc:Choice>
+        <mc:Fallback>
+          <p:sp>
+            <p:nvSpPr>
+              <p:cNvPr id="3" name="TextBox 2">
+                <a:extLst>
+                  <a:ext uri="{FF2B5EF4-FFF2-40B4-BE49-F238E27FC236}">
+                    <a16:creationId xmlns:a16="http://schemas.microsoft.com/office/drawing/2014/main" id="{B6DCF593-BAB1-870A-6166-AB9A1D3BECBA}"/>
+                  </a:ext>
+                </a:extLst>
+              </p:cNvPr>
+              <p:cNvSpPr txBox="1">
+                <a:spLocks noRot="1" noChangeAspect="1" noMove="1" noResize="1" noEditPoints="1" noAdjustHandles="1" noChangeArrowheads="1" noChangeShapeType="1" noTextEdit="1"/>
+              </p:cNvSpPr>
+              <p:nvPr/>
+            </p:nvSpPr>
+            <p:spPr>
+              <a:xfrm>
+                <a:off x="3064401" y="2773653"/>
+                <a:ext cx="747251" cy="369332"/>
+              </a:xfrm>
+              <a:prstGeom prst="rect">
+                <a:avLst/>
+              </a:prstGeom>
+              <a:blipFill>
+                <a:blip r:embed="rId2"/>
+                <a:stretch>
+                  <a:fillRect/>
+                </a:stretch>
+              </a:blipFill>
+              <a:ln>
+                <a:solidFill>
+                  <a:schemeClr val="tx1"/>
+                </a:solidFill>
+              </a:ln>
+            </p:spPr>
+            <p:txBody>
+              <a:bodyPr/>
+              <a:lstStyle/>
+              <a:p>
+                <a:r>
+                  <a:rPr lang="en-SG">
+                    <a:noFill/>
+                  </a:rPr>
+                  <a:t> </a:t>
+                </a:r>
+              </a:p>
+            </p:txBody>
+          </p:sp>
+        </mc:Fallback>
+      </mc:AlternateContent>
+      <p:sp>
+        <p:nvSpPr>
+          <p:cNvPr id="8" name="TextBox 7">
+            <a:extLst>
+              <a:ext uri="{FF2B5EF4-FFF2-40B4-BE49-F238E27FC236}">
+                <a16:creationId xmlns:a16="http://schemas.microsoft.com/office/drawing/2014/main" id="{3692FBA1-C55B-3608-CD72-F487A5AB2FC6}"/>
+              </a:ext>
+            </a:extLst>
+          </p:cNvPr>
+          <p:cNvSpPr txBox="1"/>
+          <p:nvPr/>
+        </p:nvSpPr>
+        <p:spPr>
+          <a:xfrm>
+            <a:off x="2245039" y="3472800"/>
+            <a:ext cx="747251" cy="338554"/>
+          </a:xfrm>
+          <a:prstGeom prst="rect">
+            <a:avLst/>
+          </a:prstGeom>
+          <a:noFill/>
+          <a:ln>
+            <a:solidFill>
+              <a:schemeClr val="tx1"/>
+            </a:solidFill>
+          </a:ln>
+        </p:spPr>
+        <p:txBody>
+          <a:bodyPr wrap="square" rtlCol="0">
+            <a:spAutoFit/>
+          </a:bodyPr>
+          <a:lstStyle/>
+          <a:p>
+            <a:pPr algn="ctr"/>
+            <a:r>
+              <a:rPr lang="en-SG" sz="1600" dirty="0"/>
+              <a:t>ML</a:t>
+            </a:r>
+          </a:p>
+        </p:txBody>
+      </p:sp>
+      <mc:AlternateContent xmlns:mc="http://schemas.openxmlformats.org/markup-compatibility/2006">
+        <mc:Choice xmlns:a14="http://schemas.microsoft.com/office/drawing/2010/main" Requires="a14">
+          <p:sp>
+            <p:nvSpPr>
+              <p:cNvPr id="9" name="TextBox 8">
+                <a:extLst>
+                  <a:ext uri="{FF2B5EF4-FFF2-40B4-BE49-F238E27FC236}">
+                    <a16:creationId xmlns:a16="http://schemas.microsoft.com/office/drawing/2014/main" id="{0141D606-3740-42A1-A0FC-183634221074}"/>
+                  </a:ext>
+                </a:extLst>
+              </p:cNvPr>
+              <p:cNvSpPr txBox="1"/>
+              <p:nvPr/>
+            </p:nvSpPr>
+            <p:spPr>
+              <a:xfrm>
+                <a:off x="3090614" y="3472800"/>
+                <a:ext cx="747251" cy="338554"/>
+              </a:xfrm>
+              <a:prstGeom prst="rect">
+                <a:avLst/>
+              </a:prstGeom>
+              <a:noFill/>
+              <a:ln>
+                <a:solidFill>
+                  <a:schemeClr val="tx1"/>
+                </a:solidFill>
+              </a:ln>
+            </p:spPr>
+            <p:txBody>
+              <a:bodyPr wrap="square" rtlCol="0">
+                <a:spAutoFit/>
+              </a:bodyPr>
+              <a:lstStyle/>
+              <a:p>
+                <a:pPr algn="ctr"/>
+                <a14:m>
+                  <m:oMathPara xmlns:m="http://schemas.openxmlformats.org/officeDocument/2006/math">
+                    <m:oMathParaPr>
+                      <m:jc m:val="centerGroup"/>
+                    </m:oMathParaPr>
+                    <m:oMath xmlns:m="http://schemas.openxmlformats.org/officeDocument/2006/math">
+                      <m:r>
+                        <m:rPr>
+                          <m:nor/>
+                        </m:rPr>
+                        <a:rPr lang="en-SG" sz="1600" dirty="0"/>
+                        <m:t>ML</m:t>
+                      </m:r>
+                    </m:oMath>
+                  </m:oMathPara>
+                </a14:m>
+                <a:endParaRPr lang="en-SG" sz="1600" dirty="0"/>
+              </a:p>
+            </p:txBody>
+          </p:sp>
+        </mc:Choice>
+        <mc:Fallback>
+          <p:sp>
+            <p:nvSpPr>
+              <p:cNvPr id="9" name="TextBox 8">
+                <a:extLst>
+                  <a:ext uri="{FF2B5EF4-FFF2-40B4-BE49-F238E27FC236}">
+                    <a16:creationId xmlns:a16="http://schemas.microsoft.com/office/drawing/2014/main" id="{0141D606-3740-42A1-A0FC-183634221074}"/>
+                  </a:ext>
+                </a:extLst>
+              </p:cNvPr>
+              <p:cNvSpPr txBox="1">
+                <a:spLocks noRot="1" noChangeAspect="1" noMove="1" noResize="1" noEditPoints="1" noAdjustHandles="1" noChangeArrowheads="1" noChangeShapeType="1" noTextEdit="1"/>
+              </p:cNvSpPr>
+              <p:nvPr/>
+            </p:nvSpPr>
+            <p:spPr>
+              <a:xfrm>
+                <a:off x="3090614" y="3472800"/>
+                <a:ext cx="747251" cy="338554"/>
+              </a:xfrm>
+              <a:prstGeom prst="rect">
+                <a:avLst/>
+              </a:prstGeom>
+              <a:blipFill>
+                <a:blip r:embed="rId3"/>
+                <a:stretch>
+                  <a:fillRect/>
+                </a:stretch>
+              </a:blipFill>
+              <a:ln>
+                <a:solidFill>
+                  <a:schemeClr val="tx1"/>
+                </a:solidFill>
+              </a:ln>
+            </p:spPr>
+            <p:txBody>
+              <a:bodyPr/>
+              <a:lstStyle/>
+              <a:p>
+                <a:r>
+                  <a:rPr lang="en-SG">
+                    <a:noFill/>
+                  </a:rPr>
+                  <a:t> </a:t>
+                </a:r>
+              </a:p>
+            </p:txBody>
+          </p:sp>
+        </mc:Fallback>
+      </mc:AlternateContent>
+      <mc:AlternateContent xmlns:mc="http://schemas.openxmlformats.org/markup-compatibility/2006">
+        <mc:Choice xmlns:a14="http://schemas.microsoft.com/office/drawing/2010/main" Requires="a14">
+          <p:sp>
+            <p:nvSpPr>
+              <p:cNvPr id="10" name="TextBox 9">
+                <a:extLst>
+                  <a:ext uri="{FF2B5EF4-FFF2-40B4-BE49-F238E27FC236}">
+                    <a16:creationId xmlns:a16="http://schemas.microsoft.com/office/drawing/2014/main" id="{471954C3-321E-605E-FBAD-3A07F5327317}"/>
+                  </a:ext>
+                </a:extLst>
+              </p:cNvPr>
+              <p:cNvSpPr txBox="1"/>
+              <p:nvPr/>
+            </p:nvSpPr>
+            <p:spPr>
+              <a:xfrm>
+                <a:off x="3971382" y="3472800"/>
+                <a:ext cx="747251" cy="338554"/>
+              </a:xfrm>
+              <a:prstGeom prst="rect">
+                <a:avLst/>
+              </a:prstGeom>
+              <a:noFill/>
+              <a:ln>
+                <a:solidFill>
+                  <a:schemeClr val="tx1"/>
+                </a:solidFill>
+              </a:ln>
+            </p:spPr>
+            <p:txBody>
+              <a:bodyPr wrap="square" rtlCol="0">
+                <a:spAutoFit/>
+              </a:bodyPr>
+              <a:lstStyle/>
+              <a:p>
+                <a:pPr algn="ctr"/>
+                <a14:m>
+                  <m:oMathPara xmlns:m="http://schemas.openxmlformats.org/officeDocument/2006/math">
+                    <m:oMathParaPr>
+                      <m:jc m:val="centerGroup"/>
+                    </m:oMathParaPr>
+                    <m:oMath xmlns:m="http://schemas.openxmlformats.org/officeDocument/2006/math">
+                      <m:r>
+                        <m:rPr>
+                          <m:nor/>
+                        </m:rPr>
+                        <a:rPr lang="en-SG" sz="1600" dirty="0"/>
+                        <m:t>ML</m:t>
+                      </m:r>
+                    </m:oMath>
+                  </m:oMathPara>
+                </a14:m>
+                <a:endParaRPr lang="en-SG" sz="1600" dirty="0"/>
+              </a:p>
+            </p:txBody>
+          </p:sp>
+        </mc:Choice>
+        <mc:Fallback>
+          <p:sp>
+            <p:nvSpPr>
+              <p:cNvPr id="10" name="TextBox 9">
+                <a:extLst>
+                  <a:ext uri="{FF2B5EF4-FFF2-40B4-BE49-F238E27FC236}">
+                    <a16:creationId xmlns:a16="http://schemas.microsoft.com/office/drawing/2014/main" id="{471954C3-321E-605E-FBAD-3A07F5327317}"/>
+                  </a:ext>
+                </a:extLst>
+              </p:cNvPr>
+              <p:cNvSpPr txBox="1">
+                <a:spLocks noRot="1" noChangeAspect="1" noMove="1" noResize="1" noEditPoints="1" noAdjustHandles="1" noChangeArrowheads="1" noChangeShapeType="1" noTextEdit="1"/>
+              </p:cNvSpPr>
+              <p:nvPr/>
+            </p:nvSpPr>
+            <p:spPr>
+              <a:xfrm>
+                <a:off x="3971382" y="3472800"/>
+                <a:ext cx="747251" cy="338554"/>
+              </a:xfrm>
+              <a:prstGeom prst="rect">
+                <a:avLst/>
+              </a:prstGeom>
+              <a:blipFill>
+                <a:blip r:embed="rId4"/>
+                <a:stretch>
+                  <a:fillRect/>
+                </a:stretch>
+              </a:blipFill>
+              <a:ln>
+                <a:solidFill>
+                  <a:schemeClr val="tx1"/>
+                </a:solidFill>
+              </a:ln>
+            </p:spPr>
+            <p:txBody>
+              <a:bodyPr/>
+              <a:lstStyle/>
+              <a:p>
+                <a:r>
+                  <a:rPr lang="en-SG">
+                    <a:noFill/>
+                  </a:rPr>
+                  <a:t> </a:t>
+                </a:r>
+              </a:p>
+            </p:txBody>
+          </p:sp>
+        </mc:Fallback>
+      </mc:AlternateContent>
+      <p:sp>
+        <p:nvSpPr>
+          <p:cNvPr id="18" name="TextBox 17">
+            <a:extLst>
+              <a:ext uri="{FF2B5EF4-FFF2-40B4-BE49-F238E27FC236}">
+                <a16:creationId xmlns:a16="http://schemas.microsoft.com/office/drawing/2014/main" id="{9432760F-2432-70AC-7346-FFC3B28B20BB}"/>
+              </a:ext>
+            </a:extLst>
+          </p:cNvPr>
+          <p:cNvSpPr txBox="1"/>
+          <p:nvPr/>
+        </p:nvSpPr>
+        <p:spPr>
+          <a:xfrm>
+            <a:off x="2618666" y="2116534"/>
+            <a:ext cx="1569853" cy="461665"/>
+          </a:xfrm>
+          <a:prstGeom prst="rect">
+            <a:avLst/>
+          </a:prstGeom>
+          <a:noFill/>
+        </p:spPr>
+        <p:txBody>
+          <a:bodyPr wrap="none" rtlCol="0">
+            <a:spAutoFit/>
+          </a:bodyPr>
+          <a:lstStyle/>
+          <a:p>
+            <a:r>
+              <a:rPr lang="en-SG" sz="2400" b="1" dirty="0"/>
+              <a:t>Single-task</a:t>
+            </a:r>
+          </a:p>
+        </p:txBody>
+      </p:sp>
+      <p:sp>
+        <p:nvSpPr>
+          <p:cNvPr id="19" name="TextBox 18">
+            <a:extLst>
+              <a:ext uri="{FF2B5EF4-FFF2-40B4-BE49-F238E27FC236}">
+                <a16:creationId xmlns:a16="http://schemas.microsoft.com/office/drawing/2014/main" id="{282415AA-B10D-C0A5-46BF-8E1AFD6608A3}"/>
+              </a:ext>
+            </a:extLst>
+          </p:cNvPr>
+          <p:cNvSpPr txBox="1"/>
+          <p:nvPr/>
+        </p:nvSpPr>
+        <p:spPr>
+          <a:xfrm>
+            <a:off x="7919802" y="2111644"/>
+            <a:ext cx="1499321" cy="461665"/>
+          </a:xfrm>
+          <a:prstGeom prst="rect">
+            <a:avLst/>
+          </a:prstGeom>
+          <a:noFill/>
+        </p:spPr>
+        <p:txBody>
+          <a:bodyPr wrap="none" rtlCol="0">
+            <a:spAutoFit/>
+          </a:bodyPr>
+          <a:lstStyle/>
+          <a:p>
+            <a:r>
+              <a:rPr lang="en-SG" sz="2400" b="1" dirty="0"/>
+              <a:t>Multi-task</a:t>
+            </a:r>
+          </a:p>
+        </p:txBody>
+      </p:sp>
+      <mc:AlternateContent xmlns:mc="http://schemas.openxmlformats.org/markup-compatibility/2006">
+        <mc:Choice xmlns:a14="http://schemas.microsoft.com/office/drawing/2010/main" Requires="a14">
+          <p:sp>
+            <p:nvSpPr>
+              <p:cNvPr id="24" name="TextBox 23">
+                <a:extLst>
+                  <a:ext uri="{FF2B5EF4-FFF2-40B4-BE49-F238E27FC236}">
+                    <a16:creationId xmlns:a16="http://schemas.microsoft.com/office/drawing/2014/main" id="{1599DD4A-09A1-0948-3C3C-B609CEC07510}"/>
+                  </a:ext>
+                </a:extLst>
+              </p:cNvPr>
+              <p:cNvSpPr txBox="1"/>
+              <p:nvPr/>
+            </p:nvSpPr>
+            <p:spPr>
+              <a:xfrm>
+                <a:off x="2252177" y="4153833"/>
+                <a:ext cx="747251" cy="344005"/>
+              </a:xfrm>
+              <a:prstGeom prst="rect">
+                <a:avLst/>
+              </a:prstGeom>
+              <a:noFill/>
+              <a:ln>
+                <a:solidFill>
+                  <a:schemeClr val="tx1"/>
+                </a:solidFill>
+              </a:ln>
+            </p:spPr>
+            <p:txBody>
+              <a:bodyPr wrap="square" rtlCol="0">
+                <a:spAutoFit/>
+              </a:bodyPr>
+              <a:lstStyle/>
+              <a:p>
+                <a:pPr/>
+                <a14:m>
+                  <m:oMathPara xmlns:m="http://schemas.openxmlformats.org/officeDocument/2006/math">
+                    <m:oMathParaPr>
+                      <m:jc m:val="centerGroup"/>
+                    </m:oMathParaPr>
+                    <m:oMath xmlns:m="http://schemas.openxmlformats.org/officeDocument/2006/math">
+                      <m:r>
+                        <a:rPr lang="en-SG" sz="1600" b="0" i="1" smtClean="0">
+                          <a:latin typeface="Cambria Math" panose="02040503050406030204" pitchFamily="18" charset="0"/>
+                          <a:ea typeface="Cambria Math" panose="02040503050406030204" pitchFamily="18" charset="0"/>
+                        </a:rPr>
+                        <m:t>𝜎</m:t>
+                      </m:r>
+                    </m:oMath>
+                  </m:oMathPara>
+                </a14:m>
+                <a:endParaRPr lang="en-SG" sz="1600" dirty="0"/>
+              </a:p>
+            </p:txBody>
+          </p:sp>
+        </mc:Choice>
+        <mc:Fallback>
+          <p:sp>
+            <p:nvSpPr>
+              <p:cNvPr id="24" name="TextBox 23">
+                <a:extLst>
+                  <a:ext uri="{FF2B5EF4-FFF2-40B4-BE49-F238E27FC236}">
+                    <a16:creationId xmlns:a16="http://schemas.microsoft.com/office/drawing/2014/main" id="{1599DD4A-09A1-0948-3C3C-B609CEC07510}"/>
+                  </a:ext>
+                </a:extLst>
+              </p:cNvPr>
+              <p:cNvSpPr txBox="1">
+                <a:spLocks noRot="1" noChangeAspect="1" noMove="1" noResize="1" noEditPoints="1" noAdjustHandles="1" noChangeArrowheads="1" noChangeShapeType="1" noTextEdit="1"/>
+              </p:cNvSpPr>
+              <p:nvPr/>
+            </p:nvSpPr>
+            <p:spPr>
+              <a:xfrm>
+                <a:off x="2252177" y="4153833"/>
+                <a:ext cx="747251" cy="344005"/>
+              </a:xfrm>
+              <a:prstGeom prst="rect">
+                <a:avLst/>
+              </a:prstGeom>
+              <a:blipFill>
+                <a:blip r:embed="rId5"/>
+                <a:stretch>
+                  <a:fillRect/>
+                </a:stretch>
+              </a:blipFill>
+              <a:ln>
+                <a:solidFill>
+                  <a:schemeClr val="tx1"/>
+                </a:solidFill>
+              </a:ln>
+            </p:spPr>
+            <p:txBody>
+              <a:bodyPr/>
+              <a:lstStyle/>
+              <a:p>
+                <a:r>
+                  <a:rPr lang="en-SG">
+                    <a:noFill/>
+                  </a:rPr>
+                  <a:t> </a:t>
+                </a:r>
+              </a:p>
+            </p:txBody>
+          </p:sp>
+        </mc:Fallback>
+      </mc:AlternateContent>
+      <mc:AlternateContent xmlns:mc="http://schemas.openxmlformats.org/markup-compatibility/2006">
+        <mc:Choice xmlns:a14="http://schemas.microsoft.com/office/drawing/2010/main" Requires="a14">
+          <p:sp>
+            <p:nvSpPr>
+              <p:cNvPr id="25" name="TextBox 24">
+                <a:extLst>
+                  <a:ext uri="{FF2B5EF4-FFF2-40B4-BE49-F238E27FC236}">
+                    <a16:creationId xmlns:a16="http://schemas.microsoft.com/office/drawing/2014/main" id="{CED53953-99A3-6DE1-2998-F07D10A3A48A}"/>
+                  </a:ext>
+                </a:extLst>
+              </p:cNvPr>
+              <p:cNvSpPr txBox="1"/>
+              <p:nvPr/>
+            </p:nvSpPr>
+            <p:spPr>
+              <a:xfrm>
+                <a:off x="3097752" y="4153833"/>
+                <a:ext cx="747251" cy="344005"/>
+              </a:xfrm>
+              <a:prstGeom prst="rect">
+                <a:avLst/>
+              </a:prstGeom>
+              <a:noFill/>
+              <a:ln>
+                <a:solidFill>
+                  <a:schemeClr val="tx1"/>
+                </a:solidFill>
+              </a:ln>
+            </p:spPr>
+            <p:txBody>
+              <a:bodyPr wrap="square" rtlCol="0">
+                <a:spAutoFit/>
+              </a:bodyPr>
+              <a:lstStyle/>
+              <a:p>
+                <a:pPr/>
+                <a14:m>
+                  <m:oMathPara xmlns:m="http://schemas.openxmlformats.org/officeDocument/2006/math">
+                    <m:oMathParaPr>
+                      <m:jc m:val="centerGroup"/>
+                    </m:oMathParaPr>
+                    <m:oMath xmlns:m="http://schemas.openxmlformats.org/officeDocument/2006/math">
+                      <m:r>
+                        <a:rPr lang="en-SG" sz="1600" b="0" i="1" smtClean="0">
+                          <a:latin typeface="Cambria Math" panose="02040503050406030204" pitchFamily="18" charset="0"/>
+                        </a:rPr>
+                        <m:t>𝑠</m:t>
+                      </m:r>
+                    </m:oMath>
+                  </m:oMathPara>
+                </a14:m>
+                <a:endParaRPr lang="en-SG" sz="1600" dirty="0"/>
+              </a:p>
+            </p:txBody>
+          </p:sp>
+        </mc:Choice>
+        <mc:Fallback>
+          <p:sp>
+            <p:nvSpPr>
+              <p:cNvPr id="25" name="TextBox 24">
+                <a:extLst>
+                  <a:ext uri="{FF2B5EF4-FFF2-40B4-BE49-F238E27FC236}">
+                    <a16:creationId xmlns:a16="http://schemas.microsoft.com/office/drawing/2014/main" id="{CED53953-99A3-6DE1-2998-F07D10A3A48A}"/>
+                  </a:ext>
+                </a:extLst>
+              </p:cNvPr>
+              <p:cNvSpPr txBox="1">
+                <a:spLocks noRot="1" noChangeAspect="1" noMove="1" noResize="1" noEditPoints="1" noAdjustHandles="1" noChangeArrowheads="1" noChangeShapeType="1" noTextEdit="1"/>
+              </p:cNvSpPr>
+              <p:nvPr/>
+            </p:nvSpPr>
+            <p:spPr>
+              <a:xfrm>
+                <a:off x="3097752" y="4153833"/>
+                <a:ext cx="747251" cy="344005"/>
+              </a:xfrm>
+              <a:prstGeom prst="rect">
+                <a:avLst/>
+              </a:prstGeom>
+              <a:blipFill>
+                <a:blip r:embed="rId6"/>
+                <a:stretch>
+                  <a:fillRect/>
+                </a:stretch>
+              </a:blipFill>
+              <a:ln>
+                <a:solidFill>
+                  <a:schemeClr val="tx1"/>
+                </a:solidFill>
+              </a:ln>
+            </p:spPr>
+            <p:txBody>
+              <a:bodyPr/>
+              <a:lstStyle/>
+              <a:p>
+                <a:r>
+                  <a:rPr lang="en-SG">
+                    <a:noFill/>
+                  </a:rPr>
+                  <a:t> </a:t>
+                </a:r>
+              </a:p>
+            </p:txBody>
+          </p:sp>
+        </mc:Fallback>
+      </mc:AlternateContent>
+      <mc:AlternateContent xmlns:mc="http://schemas.openxmlformats.org/markup-compatibility/2006">
+        <mc:Choice xmlns:a14="http://schemas.microsoft.com/office/drawing/2010/main" Requires="a14">
+          <p:sp>
+            <p:nvSpPr>
+              <p:cNvPr id="26" name="TextBox 25">
+                <a:extLst>
+                  <a:ext uri="{FF2B5EF4-FFF2-40B4-BE49-F238E27FC236}">
+                    <a16:creationId xmlns:a16="http://schemas.microsoft.com/office/drawing/2014/main" id="{9A87FD5A-0E04-2471-1BA7-5F5E6F38E878}"/>
+                  </a:ext>
+                </a:extLst>
+              </p:cNvPr>
+              <p:cNvSpPr txBox="1"/>
+              <p:nvPr/>
+            </p:nvSpPr>
+            <p:spPr>
+              <a:xfrm>
+                <a:off x="3978520" y="4153833"/>
+                <a:ext cx="747251" cy="344005"/>
+              </a:xfrm>
+              <a:prstGeom prst="rect">
+                <a:avLst/>
+              </a:prstGeom>
+              <a:noFill/>
+              <a:ln>
+                <a:solidFill>
+                  <a:schemeClr val="tx1"/>
+                </a:solidFill>
+              </a:ln>
+            </p:spPr>
+            <p:txBody>
+              <a:bodyPr wrap="square" rtlCol="0">
+                <a:spAutoFit/>
+              </a:bodyPr>
+              <a:lstStyle/>
+              <a:p>
+                <a:pPr/>
+                <a14:m>
+                  <m:oMathPara xmlns:m="http://schemas.openxmlformats.org/officeDocument/2006/math">
+                    <m:oMathParaPr>
+                      <m:jc m:val="centerGroup"/>
+                    </m:oMathParaPr>
+                    <m:oMath xmlns:m="http://schemas.openxmlformats.org/officeDocument/2006/math">
+                      <m:r>
+                        <a:rPr lang="en-SG" sz="1600" b="0" i="1" smtClean="0">
+                          <a:latin typeface="Cambria Math" panose="02040503050406030204" pitchFamily="18" charset="0"/>
+                        </a:rPr>
+                        <m:t>𝑘</m:t>
+                      </m:r>
+                    </m:oMath>
+                  </m:oMathPara>
+                </a14:m>
+                <a:endParaRPr lang="en-SG" sz="1600" dirty="0"/>
+              </a:p>
+            </p:txBody>
+          </p:sp>
+        </mc:Choice>
+        <mc:Fallback>
+          <p:sp>
+            <p:nvSpPr>
+              <p:cNvPr id="26" name="TextBox 25">
+                <a:extLst>
+                  <a:ext uri="{FF2B5EF4-FFF2-40B4-BE49-F238E27FC236}">
+                    <a16:creationId xmlns:a16="http://schemas.microsoft.com/office/drawing/2014/main" id="{9A87FD5A-0E04-2471-1BA7-5F5E6F38E878}"/>
+                  </a:ext>
+                </a:extLst>
+              </p:cNvPr>
+              <p:cNvSpPr txBox="1">
+                <a:spLocks noRot="1" noChangeAspect="1" noMove="1" noResize="1" noEditPoints="1" noAdjustHandles="1" noChangeArrowheads="1" noChangeShapeType="1" noTextEdit="1"/>
+              </p:cNvSpPr>
+              <p:nvPr/>
+            </p:nvSpPr>
+            <p:spPr>
+              <a:xfrm>
+                <a:off x="3978520" y="4153833"/>
+                <a:ext cx="747251" cy="344005"/>
+              </a:xfrm>
+              <a:prstGeom prst="rect">
+                <a:avLst/>
+              </a:prstGeom>
+              <a:blipFill>
+                <a:blip r:embed="rId7"/>
+                <a:stretch>
+                  <a:fillRect/>
+                </a:stretch>
+              </a:blipFill>
+              <a:ln>
+                <a:solidFill>
+                  <a:schemeClr val="tx1"/>
+                </a:solidFill>
+              </a:ln>
+            </p:spPr>
+            <p:txBody>
+              <a:bodyPr/>
+              <a:lstStyle/>
+              <a:p>
+                <a:r>
+                  <a:rPr lang="en-SG">
+                    <a:noFill/>
+                  </a:rPr>
+                  <a:t> </a:t>
+                </a:r>
+              </a:p>
+            </p:txBody>
+          </p:sp>
+        </mc:Fallback>
+      </mc:AlternateContent>
+      <p:cxnSp>
+        <p:nvCxnSpPr>
+          <p:cNvPr id="27" name="Straight Arrow Connector 26">
+            <a:extLst>
+              <a:ext uri="{FF2B5EF4-FFF2-40B4-BE49-F238E27FC236}">
+                <a16:creationId xmlns:a16="http://schemas.microsoft.com/office/drawing/2014/main" id="{F7E6080E-AA53-75FB-5C2F-2416A4A8391E}"/>
+              </a:ext>
+            </a:extLst>
+          </p:cNvPr>
+          <p:cNvCxnSpPr>
+            <a:cxnSpLocks/>
+            <a:endCxn id="24" idx="0"/>
+          </p:cNvCxnSpPr>
+          <p:nvPr/>
+        </p:nvCxnSpPr>
+        <p:spPr>
+          <a:xfrm flipH="1">
+            <a:off x="2625803" y="3815354"/>
+            <a:ext cx="1" cy="338479"/>
+          </a:xfrm>
+          <a:prstGeom prst="straightConnector1">
+            <a:avLst/>
+          </a:prstGeom>
+          <a:ln w="19050">
+            <a:solidFill>
+              <a:schemeClr val="tx1"/>
+            </a:solidFill>
+            <a:tailEnd type="triangle"/>
+          </a:ln>
+          <a:effectLst/>
+        </p:spPr>
+        <p:style>
+          <a:lnRef idx="2">
+            <a:schemeClr val="accent1"/>
+          </a:lnRef>
+          <a:fillRef idx="0">
+            <a:schemeClr val="accent1"/>
+          </a:fillRef>
+          <a:effectRef idx="1">
+            <a:schemeClr val="accent1"/>
+          </a:effectRef>
+          <a:fontRef idx="minor">
+            <a:schemeClr val="tx1"/>
+          </a:fontRef>
+        </p:style>
+      </p:cxnSp>
+      <p:cxnSp>
+        <p:nvCxnSpPr>
+          <p:cNvPr id="28" name="Straight Arrow Connector 27">
+            <a:extLst>
+              <a:ext uri="{FF2B5EF4-FFF2-40B4-BE49-F238E27FC236}">
+                <a16:creationId xmlns:a16="http://schemas.microsoft.com/office/drawing/2014/main" id="{F0B8B008-0BD2-011D-82E6-47A74BCBD4B9}"/>
+              </a:ext>
+            </a:extLst>
+          </p:cNvPr>
+          <p:cNvCxnSpPr>
+            <a:cxnSpLocks/>
+            <a:endCxn id="25" idx="0"/>
+          </p:cNvCxnSpPr>
+          <p:nvPr/>
+        </p:nvCxnSpPr>
+        <p:spPr>
+          <a:xfrm>
+            <a:off x="3471378" y="3815354"/>
+            <a:ext cx="0" cy="338479"/>
+          </a:xfrm>
+          <a:prstGeom prst="straightConnector1">
+            <a:avLst/>
+          </a:prstGeom>
+          <a:ln w="19050">
+            <a:solidFill>
+              <a:schemeClr val="tx1"/>
+            </a:solidFill>
+            <a:tailEnd type="triangle"/>
+          </a:ln>
+          <a:effectLst/>
+        </p:spPr>
+        <p:style>
+          <a:lnRef idx="2">
+            <a:schemeClr val="accent1"/>
+          </a:lnRef>
+          <a:fillRef idx="0">
+            <a:schemeClr val="accent1"/>
+          </a:fillRef>
+          <a:effectRef idx="1">
+            <a:schemeClr val="accent1"/>
+          </a:effectRef>
+          <a:fontRef idx="minor">
+            <a:schemeClr val="tx1"/>
+          </a:fontRef>
+        </p:style>
+      </p:cxnSp>
+      <p:cxnSp>
+        <p:nvCxnSpPr>
+          <p:cNvPr id="29" name="Straight Arrow Connector 28">
+            <a:extLst>
+              <a:ext uri="{FF2B5EF4-FFF2-40B4-BE49-F238E27FC236}">
+                <a16:creationId xmlns:a16="http://schemas.microsoft.com/office/drawing/2014/main" id="{E1799FC6-C137-73B6-42B1-A40C268CD131}"/>
+              </a:ext>
+            </a:extLst>
+          </p:cNvPr>
+          <p:cNvCxnSpPr>
+            <a:cxnSpLocks/>
+            <a:endCxn id="26" idx="0"/>
+          </p:cNvCxnSpPr>
+          <p:nvPr/>
+        </p:nvCxnSpPr>
+        <p:spPr>
+          <a:xfrm>
+            <a:off x="4352146" y="3815354"/>
+            <a:ext cx="0" cy="338479"/>
+          </a:xfrm>
+          <a:prstGeom prst="straightConnector1">
+            <a:avLst/>
+          </a:prstGeom>
+          <a:ln w="19050">
+            <a:solidFill>
+              <a:schemeClr val="tx1"/>
+            </a:solidFill>
+            <a:tailEnd type="triangle"/>
+          </a:ln>
+          <a:effectLst/>
+        </p:spPr>
+        <p:style>
+          <a:lnRef idx="2">
+            <a:schemeClr val="accent1"/>
+          </a:lnRef>
+          <a:fillRef idx="0">
+            <a:schemeClr val="accent1"/>
+          </a:fillRef>
+          <a:effectRef idx="1">
+            <a:schemeClr val="accent1"/>
+          </a:effectRef>
+          <a:fontRef idx="minor">
+            <a:schemeClr val="tx1"/>
+          </a:fontRef>
+        </p:style>
+      </p:cxnSp>
+      <p:cxnSp>
+        <p:nvCxnSpPr>
+          <p:cNvPr id="52" name="Straight Arrow Connector 51">
+            <a:extLst>
+              <a:ext uri="{FF2B5EF4-FFF2-40B4-BE49-F238E27FC236}">
+                <a16:creationId xmlns:a16="http://schemas.microsoft.com/office/drawing/2014/main" id="{2D2F4053-2646-4820-CA85-5996F2EFD1AA}"/>
+              </a:ext>
+            </a:extLst>
+          </p:cNvPr>
+          <p:cNvCxnSpPr>
+            <a:cxnSpLocks/>
+          </p:cNvCxnSpPr>
+          <p:nvPr/>
+        </p:nvCxnSpPr>
+        <p:spPr>
+          <a:xfrm>
+            <a:off x="3438027" y="3142985"/>
+            <a:ext cx="0" cy="329815"/>
+          </a:xfrm>
+          <a:prstGeom prst="straightConnector1">
+            <a:avLst/>
+          </a:prstGeom>
+          <a:ln w="19050">
+            <a:tailEnd type="triangle"/>
+          </a:ln>
+          <a:effectLst/>
+        </p:spPr>
+        <p:style>
+          <a:lnRef idx="2">
+            <a:schemeClr val="dk1"/>
+          </a:lnRef>
+          <a:fillRef idx="0">
+            <a:schemeClr val="dk1"/>
+          </a:fillRef>
+          <a:effectRef idx="1">
+            <a:schemeClr val="dk1"/>
+          </a:effectRef>
+          <a:fontRef idx="minor">
+            <a:schemeClr val="tx1"/>
+          </a:fontRef>
+        </p:style>
+      </p:cxnSp>
+      <p:cxnSp>
+        <p:nvCxnSpPr>
+          <p:cNvPr id="54" name="Connector: Elbow 53">
+            <a:extLst>
+              <a:ext uri="{FF2B5EF4-FFF2-40B4-BE49-F238E27FC236}">
+                <a16:creationId xmlns:a16="http://schemas.microsoft.com/office/drawing/2014/main" id="{AE91894E-BBCB-D7E8-E631-D03262BB2A24}"/>
+              </a:ext>
+            </a:extLst>
+          </p:cNvPr>
+          <p:cNvCxnSpPr>
+            <a:cxnSpLocks/>
+            <a:stCxn id="3" idx="2"/>
+            <a:endCxn id="8" idx="0"/>
+          </p:cNvCxnSpPr>
+          <p:nvPr/>
+        </p:nvCxnSpPr>
+        <p:spPr>
+          <a:xfrm rot="5400000">
+            <a:off x="2863439" y="2898211"/>
+            <a:ext cx="329815" cy="819362"/>
+          </a:xfrm>
+          <a:prstGeom prst="bentConnector3">
+            <a:avLst/>
+          </a:prstGeom>
+          <a:ln w="19050">
+            <a:tailEnd type="triangle"/>
+          </a:ln>
+          <a:effectLst/>
+        </p:spPr>
+        <p:style>
+          <a:lnRef idx="2">
+            <a:schemeClr val="dk1"/>
+          </a:lnRef>
+          <a:fillRef idx="0">
+            <a:schemeClr val="dk1"/>
+          </a:fillRef>
+          <a:effectRef idx="1">
+            <a:schemeClr val="dk1"/>
+          </a:effectRef>
+          <a:fontRef idx="minor">
+            <a:schemeClr val="tx1"/>
+          </a:fontRef>
+        </p:style>
+      </p:cxnSp>
+      <p:cxnSp>
+        <p:nvCxnSpPr>
+          <p:cNvPr id="56" name="Connector: Elbow 55">
+            <a:extLst>
+              <a:ext uri="{FF2B5EF4-FFF2-40B4-BE49-F238E27FC236}">
+                <a16:creationId xmlns:a16="http://schemas.microsoft.com/office/drawing/2014/main" id="{B031743B-61A3-F7C3-C25B-8E156B6CF830}"/>
+              </a:ext>
+            </a:extLst>
+          </p:cNvPr>
+          <p:cNvCxnSpPr>
+            <a:cxnSpLocks/>
+            <a:stCxn id="3" idx="2"/>
+            <a:endCxn id="10" idx="0"/>
+          </p:cNvCxnSpPr>
+          <p:nvPr/>
+        </p:nvCxnSpPr>
+        <p:spPr>
+          <a:xfrm rot="16200000" flipH="1">
+            <a:off x="3726610" y="2854401"/>
+            <a:ext cx="329815" cy="906981"/>
+          </a:xfrm>
+          <a:prstGeom prst="bentConnector3">
+            <a:avLst>
+              <a:gd name="adj1" fmla="val 50000"/>
+            </a:avLst>
+          </a:prstGeom>
+          <a:ln w="19050">
+            <a:tailEnd type="triangle"/>
+          </a:ln>
+          <a:effectLst/>
+        </p:spPr>
+        <p:style>
+          <a:lnRef idx="2">
+            <a:schemeClr val="dk1"/>
+          </a:lnRef>
+          <a:fillRef idx="0">
+            <a:schemeClr val="dk1"/>
+          </a:fillRef>
+          <a:effectRef idx="1">
+            <a:schemeClr val="dk1"/>
+          </a:effectRef>
+          <a:fontRef idx="minor">
+            <a:schemeClr val="tx1"/>
+          </a:fontRef>
+        </p:style>
+      </p:cxnSp>
+      <mc:AlternateContent xmlns:mc="http://schemas.openxmlformats.org/markup-compatibility/2006">
+        <mc:Choice xmlns:a14="http://schemas.microsoft.com/office/drawing/2010/main" Requires="a14">
+          <p:sp>
+            <p:nvSpPr>
+              <p:cNvPr id="61" name="TextBox 60">
+                <a:extLst>
+                  <a:ext uri="{FF2B5EF4-FFF2-40B4-BE49-F238E27FC236}">
+                    <a16:creationId xmlns:a16="http://schemas.microsoft.com/office/drawing/2014/main" id="{75C71DAB-3C3D-2001-1A40-ED8110CEE0A8}"/>
+                  </a:ext>
+                </a:extLst>
+              </p:cNvPr>
+              <p:cNvSpPr txBox="1"/>
+              <p:nvPr/>
+            </p:nvSpPr>
+            <p:spPr>
+              <a:xfrm>
+                <a:off x="8292728" y="2773653"/>
+                <a:ext cx="747251" cy="369332"/>
+              </a:xfrm>
+              <a:prstGeom prst="rect">
+                <a:avLst/>
+              </a:prstGeom>
+              <a:noFill/>
+              <a:ln>
+                <a:solidFill>
+                  <a:schemeClr val="tx1"/>
+                </a:solidFill>
+              </a:ln>
+            </p:spPr>
+            <p:txBody>
+              <a:bodyPr wrap="square" rtlCol="0">
+                <a:spAutoFit/>
+              </a:bodyPr>
+              <a:lstStyle/>
+              <a:p>
+                <a:pPr/>
+                <a14:m>
+                  <m:oMathPara xmlns:m="http://schemas.openxmlformats.org/officeDocument/2006/math">
+                    <m:oMathParaPr>
+                      <m:jc m:val="centerGroup"/>
+                    </m:oMathParaPr>
+                    <m:oMath xmlns:m="http://schemas.openxmlformats.org/officeDocument/2006/math">
+                      <m:r>
+                        <a:rPr lang="en-SG" sz="1800" b="0" i="1" smtClean="0">
+                          <a:latin typeface="Cambria Math" panose="02040503050406030204" pitchFamily="18" charset="0"/>
+                        </a:rPr>
+                        <m:t>𝑥</m:t>
+                      </m:r>
+                    </m:oMath>
+                  </m:oMathPara>
+                </a14:m>
+                <a:endParaRPr lang="en-SG" sz="1800" dirty="0"/>
+              </a:p>
+            </p:txBody>
+          </p:sp>
+        </mc:Choice>
+        <mc:Fallback>
+          <p:sp>
+            <p:nvSpPr>
+              <p:cNvPr id="61" name="TextBox 60">
+                <a:extLst>
+                  <a:ext uri="{FF2B5EF4-FFF2-40B4-BE49-F238E27FC236}">
+                    <a16:creationId xmlns:a16="http://schemas.microsoft.com/office/drawing/2014/main" id="{75C71DAB-3C3D-2001-1A40-ED8110CEE0A8}"/>
+                  </a:ext>
+                </a:extLst>
+              </p:cNvPr>
+              <p:cNvSpPr txBox="1">
+                <a:spLocks noRot="1" noChangeAspect="1" noMove="1" noResize="1" noEditPoints="1" noAdjustHandles="1" noChangeArrowheads="1" noChangeShapeType="1" noTextEdit="1"/>
+              </p:cNvSpPr>
+              <p:nvPr/>
+            </p:nvSpPr>
+            <p:spPr>
+              <a:xfrm>
+                <a:off x="8292728" y="2773653"/>
+                <a:ext cx="747251" cy="369332"/>
+              </a:xfrm>
+              <a:prstGeom prst="rect">
+                <a:avLst/>
+              </a:prstGeom>
+              <a:blipFill>
+                <a:blip r:embed="rId8"/>
+                <a:stretch>
+                  <a:fillRect/>
+                </a:stretch>
+              </a:blipFill>
+              <a:ln>
+                <a:solidFill>
+                  <a:schemeClr val="tx1"/>
+                </a:solidFill>
+              </a:ln>
+            </p:spPr>
+            <p:txBody>
+              <a:bodyPr/>
+              <a:lstStyle/>
+              <a:p>
+                <a:r>
+                  <a:rPr lang="en-SG">
+                    <a:noFill/>
+                  </a:rPr>
+                  <a:t> </a:t>
+                </a:r>
+              </a:p>
+            </p:txBody>
+          </p:sp>
+        </mc:Fallback>
+      </mc:AlternateContent>
+      <mc:AlternateContent xmlns:mc="http://schemas.openxmlformats.org/markup-compatibility/2006">
+        <mc:Choice xmlns:a14="http://schemas.microsoft.com/office/drawing/2010/main" Requires="a14">
+          <p:sp>
+            <p:nvSpPr>
+              <p:cNvPr id="64" name="TextBox 63">
+                <a:extLst>
+                  <a:ext uri="{FF2B5EF4-FFF2-40B4-BE49-F238E27FC236}">
+                    <a16:creationId xmlns:a16="http://schemas.microsoft.com/office/drawing/2014/main" id="{8D4EEDCA-5CC5-DCDA-0B5E-873EC41F56A2}"/>
+                  </a:ext>
+                </a:extLst>
+              </p:cNvPr>
+              <p:cNvSpPr txBox="1"/>
+              <p:nvPr/>
+            </p:nvSpPr>
+            <p:spPr>
+              <a:xfrm>
+                <a:off x="8326079" y="3471349"/>
+                <a:ext cx="747251" cy="338554"/>
+              </a:xfrm>
+              <a:prstGeom prst="rect">
+                <a:avLst/>
+              </a:prstGeom>
+              <a:noFill/>
+              <a:ln>
+                <a:solidFill>
+                  <a:schemeClr val="tx1"/>
+                </a:solidFill>
+              </a:ln>
+            </p:spPr>
+            <p:txBody>
+              <a:bodyPr wrap="square" rtlCol="0">
+                <a:spAutoFit/>
+              </a:bodyPr>
+              <a:lstStyle/>
+              <a:p>
+                <a:pPr algn="ctr"/>
+                <a14:m>
+                  <m:oMathPara xmlns:m="http://schemas.openxmlformats.org/officeDocument/2006/math">
+                    <m:oMathParaPr>
+                      <m:jc m:val="centerGroup"/>
+                    </m:oMathParaPr>
+                    <m:oMath xmlns:m="http://schemas.openxmlformats.org/officeDocument/2006/math">
+                      <m:r>
+                        <m:rPr>
+                          <m:nor/>
+                        </m:rPr>
+                        <a:rPr lang="en-SG" sz="1600" dirty="0"/>
+                        <m:t>ML</m:t>
+                      </m:r>
+                    </m:oMath>
+                  </m:oMathPara>
+                </a14:m>
+                <a:endParaRPr lang="en-SG" sz="1600" dirty="0"/>
+              </a:p>
+            </p:txBody>
+          </p:sp>
+        </mc:Choice>
+        <mc:Fallback>
+          <p:sp>
+            <p:nvSpPr>
+              <p:cNvPr id="64" name="TextBox 63">
+                <a:extLst>
+                  <a:ext uri="{FF2B5EF4-FFF2-40B4-BE49-F238E27FC236}">
+                    <a16:creationId xmlns:a16="http://schemas.microsoft.com/office/drawing/2014/main" id="{8D4EEDCA-5CC5-DCDA-0B5E-873EC41F56A2}"/>
+                  </a:ext>
+                </a:extLst>
+              </p:cNvPr>
+              <p:cNvSpPr txBox="1">
+                <a:spLocks noRot="1" noChangeAspect="1" noMove="1" noResize="1" noEditPoints="1" noAdjustHandles="1" noChangeArrowheads="1" noChangeShapeType="1" noTextEdit="1"/>
+              </p:cNvSpPr>
+              <p:nvPr/>
+            </p:nvSpPr>
+            <p:spPr>
+              <a:xfrm>
+                <a:off x="8326079" y="3471349"/>
+                <a:ext cx="747251" cy="338554"/>
+              </a:xfrm>
+              <a:prstGeom prst="rect">
+                <a:avLst/>
+              </a:prstGeom>
+              <a:blipFill>
+                <a:blip r:embed="rId9"/>
+                <a:stretch>
+                  <a:fillRect/>
+                </a:stretch>
+              </a:blipFill>
+              <a:ln>
+                <a:solidFill>
+                  <a:schemeClr val="tx1"/>
+                </a:solidFill>
+              </a:ln>
+            </p:spPr>
+            <p:txBody>
+              <a:bodyPr/>
+              <a:lstStyle/>
+              <a:p>
+                <a:r>
+                  <a:rPr lang="en-SG">
+                    <a:noFill/>
+                  </a:rPr>
+                  <a:t> </a:t>
+                </a:r>
+              </a:p>
+            </p:txBody>
+          </p:sp>
+        </mc:Fallback>
+      </mc:AlternateContent>
+      <mc:AlternateContent xmlns:mc="http://schemas.openxmlformats.org/markup-compatibility/2006">
+        <mc:Choice xmlns:a14="http://schemas.microsoft.com/office/drawing/2010/main" Requires="a14">
+          <p:sp>
+            <p:nvSpPr>
+              <p:cNvPr id="65" name="TextBox 64">
+                <a:extLst>
+                  <a:ext uri="{FF2B5EF4-FFF2-40B4-BE49-F238E27FC236}">
+                    <a16:creationId xmlns:a16="http://schemas.microsoft.com/office/drawing/2014/main" id="{3E88843C-2014-9DB9-BAFB-40377A02F276}"/>
+                  </a:ext>
+                </a:extLst>
+              </p:cNvPr>
+              <p:cNvSpPr txBox="1"/>
+              <p:nvPr/>
+            </p:nvSpPr>
+            <p:spPr>
+              <a:xfrm>
+                <a:off x="7480504" y="4153833"/>
+                <a:ext cx="747251" cy="344005"/>
+              </a:xfrm>
+              <a:prstGeom prst="rect">
+                <a:avLst/>
+              </a:prstGeom>
+              <a:noFill/>
+              <a:ln>
+                <a:solidFill>
+                  <a:schemeClr val="tx1"/>
+                </a:solidFill>
+              </a:ln>
+            </p:spPr>
+            <p:txBody>
+              <a:bodyPr wrap="square" rtlCol="0">
+                <a:spAutoFit/>
+              </a:bodyPr>
+              <a:lstStyle/>
+              <a:p>
+                <a:pPr/>
+                <a14:m>
+                  <m:oMathPara xmlns:m="http://schemas.openxmlformats.org/officeDocument/2006/math">
+                    <m:oMathParaPr>
+                      <m:jc m:val="centerGroup"/>
+                    </m:oMathParaPr>
+                    <m:oMath xmlns:m="http://schemas.openxmlformats.org/officeDocument/2006/math">
+                      <m:r>
+                        <a:rPr lang="en-SG" sz="1600" b="0" i="1" smtClean="0">
+                          <a:latin typeface="Cambria Math" panose="02040503050406030204" pitchFamily="18" charset="0"/>
+                          <a:ea typeface="Cambria Math" panose="02040503050406030204" pitchFamily="18" charset="0"/>
+                        </a:rPr>
+                        <m:t>𝜎</m:t>
+                      </m:r>
+                    </m:oMath>
+                  </m:oMathPara>
+                </a14:m>
+                <a:endParaRPr lang="en-SG" sz="1600" dirty="0"/>
+              </a:p>
+            </p:txBody>
+          </p:sp>
+        </mc:Choice>
+        <mc:Fallback>
+          <p:sp>
+            <p:nvSpPr>
+              <p:cNvPr id="65" name="TextBox 64">
+                <a:extLst>
+                  <a:ext uri="{FF2B5EF4-FFF2-40B4-BE49-F238E27FC236}">
+                    <a16:creationId xmlns:a16="http://schemas.microsoft.com/office/drawing/2014/main" id="{3E88843C-2014-9DB9-BAFB-40377A02F276}"/>
+                  </a:ext>
+                </a:extLst>
+              </p:cNvPr>
+              <p:cNvSpPr txBox="1">
+                <a:spLocks noRot="1" noChangeAspect="1" noMove="1" noResize="1" noEditPoints="1" noAdjustHandles="1" noChangeArrowheads="1" noChangeShapeType="1" noTextEdit="1"/>
+              </p:cNvSpPr>
+              <p:nvPr/>
+            </p:nvSpPr>
+            <p:spPr>
+              <a:xfrm>
+                <a:off x="7480504" y="4153833"/>
+                <a:ext cx="747251" cy="344005"/>
+              </a:xfrm>
+              <a:prstGeom prst="rect">
+                <a:avLst/>
+              </a:prstGeom>
+              <a:blipFill>
+                <a:blip r:embed="rId10"/>
+                <a:stretch>
+                  <a:fillRect/>
+                </a:stretch>
+              </a:blipFill>
+              <a:ln>
+                <a:solidFill>
+                  <a:schemeClr val="tx1"/>
+                </a:solidFill>
+              </a:ln>
+            </p:spPr>
+            <p:txBody>
+              <a:bodyPr/>
+              <a:lstStyle/>
+              <a:p>
+                <a:r>
+                  <a:rPr lang="en-SG">
+                    <a:noFill/>
+                  </a:rPr>
+                  <a:t> </a:t>
+                </a:r>
+              </a:p>
+            </p:txBody>
+          </p:sp>
+        </mc:Fallback>
+      </mc:AlternateContent>
+      <mc:AlternateContent xmlns:mc="http://schemas.openxmlformats.org/markup-compatibility/2006">
+        <mc:Choice xmlns:a14="http://schemas.microsoft.com/office/drawing/2010/main" Requires="a14">
+          <p:sp>
+            <p:nvSpPr>
+              <p:cNvPr id="66" name="TextBox 65">
+                <a:extLst>
+                  <a:ext uri="{FF2B5EF4-FFF2-40B4-BE49-F238E27FC236}">
+                    <a16:creationId xmlns:a16="http://schemas.microsoft.com/office/drawing/2014/main" id="{37ECBAF8-ECB5-4D2F-2FB1-2A5FB606732C}"/>
+                  </a:ext>
+                </a:extLst>
+              </p:cNvPr>
+              <p:cNvSpPr txBox="1"/>
+              <p:nvPr/>
+            </p:nvSpPr>
+            <p:spPr>
+              <a:xfrm>
+                <a:off x="8326079" y="4153833"/>
+                <a:ext cx="747251" cy="344005"/>
+              </a:xfrm>
+              <a:prstGeom prst="rect">
+                <a:avLst/>
+              </a:prstGeom>
+              <a:noFill/>
+              <a:ln>
+                <a:solidFill>
+                  <a:schemeClr val="tx1"/>
+                </a:solidFill>
+              </a:ln>
+            </p:spPr>
+            <p:txBody>
+              <a:bodyPr wrap="square" rtlCol="0">
+                <a:spAutoFit/>
+              </a:bodyPr>
+              <a:lstStyle/>
+              <a:p>
+                <a:pPr/>
+                <a14:m>
+                  <m:oMathPara xmlns:m="http://schemas.openxmlformats.org/officeDocument/2006/math">
+                    <m:oMathParaPr>
+                      <m:jc m:val="centerGroup"/>
+                    </m:oMathParaPr>
+                    <m:oMath xmlns:m="http://schemas.openxmlformats.org/officeDocument/2006/math">
+                      <m:r>
+                        <a:rPr lang="en-SG" sz="1600" b="0" i="1" smtClean="0">
+                          <a:latin typeface="Cambria Math" panose="02040503050406030204" pitchFamily="18" charset="0"/>
+                        </a:rPr>
+                        <m:t>𝑠</m:t>
+                      </m:r>
+                    </m:oMath>
+                  </m:oMathPara>
+                </a14:m>
+                <a:endParaRPr lang="en-SG" sz="1600" dirty="0"/>
+              </a:p>
+            </p:txBody>
+          </p:sp>
+        </mc:Choice>
+        <mc:Fallback>
+          <p:sp>
+            <p:nvSpPr>
+              <p:cNvPr id="66" name="TextBox 65">
+                <a:extLst>
+                  <a:ext uri="{FF2B5EF4-FFF2-40B4-BE49-F238E27FC236}">
+                    <a16:creationId xmlns:a16="http://schemas.microsoft.com/office/drawing/2014/main" id="{37ECBAF8-ECB5-4D2F-2FB1-2A5FB606732C}"/>
+                  </a:ext>
+                </a:extLst>
+              </p:cNvPr>
+              <p:cNvSpPr txBox="1">
+                <a:spLocks noRot="1" noChangeAspect="1" noMove="1" noResize="1" noEditPoints="1" noAdjustHandles="1" noChangeArrowheads="1" noChangeShapeType="1" noTextEdit="1"/>
+              </p:cNvSpPr>
+              <p:nvPr/>
+            </p:nvSpPr>
+            <p:spPr>
+              <a:xfrm>
+                <a:off x="8326079" y="4153833"/>
+                <a:ext cx="747251" cy="344005"/>
+              </a:xfrm>
+              <a:prstGeom prst="rect">
+                <a:avLst/>
+              </a:prstGeom>
+              <a:blipFill>
+                <a:blip r:embed="rId11"/>
+                <a:stretch>
+                  <a:fillRect/>
+                </a:stretch>
+              </a:blipFill>
+              <a:ln>
+                <a:solidFill>
+                  <a:schemeClr val="tx1"/>
+                </a:solidFill>
+              </a:ln>
+            </p:spPr>
+            <p:txBody>
+              <a:bodyPr/>
+              <a:lstStyle/>
+              <a:p>
+                <a:r>
+                  <a:rPr lang="en-SG">
+                    <a:noFill/>
+                  </a:rPr>
+                  <a:t> </a:t>
+                </a:r>
+              </a:p>
+            </p:txBody>
+          </p:sp>
+        </mc:Fallback>
+      </mc:AlternateContent>
+      <mc:AlternateContent xmlns:mc="http://schemas.openxmlformats.org/markup-compatibility/2006">
+        <mc:Choice xmlns:a14="http://schemas.microsoft.com/office/drawing/2010/main" Requires="a14">
+          <p:sp>
+            <p:nvSpPr>
+              <p:cNvPr id="67" name="TextBox 66">
+                <a:extLst>
+                  <a:ext uri="{FF2B5EF4-FFF2-40B4-BE49-F238E27FC236}">
+                    <a16:creationId xmlns:a16="http://schemas.microsoft.com/office/drawing/2014/main" id="{EEBD2161-6C3B-FDE0-9A98-4B869BC1ABBA}"/>
+                  </a:ext>
+                </a:extLst>
+              </p:cNvPr>
+              <p:cNvSpPr txBox="1"/>
+              <p:nvPr/>
+            </p:nvSpPr>
+            <p:spPr>
+              <a:xfrm>
+                <a:off x="9206847" y="4153833"/>
+                <a:ext cx="747251" cy="344005"/>
+              </a:xfrm>
+              <a:prstGeom prst="rect">
+                <a:avLst/>
+              </a:prstGeom>
+              <a:noFill/>
+              <a:ln>
+                <a:solidFill>
+                  <a:schemeClr val="tx1"/>
+                </a:solidFill>
+              </a:ln>
+            </p:spPr>
+            <p:txBody>
+              <a:bodyPr wrap="square" rtlCol="0">
+                <a:spAutoFit/>
+              </a:bodyPr>
+              <a:lstStyle/>
+              <a:p>
+                <a:pPr/>
+                <a14:m>
+                  <m:oMathPara xmlns:m="http://schemas.openxmlformats.org/officeDocument/2006/math">
+                    <m:oMathParaPr>
+                      <m:jc m:val="centerGroup"/>
+                    </m:oMathParaPr>
+                    <m:oMath xmlns:m="http://schemas.openxmlformats.org/officeDocument/2006/math">
+                      <m:r>
+                        <a:rPr lang="en-SG" sz="1600" b="0" i="1" smtClean="0">
+                          <a:latin typeface="Cambria Math" panose="02040503050406030204" pitchFamily="18" charset="0"/>
+                        </a:rPr>
+                        <m:t>𝑘</m:t>
+                      </m:r>
+                    </m:oMath>
+                  </m:oMathPara>
+                </a14:m>
+                <a:endParaRPr lang="en-SG" sz="1600" dirty="0"/>
+              </a:p>
+            </p:txBody>
+          </p:sp>
+        </mc:Choice>
+        <mc:Fallback>
+          <p:sp>
+            <p:nvSpPr>
+              <p:cNvPr id="67" name="TextBox 66">
+                <a:extLst>
+                  <a:ext uri="{FF2B5EF4-FFF2-40B4-BE49-F238E27FC236}">
+                    <a16:creationId xmlns:a16="http://schemas.microsoft.com/office/drawing/2014/main" id="{EEBD2161-6C3B-FDE0-9A98-4B869BC1ABBA}"/>
+                  </a:ext>
+                </a:extLst>
+              </p:cNvPr>
+              <p:cNvSpPr txBox="1">
+                <a:spLocks noRot="1" noChangeAspect="1" noMove="1" noResize="1" noEditPoints="1" noAdjustHandles="1" noChangeArrowheads="1" noChangeShapeType="1" noTextEdit="1"/>
+              </p:cNvSpPr>
+              <p:nvPr/>
+            </p:nvSpPr>
+            <p:spPr>
+              <a:xfrm>
+                <a:off x="9206847" y="4153833"/>
+                <a:ext cx="747251" cy="344005"/>
+              </a:xfrm>
+              <a:prstGeom prst="rect">
+                <a:avLst/>
+              </a:prstGeom>
+              <a:blipFill>
+                <a:blip r:embed="rId12"/>
+                <a:stretch>
+                  <a:fillRect/>
+                </a:stretch>
+              </a:blipFill>
+              <a:ln>
+                <a:solidFill>
+                  <a:schemeClr val="tx1"/>
+                </a:solidFill>
+              </a:ln>
+            </p:spPr>
+            <p:txBody>
+              <a:bodyPr/>
+              <a:lstStyle/>
+              <a:p>
+                <a:r>
+                  <a:rPr lang="en-SG">
+                    <a:noFill/>
+                  </a:rPr>
+                  <a:t> </a:t>
+                </a:r>
+              </a:p>
+            </p:txBody>
+          </p:sp>
+        </mc:Fallback>
+      </mc:AlternateContent>
+      <p:cxnSp>
+        <p:nvCxnSpPr>
+          <p:cNvPr id="69" name="Straight Arrow Connector 68">
+            <a:extLst>
+              <a:ext uri="{FF2B5EF4-FFF2-40B4-BE49-F238E27FC236}">
+                <a16:creationId xmlns:a16="http://schemas.microsoft.com/office/drawing/2014/main" id="{59D59B7A-1D83-5CCE-6EE8-C62C32896077}"/>
+              </a:ext>
+            </a:extLst>
+          </p:cNvPr>
+          <p:cNvCxnSpPr>
+            <a:cxnSpLocks/>
+            <a:endCxn id="66" idx="0"/>
+          </p:cNvCxnSpPr>
+          <p:nvPr/>
+        </p:nvCxnSpPr>
+        <p:spPr>
+          <a:xfrm>
+            <a:off x="8699705" y="3815354"/>
+            <a:ext cx="0" cy="338479"/>
+          </a:xfrm>
+          <a:prstGeom prst="straightConnector1">
+            <a:avLst/>
+          </a:prstGeom>
+          <a:ln w="19050">
+            <a:solidFill>
+              <a:schemeClr val="tx1"/>
+            </a:solidFill>
+            <a:tailEnd type="triangle"/>
+          </a:ln>
+          <a:effectLst/>
+        </p:spPr>
+        <p:style>
+          <a:lnRef idx="2">
+            <a:schemeClr val="accent1"/>
+          </a:lnRef>
+          <a:fillRef idx="0">
+            <a:schemeClr val="accent1"/>
+          </a:fillRef>
+          <a:effectRef idx="1">
+            <a:schemeClr val="accent1"/>
+          </a:effectRef>
+          <a:fontRef idx="minor">
+            <a:schemeClr val="tx1"/>
+          </a:fontRef>
+        </p:style>
+      </p:cxnSp>
+      <p:cxnSp>
+        <p:nvCxnSpPr>
+          <p:cNvPr id="74" name="Connector: Elbow 73">
+            <a:extLst>
+              <a:ext uri="{FF2B5EF4-FFF2-40B4-BE49-F238E27FC236}">
+                <a16:creationId xmlns:a16="http://schemas.microsoft.com/office/drawing/2014/main" id="{9A502B12-3115-95C1-FCF5-1BCD92C7C206}"/>
+              </a:ext>
+            </a:extLst>
+          </p:cNvPr>
+          <p:cNvCxnSpPr>
+            <a:cxnSpLocks/>
+            <a:stCxn id="64" idx="2"/>
+            <a:endCxn id="67" idx="0"/>
+          </p:cNvCxnSpPr>
+          <p:nvPr/>
+        </p:nvCxnSpPr>
+        <p:spPr>
+          <a:xfrm rot="16200000" flipH="1">
+            <a:off x="8968124" y="3541484"/>
+            <a:ext cx="343930" cy="880768"/>
+          </a:xfrm>
+          <a:prstGeom prst="bentConnector3">
+            <a:avLst>
+              <a:gd name="adj1" fmla="val 50000"/>
+            </a:avLst>
+          </a:prstGeom>
+          <a:ln w="19050">
+            <a:tailEnd type="triangle"/>
+          </a:ln>
+          <a:effectLst/>
+        </p:spPr>
+        <p:style>
+          <a:lnRef idx="2">
+            <a:schemeClr val="dk1"/>
+          </a:lnRef>
+          <a:fillRef idx="0">
+            <a:schemeClr val="dk1"/>
+          </a:fillRef>
+          <a:effectRef idx="1">
+            <a:schemeClr val="dk1"/>
+          </a:effectRef>
+          <a:fontRef idx="minor">
+            <a:schemeClr val="tx1"/>
+          </a:fontRef>
+        </p:style>
+      </p:cxnSp>
+      <p:cxnSp>
+        <p:nvCxnSpPr>
+          <p:cNvPr id="77" name="Connector: Elbow 76">
+            <a:extLst>
+              <a:ext uri="{FF2B5EF4-FFF2-40B4-BE49-F238E27FC236}">
+                <a16:creationId xmlns:a16="http://schemas.microsoft.com/office/drawing/2014/main" id="{B36B48AA-937E-7B37-B26D-09C1EC233F32}"/>
+              </a:ext>
+            </a:extLst>
+          </p:cNvPr>
+          <p:cNvCxnSpPr>
+            <a:cxnSpLocks/>
+            <a:stCxn id="64" idx="2"/>
+            <a:endCxn id="65" idx="0"/>
+          </p:cNvCxnSpPr>
+          <p:nvPr/>
+        </p:nvCxnSpPr>
+        <p:spPr>
+          <a:xfrm rot="5400000">
+            <a:off x="8104953" y="3559081"/>
+            <a:ext cx="343930" cy="845575"/>
+          </a:xfrm>
+          <a:prstGeom prst="bentConnector3">
+            <a:avLst>
+              <a:gd name="adj1" fmla="val 50000"/>
+            </a:avLst>
+          </a:prstGeom>
+          <a:ln w="19050">
+            <a:tailEnd type="triangle"/>
+          </a:ln>
+          <a:effectLst/>
+        </p:spPr>
+        <p:style>
+          <a:lnRef idx="2">
+            <a:schemeClr val="dk1"/>
+          </a:lnRef>
+          <a:fillRef idx="0">
+            <a:schemeClr val="dk1"/>
+          </a:fillRef>
+          <a:effectRef idx="1">
+            <a:schemeClr val="dk1"/>
+          </a:effectRef>
+          <a:fontRef idx="minor">
+            <a:schemeClr val="tx1"/>
+          </a:fontRef>
+        </p:style>
+      </p:cxnSp>
+      <p:cxnSp>
+        <p:nvCxnSpPr>
+          <p:cNvPr id="80" name="Straight Arrow Connector 79">
+            <a:extLst>
+              <a:ext uri="{FF2B5EF4-FFF2-40B4-BE49-F238E27FC236}">
+                <a16:creationId xmlns:a16="http://schemas.microsoft.com/office/drawing/2014/main" id="{11A67C76-3F48-550C-9B42-C41C6684CE76}"/>
+              </a:ext>
+            </a:extLst>
+          </p:cNvPr>
+          <p:cNvCxnSpPr>
+            <a:cxnSpLocks/>
+          </p:cNvCxnSpPr>
+          <p:nvPr/>
+        </p:nvCxnSpPr>
+        <p:spPr>
+          <a:xfrm>
+            <a:off x="8699704" y="3142983"/>
+            <a:ext cx="0" cy="338479"/>
+          </a:xfrm>
+          <a:prstGeom prst="straightConnector1">
+            <a:avLst/>
+          </a:prstGeom>
+          <a:ln w="19050">
+            <a:solidFill>
+              <a:schemeClr val="tx1"/>
+            </a:solidFill>
+            <a:tailEnd type="triangle"/>
+          </a:ln>
+          <a:effectLst/>
+        </p:spPr>
+        <p:style>
+          <a:lnRef idx="2">
+            <a:schemeClr val="accent1"/>
+          </a:lnRef>
+          <a:fillRef idx="0">
+            <a:schemeClr val="accent1"/>
+          </a:fillRef>
+          <a:effectRef idx="1">
+            <a:schemeClr val="accent1"/>
+          </a:effectRef>
+          <a:fontRef idx="minor">
+            <a:schemeClr val="tx1"/>
+          </a:fontRef>
+        </p:style>
+      </p:cxnSp>
+    </p:spTree>
+    <p:extLst>
+      <p:ext uri="{BB962C8B-B14F-4D97-AF65-F5344CB8AC3E}">
+        <p14:creationId xmlns:p14="http://schemas.microsoft.com/office/powerpoint/2010/main" val="4112284376"/>
+      </p:ext>
+    </p:extLst>
+  </p:cSld>
+  <p:clrMapOvr>
+    <a:masterClrMapping/>
+  </p:clrMapOvr>
+</p:sld>
+</file>
+
+<file path=ppt/slides/slide6.xml><?xml version="1.0" encoding="utf-8"?>
+<p:sld xmlns:a="http://schemas.openxmlformats.org/drawingml/2006/main" xmlns:r="http://schemas.openxmlformats.org/officeDocument/2006/relationships" xmlns:p="http://schemas.openxmlformats.org/presentationml/2006/main">
+  <p:cSld>
+    <p:spTree>
+      <p:nvGrpSpPr>
+        <p:cNvPr id="1" name=""/>
+        <p:cNvGrpSpPr/>
+        <p:nvPr/>
+      </p:nvGrpSpPr>
+      <p:grpSpPr>
+        <a:xfrm>
+          <a:off x="0" y="0"/>
+          <a:ext cx="0" cy="0"/>
+          <a:chOff x="0" y="0"/>
+          <a:chExt cx="0" cy="0"/>
+        </a:xfrm>
+      </p:grpSpPr>
+      <p:sp>
+        <p:nvSpPr>
+          <p:cNvPr id="2" name="Title 1">
+            <a:extLst>
+              <a:ext uri="{FF2B5EF4-FFF2-40B4-BE49-F238E27FC236}">
+                <a16:creationId xmlns:a16="http://schemas.microsoft.com/office/drawing/2014/main" id="{8DC64DFE-11B5-9717-0BDD-7084B48517A1}"/>
+              </a:ext>
+            </a:extLst>
+          </p:cNvPr>
+          <p:cNvSpPr>
+            <a:spLocks noGrp="1"/>
+          </p:cNvSpPr>
+          <p:nvPr>
+            <p:ph type="title"/>
+          </p:nvPr>
+        </p:nvSpPr>
+        <p:spPr/>
+        <p:txBody>
+          <a:bodyPr/>
+          <a:lstStyle/>
+          <a:p>
+            <a:r>
+              <a:rPr lang="en-SG" dirty="0"/>
+              <a:t>Model training</a:t>
+            </a:r>
+          </a:p>
+        </p:txBody>
+      </p:sp>
+      <p:sp>
+        <p:nvSpPr>
+          <p:cNvPr id="4" name="Slide Number Placeholder 3">
+            <a:extLst>
+              <a:ext uri="{FF2B5EF4-FFF2-40B4-BE49-F238E27FC236}">
+                <a16:creationId xmlns:a16="http://schemas.microsoft.com/office/drawing/2014/main" id="{3785EE7E-3DE8-2F50-509E-4CF5C8150FB6}"/>
+              </a:ext>
+            </a:extLst>
+          </p:cNvPr>
+          <p:cNvSpPr>
+            <a:spLocks noGrp="1"/>
+          </p:cNvSpPr>
+          <p:nvPr>
+            <p:ph type="sldNum" sz="quarter" idx="12"/>
+          </p:nvPr>
+        </p:nvSpPr>
+        <p:spPr/>
+        <p:txBody>
+          <a:bodyPr/>
+          <a:lstStyle/>
+          <a:p>
+            <a:fld id="{8E6562B1-0B0F-0246-9532-09536BC2AE59}" type="slidenum">
+              <a:rPr lang="en-US" smtClean="0"/>
+              <a:t>6</a:t>
+            </a:fld>
+            <a:endParaRPr lang="en-US"/>
+          </a:p>
+        </p:txBody>
+      </p:sp>
     </p:spTree>
     <p:extLst>
       <p:ext uri="{BB962C8B-B14F-4D97-AF65-F5344CB8AC3E}">
@@ -18492,7 +21044,7 @@
 </p:sld>
 </file>
 
-<file path=ppt/slides/slide6.xml><?xml version="1.0" encoding="utf-8"?>
+<file path=ppt/slides/slide7.xml><?xml version="1.0" encoding="utf-8"?>
 <p:sld xmlns:a="http://schemas.openxmlformats.org/drawingml/2006/main" xmlns:r="http://schemas.openxmlformats.org/officeDocument/2006/relationships" xmlns:p="http://schemas.openxmlformats.org/presentationml/2006/main">
   <p:cSld>
     <p:spTree>
@@ -18567,7 +21119,7 @@
           <a:p>
             <a:fld id="{8E6562B1-0B0F-0246-9532-09536BC2AE59}" type="slidenum">
               <a:rPr lang="en-US" smtClean="0"/>
-              <a:t>6</a:t>
+              <a:t>7</a:t>
             </a:fld>
             <a:endParaRPr lang="en-US"/>
           </a:p>
@@ -18857,8 +21409,8 @@
           </a:extLst>
         </p:spPr>
       </p:pic>
-      <mc:AlternateContent xmlns:mc="http://schemas.openxmlformats.org/markup-compatibility/2006">
-        <mc:Choice xmlns:a14="http://schemas.microsoft.com/office/drawing/2010/main" Requires="a14">
+      <mc:AlternateContent xmlns:mc="http://schemas.openxmlformats.org/markup-compatibility/2006" xmlns:a14="http://schemas.microsoft.com/office/drawing/2010/main">
+        <mc:Choice Requires="a14">
           <p:sp>
             <p:nvSpPr>
               <p:cNvPr id="3" name="TextBox 2">
@@ -19033,7 +21585,7 @@
             </p:txBody>
           </p:sp>
         </mc:Choice>
-        <mc:Fallback>
+        <mc:Fallback xmlns="">
           <p:sp>
             <p:nvSpPr>
               <p:cNvPr id="3" name="TextBox 2">
@@ -19091,7 +21643,7 @@
 </p:sld>
 </file>
 
-<file path=ppt/slides/slide7.xml><?xml version="1.0" encoding="utf-8"?>
+<file path=ppt/slides/slide8.xml><?xml version="1.0" encoding="utf-8"?>
 <p:sld xmlns:a="http://schemas.openxmlformats.org/drawingml/2006/main" xmlns:r="http://schemas.openxmlformats.org/officeDocument/2006/relationships" xmlns:p="http://schemas.openxmlformats.org/presentationml/2006/main">
   <p:cSld>
     <p:spTree>
@@ -19166,7 +21718,7 @@
           <a:p>
             <a:fld id="{8E6562B1-0B0F-0246-9532-09536BC2AE59}" type="slidenum">
               <a:rPr lang="en-US" smtClean="0"/>
-              <a:t>7</a:t>
+              <a:t>8</a:t>
             </a:fld>
             <a:endParaRPr lang="en-US"/>
           </a:p>
@@ -19333,13 +21885,7 @@
                                 <a:rPr lang="en-SG" sz="2400" b="0" i="1" smtClean="0">
                                   <a:latin typeface="Cambria Math" panose="02040503050406030204" pitchFamily="18" charset="0"/>
                                 </a:rPr>
-                                <m:t>1</m:t>
-                              </m:r>
-                              <m:r>
-                                <a:rPr lang="en-SG" sz="2400" b="0" i="1" smtClean="0">
-                                  <a:latin typeface="Cambria Math" panose="02040503050406030204" pitchFamily="18" charset="0"/>
-                                </a:rPr>
-                                <m:t>+</m:t>
+                                <m:t>1+</m:t>
                               </m:r>
                               <m:sSup>
                                 <m:sSupPr>
@@ -19695,19 +22241,7 @@
                         <a:rPr lang="en-SG" sz="2400" b="0" i="1" smtClean="0">
                           <a:latin typeface="Cambria Math" panose="02040503050406030204" pitchFamily="18" charset="0"/>
                         </a:rPr>
-                        <m:t>𝑤</m:t>
-                      </m:r>
-                      <m:r>
-                        <a:rPr lang="en-SG" sz="2400" b="0" i="1" smtClean="0">
-                          <a:latin typeface="Cambria Math" panose="02040503050406030204" pitchFamily="18" charset="0"/>
-                        </a:rPr>
-                        <m:t>h</m:t>
-                      </m:r>
-                      <m:r>
-                        <a:rPr lang="en-SG" sz="2400" b="0" i="1" smtClean="0">
-                          <a:latin typeface="Cambria Math" panose="02040503050406030204" pitchFamily="18" charset="0"/>
-                        </a:rPr>
-                        <m:t>𝑒𝑟𝑒</m:t>
+                        <m:t>𝑤h𝑒𝑟𝑒</m:t>
                       </m:r>
                       <m:r>
                         <a:rPr lang="en-SG" sz="2400" b="0" i="1" smtClean="0">
@@ -19923,7 +22457,7 @@
           <p:nvPr/>
         </p:nvPicPr>
         <p:blipFill rotWithShape="1">
-          <a:blip r:embed="rId3">
+          <a:blip r:embed="rId4">
             <a:extLst>
               <a:ext uri="{28A0092B-C50C-407E-A947-70E740481C1C}">
                 <a14:useLocalDpi xmlns:a14="http://schemas.microsoft.com/office/drawing/2010/main" val="0"/>
@@ -19968,7 +22502,7 @@
           <p:nvPr/>
         </p:nvPicPr>
         <p:blipFill>
-          <a:blip r:embed="rId4"/>
+          <a:blip r:embed="rId5"/>
           <a:stretch>
             <a:fillRect/>
           </a:stretch>
@@ -20090,7 +22624,7 @@
 </p:sld>
 </file>
 
-<file path=ppt/slides/slide8.xml><?xml version="1.0" encoding="utf-8"?>
+<file path=ppt/slides/slide9.xml><?xml version="1.0" encoding="utf-8"?>
 <p:sld xmlns:a="http://schemas.openxmlformats.org/drawingml/2006/main" xmlns:r="http://schemas.openxmlformats.org/officeDocument/2006/relationships" xmlns:p="http://schemas.openxmlformats.org/presentationml/2006/main">
   <p:cSld>
     <p:spTree>
@@ -20170,7 +22704,7 @@
           <a:p>
             <a:fld id="{8E6562B1-0B0F-0246-9532-09536BC2AE59}" type="slidenum">
               <a:rPr lang="en-US" smtClean="0"/>
-              <a:t>8</a:t>
+              <a:t>9</a:t>
             </a:fld>
             <a:endParaRPr lang="en-US"/>
           </a:p>
@@ -20297,735 +22831,6 @@
     <p:extLst>
       <p:ext uri="{BB962C8B-B14F-4D97-AF65-F5344CB8AC3E}">
         <p14:creationId xmlns:p14="http://schemas.microsoft.com/office/powerpoint/2010/main" val="712181631"/>
-      </p:ext>
-    </p:extLst>
-  </p:cSld>
-  <p:clrMapOvr>
-    <a:masterClrMapping/>
-  </p:clrMapOvr>
-</p:sld>
-</file>
-
-<file path=ppt/slides/slide9.xml><?xml version="1.0" encoding="utf-8"?>
-<p:sld xmlns:a="http://schemas.openxmlformats.org/drawingml/2006/main" xmlns:r="http://schemas.openxmlformats.org/officeDocument/2006/relationships" xmlns:p="http://schemas.openxmlformats.org/presentationml/2006/main">
-  <p:cSld>
-    <p:spTree>
-      <p:nvGrpSpPr>
-        <p:cNvPr id="1" name=""/>
-        <p:cNvGrpSpPr/>
-        <p:nvPr/>
-      </p:nvGrpSpPr>
-      <p:grpSpPr>
-        <a:xfrm>
-          <a:off x="0" y="0"/>
-          <a:ext cx="0" cy="0"/>
-          <a:chOff x="0" y="0"/>
-          <a:chExt cx="0" cy="0"/>
-        </a:xfrm>
-      </p:grpSpPr>
-      <p:sp>
-        <p:nvSpPr>
-          <p:cNvPr id="2" name="Title 1">
-            <a:extLst>
-              <a:ext uri="{FF2B5EF4-FFF2-40B4-BE49-F238E27FC236}">
-                <a16:creationId xmlns:a16="http://schemas.microsoft.com/office/drawing/2014/main" id="{234B06F0-1938-98AF-4273-9D8F4C7574D7}"/>
-              </a:ext>
-            </a:extLst>
-          </p:cNvPr>
-          <p:cNvSpPr>
-            <a:spLocks noGrp="1"/>
-          </p:cNvSpPr>
-          <p:nvPr>
-            <p:ph type="title"/>
-          </p:nvPr>
-        </p:nvSpPr>
-        <p:spPr/>
-        <p:txBody>
-          <a:bodyPr/>
-          <a:lstStyle/>
-          <a:p>
-            <a:r>
-              <a:rPr lang="en-SG" dirty="0"/>
-              <a:t>Active learning workflow</a:t>
-            </a:r>
-          </a:p>
-        </p:txBody>
-      </p:sp>
-      <p:sp>
-        <p:nvSpPr>
-          <p:cNvPr id="4" name="Slide Number Placeholder 3">
-            <a:extLst>
-              <a:ext uri="{FF2B5EF4-FFF2-40B4-BE49-F238E27FC236}">
-                <a16:creationId xmlns:a16="http://schemas.microsoft.com/office/drawing/2014/main" id="{2B03D9DD-2C79-9077-4186-0A46D4EA2298}"/>
-              </a:ext>
-            </a:extLst>
-          </p:cNvPr>
-          <p:cNvSpPr>
-            <a:spLocks noGrp="1"/>
-          </p:cNvSpPr>
-          <p:nvPr>
-            <p:ph type="sldNum" sz="quarter" idx="12"/>
-          </p:nvPr>
-        </p:nvSpPr>
-        <p:spPr/>
-        <p:txBody>
-          <a:bodyPr/>
-          <a:lstStyle/>
-          <a:p>
-            <a:fld id="{8E6562B1-0B0F-0246-9532-09536BC2AE59}" type="slidenum">
-              <a:rPr lang="en-US" smtClean="0"/>
-              <a:t>9</a:t>
-            </a:fld>
-            <a:endParaRPr lang="en-US"/>
-          </a:p>
-        </p:txBody>
-      </p:sp>
-      <p:pic>
-        <p:nvPicPr>
-          <p:cNvPr id="13" name="Picture 12">
-            <a:extLst>
-              <a:ext uri="{FF2B5EF4-FFF2-40B4-BE49-F238E27FC236}">
-                <a16:creationId xmlns:a16="http://schemas.microsoft.com/office/drawing/2014/main" id="{597A2E99-222C-D925-6D76-53D52A5A9350}"/>
-              </a:ext>
-            </a:extLst>
-          </p:cNvPr>
-          <p:cNvPicPr>
-            <a:picLocks noChangeAspect="1"/>
-          </p:cNvPicPr>
-          <p:nvPr/>
-        </p:nvPicPr>
-        <p:blipFill>
-          <a:blip r:embed="rId2"/>
-          <a:srcRect l="222"/>
-          <a:stretch/>
-        </p:blipFill>
-        <p:spPr>
-          <a:xfrm>
-            <a:off x="456048" y="2678839"/>
-            <a:ext cx="2446408" cy="1015381"/>
-          </a:xfrm>
-          <a:prstGeom prst="rect">
-            <a:avLst/>
-          </a:prstGeom>
-        </p:spPr>
-      </p:pic>
-      <p:pic>
-        <p:nvPicPr>
-          <p:cNvPr id="14" name="Picture 13">
-            <a:extLst>
-              <a:ext uri="{FF2B5EF4-FFF2-40B4-BE49-F238E27FC236}">
-                <a16:creationId xmlns:a16="http://schemas.microsoft.com/office/drawing/2014/main" id="{36768F19-182E-8826-3DEA-ADB5524A624D}"/>
-              </a:ext>
-            </a:extLst>
-          </p:cNvPr>
-          <p:cNvPicPr>
-            <a:picLocks noChangeAspect="1"/>
-          </p:cNvPicPr>
-          <p:nvPr/>
-        </p:nvPicPr>
-        <p:blipFill>
-          <a:blip r:embed="rId3"/>
-          <a:stretch>
-            <a:fillRect/>
-          </a:stretch>
-        </p:blipFill>
-        <p:spPr>
-          <a:xfrm>
-            <a:off x="4871014" y="2501543"/>
-            <a:ext cx="2338309" cy="1369974"/>
-          </a:xfrm>
-          <a:prstGeom prst="rect">
-            <a:avLst/>
-          </a:prstGeom>
-        </p:spPr>
-      </p:pic>
-      <p:pic>
-        <p:nvPicPr>
-          <p:cNvPr id="15" name="Picture 2">
-            <a:extLst>
-              <a:ext uri="{FF2B5EF4-FFF2-40B4-BE49-F238E27FC236}">
-                <a16:creationId xmlns:a16="http://schemas.microsoft.com/office/drawing/2014/main" id="{5143849D-80AA-081E-4F59-0340EB181130}"/>
-              </a:ext>
-            </a:extLst>
-          </p:cNvPr>
-          <p:cNvPicPr>
-            <a:picLocks noChangeAspect="1" noChangeArrowheads="1"/>
-          </p:cNvPicPr>
-          <p:nvPr/>
-        </p:nvPicPr>
-        <p:blipFill rotWithShape="1">
-          <a:blip r:embed="rId4">
-            <a:extLst>
-              <a:ext uri="{28A0092B-C50C-407E-A947-70E740481C1C}">
-                <a14:useLocalDpi xmlns:a14="http://schemas.microsoft.com/office/drawing/2010/main" val="0"/>
-              </a:ext>
-            </a:extLst>
-          </a:blip>
-          <a:srcRect t="6086" r="29879"/>
-          <a:stretch/>
-        </p:blipFill>
-        <p:spPr bwMode="auto">
-          <a:xfrm>
-            <a:off x="9177881" y="2464978"/>
-            <a:ext cx="2061647" cy="1543424"/>
-          </a:xfrm>
-          <a:prstGeom prst="rect">
-            <a:avLst/>
-          </a:prstGeom>
-          <a:noFill/>
-          <a:extLst>
-            <a:ext uri="{909E8E84-426E-40DD-AFC4-6F175D3DCCD1}">
-              <a14:hiddenFill xmlns:a14="http://schemas.microsoft.com/office/drawing/2010/main">
-                <a:solidFill>
-                  <a:srgbClr val="FFFFFF"/>
-                </a:solidFill>
-              </a14:hiddenFill>
-            </a:ext>
-          </a:extLst>
-        </p:spPr>
-      </p:pic>
-      <p:sp>
-        <p:nvSpPr>
-          <p:cNvPr id="16" name="TextBox 15">
-            <a:extLst>
-              <a:ext uri="{FF2B5EF4-FFF2-40B4-BE49-F238E27FC236}">
-                <a16:creationId xmlns:a16="http://schemas.microsoft.com/office/drawing/2014/main" id="{D08C61F5-E0C1-915E-1868-B3BA397C7EDA}"/>
-              </a:ext>
-            </a:extLst>
-          </p:cNvPr>
-          <p:cNvSpPr txBox="1"/>
-          <p:nvPr/>
-        </p:nvSpPr>
-        <p:spPr>
-          <a:xfrm>
-            <a:off x="153470" y="1757428"/>
-            <a:ext cx="2573590" cy="369332"/>
-          </a:xfrm>
-          <a:prstGeom prst="rect">
-            <a:avLst/>
-          </a:prstGeom>
-          <a:noFill/>
-        </p:spPr>
-        <p:txBody>
-          <a:bodyPr wrap="none" rtlCol="0">
-            <a:spAutoFit/>
-          </a:bodyPr>
-          <a:lstStyle/>
-          <a:p>
-            <a:r>
-              <a:rPr lang="en-SG" dirty="0"/>
-              <a:t>1. Dataset of TE materials</a:t>
-            </a:r>
-          </a:p>
-        </p:txBody>
-      </p:sp>
-      <p:sp>
-        <p:nvSpPr>
-          <p:cNvPr id="17" name="TextBox 16">
-            <a:extLst>
-              <a:ext uri="{FF2B5EF4-FFF2-40B4-BE49-F238E27FC236}">
-                <a16:creationId xmlns:a16="http://schemas.microsoft.com/office/drawing/2014/main" id="{48662ACC-2CDE-3E02-4926-A0F3931B456A}"/>
-              </a:ext>
-            </a:extLst>
-          </p:cNvPr>
-          <p:cNvSpPr txBox="1"/>
-          <p:nvPr/>
-        </p:nvSpPr>
-        <p:spPr>
-          <a:xfrm>
-            <a:off x="4871014" y="1757428"/>
-            <a:ext cx="2360326" cy="369332"/>
-          </a:xfrm>
-          <a:prstGeom prst="rect">
-            <a:avLst/>
-          </a:prstGeom>
-          <a:noFill/>
-        </p:spPr>
-        <p:txBody>
-          <a:bodyPr wrap="none" rtlCol="0">
-            <a:spAutoFit/>
-          </a:bodyPr>
-          <a:lstStyle/>
-          <a:p>
-            <a:r>
-              <a:rPr lang="en-SG" dirty="0"/>
-              <a:t>2. Multi-task ML model</a:t>
-            </a:r>
-          </a:p>
-        </p:txBody>
-      </p:sp>
-      <p:sp>
-        <p:nvSpPr>
-          <p:cNvPr id="18" name="TextBox 17">
-            <a:extLst>
-              <a:ext uri="{FF2B5EF4-FFF2-40B4-BE49-F238E27FC236}">
-                <a16:creationId xmlns:a16="http://schemas.microsoft.com/office/drawing/2014/main" id="{A7600FE3-2DED-4C95-AD63-C6DF72EB4A14}"/>
-              </a:ext>
-            </a:extLst>
-          </p:cNvPr>
-          <p:cNvSpPr txBox="1"/>
-          <p:nvPr/>
-        </p:nvSpPr>
-        <p:spPr>
-          <a:xfrm>
-            <a:off x="9174328" y="1757428"/>
-            <a:ext cx="2281971" cy="646331"/>
-          </a:xfrm>
-          <a:prstGeom prst="rect">
-            <a:avLst/>
-          </a:prstGeom>
-          <a:noFill/>
-        </p:spPr>
-        <p:txBody>
-          <a:bodyPr wrap="none" rtlCol="0">
-            <a:spAutoFit/>
-          </a:bodyPr>
-          <a:lstStyle/>
-          <a:p>
-            <a:r>
-              <a:rPr lang="en-SG" dirty="0"/>
-              <a:t>3. Compute and</a:t>
-            </a:r>
-            <a:br>
-              <a:rPr lang="en-SG" dirty="0"/>
-            </a:br>
-            <a:r>
-              <a:rPr lang="en-SG" dirty="0"/>
-              <a:t>extrapolate ZT-T curve</a:t>
-            </a:r>
-          </a:p>
-        </p:txBody>
-      </p:sp>
-      <p:sp>
-        <p:nvSpPr>
-          <p:cNvPr id="20" name="TextBox 19">
-            <a:extLst>
-              <a:ext uri="{FF2B5EF4-FFF2-40B4-BE49-F238E27FC236}">
-                <a16:creationId xmlns:a16="http://schemas.microsoft.com/office/drawing/2014/main" id="{4532E9A8-41A3-8EC6-DF05-F0BE8A897F3A}"/>
-              </a:ext>
-            </a:extLst>
-          </p:cNvPr>
-          <p:cNvSpPr txBox="1"/>
-          <p:nvPr/>
-        </p:nvSpPr>
-        <p:spPr>
-          <a:xfrm>
-            <a:off x="7158673" y="5424934"/>
-            <a:ext cx="3675686" cy="646331"/>
-          </a:xfrm>
-          <a:prstGeom prst="rect">
-            <a:avLst/>
-          </a:prstGeom>
-          <a:noFill/>
-        </p:spPr>
-        <p:txBody>
-          <a:bodyPr wrap="none" rtlCol="0">
-            <a:spAutoFit/>
-          </a:bodyPr>
-          <a:lstStyle/>
-          <a:p>
-            <a:r>
-              <a:rPr lang="en-SG" dirty="0"/>
-              <a:t>4. Sample/optimize </a:t>
-            </a:r>
-            <a:br>
-              <a:rPr lang="en-SG" dirty="0"/>
-            </a:br>
-            <a:r>
-              <a:rPr lang="en-SG" dirty="0"/>
-              <a:t>chemical similarity and ZT at target T </a:t>
-            </a:r>
-          </a:p>
-        </p:txBody>
-      </p:sp>
-      <p:cxnSp>
-        <p:nvCxnSpPr>
-          <p:cNvPr id="23" name="Straight Arrow Connector 22">
-            <a:extLst>
-              <a:ext uri="{FF2B5EF4-FFF2-40B4-BE49-F238E27FC236}">
-                <a16:creationId xmlns:a16="http://schemas.microsoft.com/office/drawing/2014/main" id="{F2D3D0BD-FFF1-E89A-E7F3-7E35A58469C0}"/>
-              </a:ext>
-            </a:extLst>
-          </p:cNvPr>
-          <p:cNvCxnSpPr>
-            <a:cxnSpLocks/>
-          </p:cNvCxnSpPr>
-          <p:nvPr/>
-        </p:nvCxnSpPr>
-        <p:spPr>
-          <a:xfrm>
-            <a:off x="7516475" y="2993694"/>
-            <a:ext cx="1480041" cy="0"/>
-          </a:xfrm>
-          <a:prstGeom prst="straightConnector1">
-            <a:avLst/>
-          </a:prstGeom>
-          <a:ln>
-            <a:tailEnd type="triangle"/>
-          </a:ln>
-          <a:effectLst/>
-        </p:spPr>
-        <p:style>
-          <a:lnRef idx="2">
-            <a:schemeClr val="dk1"/>
-          </a:lnRef>
-          <a:fillRef idx="0">
-            <a:schemeClr val="dk1"/>
-          </a:fillRef>
-          <a:effectRef idx="1">
-            <a:schemeClr val="dk1"/>
-          </a:effectRef>
-          <a:fontRef idx="minor">
-            <a:schemeClr val="tx1"/>
-          </a:fontRef>
-        </p:style>
-      </p:cxnSp>
-      <p:cxnSp>
-        <p:nvCxnSpPr>
-          <p:cNvPr id="31" name="Straight Arrow Connector 30">
-            <a:extLst>
-              <a:ext uri="{FF2B5EF4-FFF2-40B4-BE49-F238E27FC236}">
-                <a16:creationId xmlns:a16="http://schemas.microsoft.com/office/drawing/2014/main" id="{0B6B7545-629D-C82C-E8C3-F322685B0DF1}"/>
-              </a:ext>
-            </a:extLst>
-          </p:cNvPr>
-          <p:cNvCxnSpPr>
-            <a:cxnSpLocks/>
-          </p:cNvCxnSpPr>
-          <p:nvPr/>
-        </p:nvCxnSpPr>
-        <p:spPr>
-          <a:xfrm>
-            <a:off x="3195197" y="2975508"/>
-            <a:ext cx="1480041" cy="0"/>
-          </a:xfrm>
-          <a:prstGeom prst="straightConnector1">
-            <a:avLst/>
-          </a:prstGeom>
-          <a:ln>
-            <a:tailEnd type="triangle"/>
-          </a:ln>
-          <a:effectLst/>
-        </p:spPr>
-        <p:style>
-          <a:lnRef idx="2">
-            <a:schemeClr val="dk1"/>
-          </a:lnRef>
-          <a:fillRef idx="0">
-            <a:schemeClr val="dk1"/>
-          </a:fillRef>
-          <a:effectRef idx="1">
-            <a:schemeClr val="dk1"/>
-          </a:effectRef>
-          <a:fontRef idx="minor">
-            <a:schemeClr val="tx1"/>
-          </a:fontRef>
-        </p:style>
-      </p:cxnSp>
-      <p:pic>
-        <p:nvPicPr>
-          <p:cNvPr id="32" name="Picture 31">
-            <a:extLst>
-              <a:ext uri="{FF2B5EF4-FFF2-40B4-BE49-F238E27FC236}">
-                <a16:creationId xmlns:a16="http://schemas.microsoft.com/office/drawing/2014/main" id="{33E4A330-BF6E-2AFA-57B6-F0BCA2E06234}"/>
-              </a:ext>
-            </a:extLst>
-          </p:cNvPr>
-          <p:cNvPicPr>
-            <a:picLocks noChangeAspect="1"/>
-          </p:cNvPicPr>
-          <p:nvPr/>
-        </p:nvPicPr>
-        <p:blipFill>
-          <a:blip r:embed="rId5"/>
-          <a:stretch>
-            <a:fillRect/>
-          </a:stretch>
-        </p:blipFill>
-        <p:spPr>
-          <a:xfrm>
-            <a:off x="4588515" y="4482497"/>
-            <a:ext cx="2487560" cy="1884873"/>
-          </a:xfrm>
-          <a:prstGeom prst="rect">
-            <a:avLst/>
-          </a:prstGeom>
-        </p:spPr>
-      </p:pic>
-      <p:grpSp>
-        <p:nvGrpSpPr>
-          <p:cNvPr id="43" name="Group 42">
-            <a:extLst>
-              <a:ext uri="{FF2B5EF4-FFF2-40B4-BE49-F238E27FC236}">
-                <a16:creationId xmlns:a16="http://schemas.microsoft.com/office/drawing/2014/main" id="{61B09DE8-0214-DEB0-C72A-FC20B0A79852}"/>
-              </a:ext>
-            </a:extLst>
-          </p:cNvPr>
-          <p:cNvGrpSpPr/>
-          <p:nvPr/>
-        </p:nvGrpSpPr>
-        <p:grpSpPr>
-          <a:xfrm>
-            <a:off x="7076075" y="3820291"/>
-            <a:ext cx="3416216" cy="1683724"/>
-            <a:chOff x="6899097" y="3392959"/>
-            <a:chExt cx="3416216" cy="1683724"/>
-          </a:xfrm>
-        </p:grpSpPr>
-        <p:cxnSp>
-          <p:nvCxnSpPr>
-            <p:cNvPr id="36" name="Connector: Curved 35">
-              <a:extLst>
-                <a:ext uri="{FF2B5EF4-FFF2-40B4-BE49-F238E27FC236}">
-                  <a16:creationId xmlns:a16="http://schemas.microsoft.com/office/drawing/2014/main" id="{D28CB0C7-0A33-E7E1-38BE-E4D4BFA3283A}"/>
-                </a:ext>
-              </a:extLst>
-            </p:cNvPr>
-            <p:cNvCxnSpPr>
-              <a:cxnSpLocks/>
-              <a:stCxn id="41" idx="2"/>
-              <a:endCxn id="39" idx="3"/>
-            </p:cNvCxnSpPr>
-            <p:nvPr/>
-          </p:nvCxnSpPr>
-          <p:spPr>
-            <a:xfrm rot="5400000">
-              <a:off x="8101734" y="2797221"/>
-              <a:ext cx="1129726" cy="3059867"/>
-            </a:xfrm>
-            <a:prstGeom prst="curvedConnector2">
-              <a:avLst/>
-            </a:prstGeom>
-            <a:ln>
-              <a:tailEnd type="triangle"/>
-            </a:ln>
-            <a:effectLst/>
-          </p:spPr>
-          <p:style>
-            <a:lnRef idx="2">
-              <a:schemeClr val="dk1"/>
-            </a:lnRef>
-            <a:fillRef idx="0">
-              <a:schemeClr val="dk1"/>
-            </a:fillRef>
-            <a:effectRef idx="1">
-              <a:schemeClr val="dk1"/>
-            </a:effectRef>
-            <a:fontRef idx="minor">
-              <a:schemeClr val="tx1"/>
-            </a:fontRef>
-          </p:style>
-        </p:cxnSp>
-        <p:sp>
-          <p:nvSpPr>
-            <p:cNvPr id="39" name="TextBox 38">
-              <a:extLst>
-                <a:ext uri="{FF2B5EF4-FFF2-40B4-BE49-F238E27FC236}">
-                  <a16:creationId xmlns:a16="http://schemas.microsoft.com/office/drawing/2014/main" id="{45E6ED0D-1CE3-A577-4D3F-B558E976C64D}"/>
-                </a:ext>
-              </a:extLst>
-            </p:cNvPr>
-            <p:cNvSpPr txBox="1"/>
-            <p:nvPr/>
-          </p:nvSpPr>
-          <p:spPr>
-            <a:xfrm>
-              <a:off x="6899097" y="4707351"/>
-              <a:ext cx="237566" cy="369332"/>
-            </a:xfrm>
-            <a:prstGeom prst="rect">
-              <a:avLst/>
-            </a:prstGeom>
-            <a:noFill/>
-          </p:spPr>
-          <p:txBody>
-            <a:bodyPr wrap="none" rtlCol="0">
-              <a:spAutoFit/>
-            </a:bodyPr>
-            <a:lstStyle/>
-            <a:p>
-              <a:r>
-                <a:rPr lang="en-SG" dirty="0"/>
-                <a:t> </a:t>
-              </a:r>
-            </a:p>
-          </p:txBody>
-        </p:sp>
-        <p:sp>
-          <p:nvSpPr>
-            <p:cNvPr id="41" name="TextBox 40">
-              <a:extLst>
-                <a:ext uri="{FF2B5EF4-FFF2-40B4-BE49-F238E27FC236}">
-                  <a16:creationId xmlns:a16="http://schemas.microsoft.com/office/drawing/2014/main" id="{B52E312E-B99D-3831-7B40-C21A9271F21B}"/>
-                </a:ext>
-              </a:extLst>
-            </p:cNvPr>
-            <p:cNvSpPr txBox="1"/>
-            <p:nvPr/>
-          </p:nvSpPr>
-          <p:spPr>
-            <a:xfrm>
-              <a:off x="10077747" y="3392959"/>
-              <a:ext cx="237566" cy="369332"/>
-            </a:xfrm>
-            <a:prstGeom prst="rect">
-              <a:avLst/>
-            </a:prstGeom>
-            <a:noFill/>
-          </p:spPr>
-          <p:txBody>
-            <a:bodyPr wrap="none" rtlCol="0">
-              <a:spAutoFit/>
-            </a:bodyPr>
-            <a:lstStyle/>
-            <a:p>
-              <a:r>
-                <a:rPr lang="en-SG" dirty="0"/>
-                <a:t> </a:t>
-              </a:r>
-            </a:p>
-          </p:txBody>
-        </p:sp>
-      </p:grpSp>
-      <p:grpSp>
-        <p:nvGrpSpPr>
-          <p:cNvPr id="45" name="Group 44">
-            <a:extLst>
-              <a:ext uri="{FF2B5EF4-FFF2-40B4-BE49-F238E27FC236}">
-                <a16:creationId xmlns:a16="http://schemas.microsoft.com/office/drawing/2014/main" id="{F593D742-7024-C8E8-AA0C-E8893AA8C51D}"/>
-              </a:ext>
-            </a:extLst>
-          </p:cNvPr>
-          <p:cNvGrpSpPr/>
-          <p:nvPr/>
-        </p:nvGrpSpPr>
-        <p:grpSpPr>
-          <a:xfrm rot="5400000">
-            <a:off x="2166768" y="3046089"/>
-            <a:ext cx="1733178" cy="3182676"/>
-            <a:chOff x="6787440" y="1798253"/>
-            <a:chExt cx="1733178" cy="3182676"/>
-          </a:xfrm>
-        </p:grpSpPr>
-        <p:cxnSp>
-          <p:nvCxnSpPr>
-            <p:cNvPr id="46" name="Connector: Curved 45">
-              <a:extLst>
-                <a:ext uri="{FF2B5EF4-FFF2-40B4-BE49-F238E27FC236}">
-                  <a16:creationId xmlns:a16="http://schemas.microsoft.com/office/drawing/2014/main" id="{C29E9624-2B5A-E4C2-5B5A-F170C00F6581}"/>
-                </a:ext>
-              </a:extLst>
-            </p:cNvPr>
-            <p:cNvCxnSpPr>
-              <a:cxnSpLocks/>
-              <a:stCxn id="48" idx="2"/>
-              <a:endCxn id="47" idx="3"/>
-            </p:cNvCxnSpPr>
-            <p:nvPr/>
-          </p:nvCxnSpPr>
-          <p:spPr>
-            <a:xfrm rot="5400000">
-              <a:off x="6399083" y="2793509"/>
-              <a:ext cx="2628678" cy="1376829"/>
-            </a:xfrm>
-            <a:prstGeom prst="curvedConnector2">
-              <a:avLst/>
-            </a:prstGeom>
-            <a:ln>
-              <a:tailEnd type="triangle"/>
-            </a:ln>
-            <a:effectLst/>
-          </p:spPr>
-          <p:style>
-            <a:lnRef idx="2">
-              <a:schemeClr val="dk1"/>
-            </a:lnRef>
-            <a:fillRef idx="0">
-              <a:schemeClr val="dk1"/>
-            </a:fillRef>
-            <a:effectRef idx="1">
-              <a:schemeClr val="dk1"/>
-            </a:effectRef>
-            <a:fontRef idx="minor">
-              <a:schemeClr val="tx1"/>
-            </a:fontRef>
-          </p:style>
-        </p:cxnSp>
-        <p:sp>
-          <p:nvSpPr>
-            <p:cNvPr id="47" name="TextBox 46">
-              <a:extLst>
-                <a:ext uri="{FF2B5EF4-FFF2-40B4-BE49-F238E27FC236}">
-                  <a16:creationId xmlns:a16="http://schemas.microsoft.com/office/drawing/2014/main" id="{F86B07CA-5A2B-99D4-CA12-F6E76478E558}"/>
-                </a:ext>
-              </a:extLst>
-            </p:cNvPr>
-            <p:cNvSpPr txBox="1"/>
-            <p:nvPr/>
-          </p:nvSpPr>
-          <p:spPr>
-            <a:xfrm>
-              <a:off x="6787440" y="4611597"/>
-              <a:ext cx="237566" cy="369332"/>
-            </a:xfrm>
-            <a:prstGeom prst="rect">
-              <a:avLst/>
-            </a:prstGeom>
-            <a:noFill/>
-          </p:spPr>
-          <p:txBody>
-            <a:bodyPr wrap="square" rtlCol="0">
-              <a:spAutoFit/>
-            </a:bodyPr>
-            <a:lstStyle/>
-            <a:p>
-              <a:r>
-                <a:rPr lang="en-SG" dirty="0"/>
-                <a:t> </a:t>
-              </a:r>
-            </a:p>
-          </p:txBody>
-        </p:sp>
-        <p:sp>
-          <p:nvSpPr>
-            <p:cNvPr id="48" name="TextBox 47">
-              <a:extLst>
-                <a:ext uri="{FF2B5EF4-FFF2-40B4-BE49-F238E27FC236}">
-                  <a16:creationId xmlns:a16="http://schemas.microsoft.com/office/drawing/2014/main" id="{F1198997-2C7C-E328-9EBA-881DA7117BDD}"/>
-                </a:ext>
-              </a:extLst>
-            </p:cNvPr>
-            <p:cNvSpPr txBox="1"/>
-            <p:nvPr/>
-          </p:nvSpPr>
-          <p:spPr>
-            <a:xfrm>
-              <a:off x="8283052" y="1798253"/>
-              <a:ext cx="237566" cy="369332"/>
-            </a:xfrm>
-            <a:prstGeom prst="rect">
-              <a:avLst/>
-            </a:prstGeom>
-            <a:noFill/>
-          </p:spPr>
-          <p:txBody>
-            <a:bodyPr wrap="none" rtlCol="0">
-              <a:spAutoFit/>
-            </a:bodyPr>
-            <a:lstStyle/>
-            <a:p>
-              <a:r>
-                <a:rPr lang="en-SG" dirty="0"/>
-                <a:t> </a:t>
-              </a:r>
-            </a:p>
-          </p:txBody>
-        </p:sp>
-      </p:grpSp>
-    </p:spTree>
-    <p:extLst>
-      <p:ext uri="{BB962C8B-B14F-4D97-AF65-F5344CB8AC3E}">
-        <p14:creationId xmlns:p14="http://schemas.microsoft.com/office/powerpoint/2010/main" val="475331676"/>
       </p:ext>
     </p:extLst>
   </p:cSld>

--- a/KRICT hackathon.pptx
+++ b/KRICT hackathon.pptx
@@ -5,7 +5,7 @@
     <p:sldMasterId id="2147483660" r:id="rId1"/>
   </p:sldMasterIdLst>
   <p:notesMasterIdLst>
-    <p:notesMasterId r:id="rId15"/>
+    <p:notesMasterId r:id="rId16"/>
   </p:notesMasterIdLst>
   <p:sldIdLst>
     <p:sldId id="377" r:id="rId2"/>
@@ -14,13 +14,14 @@
     <p:sldId id="383" r:id="rId5"/>
     <p:sldId id="392" r:id="rId6"/>
     <p:sldId id="389" r:id="rId7"/>
-    <p:sldId id="384" r:id="rId8"/>
-    <p:sldId id="387" r:id="rId9"/>
-    <p:sldId id="388" r:id="rId10"/>
-    <p:sldId id="385" r:id="rId11"/>
-    <p:sldId id="386" r:id="rId12"/>
-    <p:sldId id="381" r:id="rId13"/>
-    <p:sldId id="390" r:id="rId14"/>
+    <p:sldId id="394" r:id="rId8"/>
+    <p:sldId id="384" r:id="rId9"/>
+    <p:sldId id="387" r:id="rId10"/>
+    <p:sldId id="388" r:id="rId11"/>
+    <p:sldId id="385" r:id="rId12"/>
+    <p:sldId id="386" r:id="rId13"/>
+    <p:sldId id="381" r:id="rId14"/>
+    <p:sldId id="390" r:id="rId15"/>
   </p:sldIdLst>
   <p:sldSz cx="12192000" cy="6858000"/>
   <p:notesSz cx="6858000" cy="9144000"/>
@@ -1235,6 +1236,163 @@
             <ac:spMk id="2" creationId="{F9398C62-175A-3AE9-CCF4-D8D479B42460}"/>
           </ac:spMkLst>
         </pc:spChg>
+      </pc:sldChg>
+    </pc:docChg>
+  </pc:docChgLst>
+  <pc:docChgLst>
+    <pc:chgData name="#LOW KAI YUAN ANDRE#" userId="S::kaiyuana001@e.ntu.edu.sg::21debd0c-cf2b-4622-b54a-918816f10f4f" providerId="AD" clId="Web-{7B5B29AC-B858-93EF-FC13-5BDB776370BD}"/>
+    <pc:docChg chg="modSld">
+      <pc:chgData name="#LOW KAI YUAN ANDRE#" userId="S::kaiyuana001@e.ntu.edu.sg::21debd0c-cf2b-4622-b54a-918816f10f4f" providerId="AD" clId="Web-{7B5B29AC-B858-93EF-FC13-5BDB776370BD}" dt="2024-08-12T08:57:46.836" v="144"/>
+      <pc:docMkLst>
+        <pc:docMk/>
+      </pc:docMkLst>
+      <pc:sldChg chg="modSp">
+        <pc:chgData name="#LOW KAI YUAN ANDRE#" userId="S::kaiyuana001@e.ntu.edu.sg::21debd0c-cf2b-4622-b54a-918816f10f4f" providerId="AD" clId="Web-{7B5B29AC-B858-93EF-FC13-5BDB776370BD}" dt="2024-08-12T08:51:03.023" v="0" actId="20577"/>
+        <pc:sldMkLst>
+          <pc:docMk/>
+          <pc:sldMk cId="3044996226" sldId="265"/>
+        </pc:sldMkLst>
+        <pc:spChg chg="mod">
+          <ac:chgData name="#LOW KAI YUAN ANDRE#" userId="S::kaiyuana001@e.ntu.edu.sg::21debd0c-cf2b-4622-b54a-918816f10f4f" providerId="AD" clId="Web-{7B5B29AC-B858-93EF-FC13-5BDB776370BD}" dt="2024-08-12T08:51:03.023" v="0" actId="20577"/>
+          <ac:spMkLst>
+            <pc:docMk/>
+            <pc:sldMk cId="3044996226" sldId="265"/>
+            <ac:spMk id="5" creationId="{DCB89E92-E67B-6B46-6EF8-19C3A84C7365}"/>
+          </ac:spMkLst>
+        </pc:spChg>
+      </pc:sldChg>
+      <pc:sldChg chg="delSp modSp">
+        <pc:chgData name="#LOW KAI YUAN ANDRE#" userId="S::kaiyuana001@e.ntu.edu.sg::21debd0c-cf2b-4622-b54a-918816f10f4f" providerId="AD" clId="Web-{7B5B29AC-B858-93EF-FC13-5BDB776370BD}" dt="2024-08-12T08:57:17.163" v="141" actId="20577"/>
+        <pc:sldMkLst>
+          <pc:docMk/>
+          <pc:sldMk cId="1715466356" sldId="288"/>
+        </pc:sldMkLst>
+        <pc:spChg chg="mod">
+          <ac:chgData name="#LOW KAI YUAN ANDRE#" userId="S::kaiyuana001@e.ntu.edu.sg::21debd0c-cf2b-4622-b54a-918816f10f4f" providerId="AD" clId="Web-{7B5B29AC-B858-93EF-FC13-5BDB776370BD}" dt="2024-08-12T08:57:17.163" v="141" actId="20577"/>
+          <ac:spMkLst>
+            <pc:docMk/>
+            <pc:sldMk cId="1715466356" sldId="288"/>
+            <ac:spMk id="7" creationId="{6C2B1AC2-477C-4E55-712E-1BC6A5DB7925}"/>
+          </ac:spMkLst>
+        </pc:spChg>
+        <pc:picChg chg="del">
+          <ac:chgData name="#LOW KAI YUAN ANDRE#" userId="S::kaiyuana001@e.ntu.edu.sg::21debd0c-cf2b-4622-b54a-918816f10f4f" providerId="AD" clId="Web-{7B5B29AC-B858-93EF-FC13-5BDB776370BD}" dt="2024-08-12T08:52:21.495" v="16"/>
+          <ac:picMkLst>
+            <pc:docMk/>
+            <pc:sldMk cId="1715466356" sldId="288"/>
+            <ac:picMk id="8" creationId="{66BAB1F5-0277-7C0D-290F-45E62DFE23E6}"/>
+          </ac:picMkLst>
+        </pc:picChg>
+      </pc:sldChg>
+      <pc:sldChg chg="modSp">
+        <pc:chgData name="#LOW KAI YUAN ANDRE#" userId="S::kaiyuana001@e.ntu.edu.sg::21debd0c-cf2b-4622-b54a-918816f10f4f" providerId="AD" clId="Web-{7B5B29AC-B858-93EF-FC13-5BDB776370BD}" dt="2024-08-12T08:51:16.976" v="12" actId="20577"/>
+        <pc:sldMkLst>
+          <pc:docMk/>
+          <pc:sldMk cId="1257108610" sldId="327"/>
+        </pc:sldMkLst>
+        <pc:spChg chg="mod">
+          <ac:chgData name="#LOW KAI YUAN ANDRE#" userId="S::kaiyuana001@e.ntu.edu.sg::21debd0c-cf2b-4622-b54a-918816f10f4f" providerId="AD" clId="Web-{7B5B29AC-B858-93EF-FC13-5BDB776370BD}" dt="2024-08-12T08:51:16.976" v="12" actId="20577"/>
+          <ac:spMkLst>
+            <pc:docMk/>
+            <pc:sldMk cId="1257108610" sldId="327"/>
+            <ac:spMk id="3" creationId="{0678247A-D8E0-599A-B0E1-60D7BDE3B0CE}"/>
+          </ac:spMkLst>
+        </pc:spChg>
+      </pc:sldChg>
+      <pc:sldChg chg="addSp delSp modSp addAnim delAnim modAnim">
+        <pc:chgData name="#LOW KAI YUAN ANDRE#" userId="S::kaiyuana001@e.ntu.edu.sg::21debd0c-cf2b-4622-b54a-918816f10f4f" providerId="AD" clId="Web-{7B5B29AC-B858-93EF-FC13-5BDB776370BD}" dt="2024-08-12T08:57:46.836" v="144"/>
+        <pc:sldMkLst>
+          <pc:docMk/>
+          <pc:sldMk cId="2361061170" sldId="331"/>
+        </pc:sldMkLst>
+        <pc:spChg chg="del">
+          <ac:chgData name="#LOW KAI YUAN ANDRE#" userId="S::kaiyuana001@e.ntu.edu.sg::21debd0c-cf2b-4622-b54a-918816f10f4f" providerId="AD" clId="Web-{7B5B29AC-B858-93EF-FC13-5BDB776370BD}" dt="2024-08-12T08:57:46.836" v="144"/>
+          <ac:spMkLst>
+            <pc:docMk/>
+            <pc:sldMk cId="2361061170" sldId="331"/>
+            <ac:spMk id="3" creationId="{BE7D6E56-374C-DD46-B5C6-361678AF7DD3}"/>
+          </ac:spMkLst>
+        </pc:spChg>
+        <pc:spChg chg="del mod">
+          <ac:chgData name="#LOW KAI YUAN ANDRE#" userId="S::kaiyuana001@e.ntu.edu.sg::21debd0c-cf2b-4622-b54a-918816f10f4f" providerId="AD" clId="Web-{7B5B29AC-B858-93EF-FC13-5BDB776370BD}" dt="2024-08-12T08:57:45.570" v="143"/>
+          <ac:spMkLst>
+            <pc:docMk/>
+            <pc:sldMk cId="2361061170" sldId="331"/>
+            <ac:spMk id="5" creationId="{202C94C2-C020-F2AA-3B73-F4E5DE4E0570}"/>
+          </ac:spMkLst>
+        </pc:spChg>
+        <pc:spChg chg="add mod">
+          <ac:chgData name="#LOW KAI YUAN ANDRE#" userId="S::kaiyuana001@e.ntu.edu.sg::21debd0c-cf2b-4622-b54a-918816f10f4f" providerId="AD" clId="Web-{7B5B29AC-B858-93EF-FC13-5BDB776370BD}" dt="2024-08-12T08:56:54.615" v="134" actId="1076"/>
+          <ac:spMkLst>
+            <pc:docMk/>
+            <pc:sldMk cId="2361061170" sldId="331"/>
+            <ac:spMk id="11" creationId="{0DE111F9-21AD-0426-A7B8-AEB85CBC4563}"/>
+          </ac:spMkLst>
+        </pc:spChg>
+        <pc:spChg chg="add del mod">
+          <ac:chgData name="#LOW KAI YUAN ANDRE#" userId="S::kaiyuana001@e.ntu.edu.sg::21debd0c-cf2b-4622-b54a-918816f10f4f" providerId="AD" clId="Web-{7B5B29AC-B858-93EF-FC13-5BDB776370BD}" dt="2024-08-12T08:53:09.481" v="32"/>
+          <ac:spMkLst>
+            <pc:docMk/>
+            <pc:sldMk cId="2361061170" sldId="331"/>
+            <ac:spMk id="13" creationId="{B8F981A9-152E-674C-4434-AD76B545090D}"/>
+          </ac:spMkLst>
+        </pc:spChg>
+        <pc:spChg chg="add mod">
+          <ac:chgData name="#LOW KAI YUAN ANDRE#" userId="S::kaiyuana001@e.ntu.edu.sg::21debd0c-cf2b-4622-b54a-918816f10f4f" providerId="AD" clId="Web-{7B5B29AC-B858-93EF-FC13-5BDB776370BD}" dt="2024-08-12T08:54:11.187" v="90"/>
+          <ac:spMkLst>
+            <pc:docMk/>
+            <pc:sldMk cId="2361061170" sldId="331"/>
+            <ac:spMk id="15" creationId="{FF8461F1-81FB-F675-E9EC-0B9B32E11C23}"/>
+          </ac:spMkLst>
+        </pc:spChg>
+        <pc:spChg chg="add mod">
+          <ac:chgData name="#LOW KAI YUAN ANDRE#" userId="S::kaiyuana001@e.ntu.edu.sg::21debd0c-cf2b-4622-b54a-918816f10f4f" providerId="AD" clId="Web-{7B5B29AC-B858-93EF-FC13-5BDB776370BD}" dt="2024-08-12T08:56:43.521" v="131" actId="1076"/>
+          <ac:spMkLst>
+            <pc:docMk/>
+            <pc:sldMk cId="2361061170" sldId="331"/>
+            <ac:spMk id="16" creationId="{3080AD65-5E8A-D176-FB51-988680A99F01}"/>
+          </ac:spMkLst>
+        </pc:spChg>
+        <pc:spChg chg="add mod">
+          <ac:chgData name="#LOW KAI YUAN ANDRE#" userId="S::kaiyuana001@e.ntu.edu.sg::21debd0c-cf2b-4622-b54a-918816f10f4f" providerId="AD" clId="Web-{7B5B29AC-B858-93EF-FC13-5BDB776370BD}" dt="2024-08-12T08:56:48.068" v="133" actId="1076"/>
+          <ac:spMkLst>
+            <pc:docMk/>
+            <pc:sldMk cId="2361061170" sldId="331"/>
+            <ac:spMk id="17" creationId="{5789A256-99C1-12D7-6B9D-981A2E13568B}"/>
+          </ac:spMkLst>
+        </pc:spChg>
+        <pc:spChg chg="add del mod">
+          <ac:chgData name="#LOW KAI YUAN ANDRE#" userId="S::kaiyuana001@e.ntu.edu.sg::21debd0c-cf2b-4622-b54a-918816f10f4f" providerId="AD" clId="Web-{7B5B29AC-B858-93EF-FC13-5BDB776370BD}" dt="2024-08-12T08:56:00.066" v="108"/>
+          <ac:spMkLst>
+            <pc:docMk/>
+            <pc:sldMk cId="2361061170" sldId="331"/>
+            <ac:spMk id="20" creationId="{C1F80D13-9144-A58B-E9AA-0B091BA9C941}"/>
+          </ac:spMkLst>
+        </pc:spChg>
+        <pc:picChg chg="del mod">
+          <ac:chgData name="#LOW KAI YUAN ANDRE#" userId="S::kaiyuana001@e.ntu.edu.sg::21debd0c-cf2b-4622-b54a-918816f10f4f" providerId="AD" clId="Web-{7B5B29AC-B858-93EF-FC13-5BDB776370BD}" dt="2024-08-12T08:51:50.384" v="14"/>
+          <ac:picMkLst>
+            <pc:docMk/>
+            <pc:sldMk cId="2361061170" sldId="331"/>
+            <ac:picMk id="6" creationId="{A7ADC66D-8010-9D4E-A686-47067F4C6562}"/>
+          </ac:picMkLst>
+        </pc:picChg>
+        <pc:picChg chg="add mod">
+          <ac:chgData name="#LOW KAI YUAN ANDRE#" userId="S::kaiyuana001@e.ntu.edu.sg::21debd0c-cf2b-4622-b54a-918816f10f4f" providerId="AD" clId="Web-{7B5B29AC-B858-93EF-FC13-5BDB776370BD}" dt="2024-08-12T08:53:12.090" v="35" actId="1076"/>
+          <ac:picMkLst>
+            <pc:docMk/>
+            <pc:sldMk cId="2361061170" sldId="331"/>
+            <ac:picMk id="9" creationId="{33AB4E72-D07B-B1CC-22B8-A4CD445F2C90}"/>
+          </ac:picMkLst>
+        </pc:picChg>
+        <pc:cxnChg chg="add mod">
+          <ac:chgData name="#LOW KAI YUAN ANDRE#" userId="S::kaiyuana001@e.ntu.edu.sg::21debd0c-cf2b-4622-b54a-918816f10f4f" providerId="AD" clId="Web-{7B5B29AC-B858-93EF-FC13-5BDB776370BD}" dt="2024-08-12T08:55:49.847" v="105"/>
+          <ac:cxnSpMkLst>
+            <pc:docMk/>
+            <pc:sldMk cId="2361061170" sldId="331"/>
+            <ac:cxnSpMk id="18" creationId="{3496338C-1C26-1A67-9540-532BC4F25829}"/>
+          </ac:cxnSpMkLst>
+        </pc:cxnChg>
       </pc:sldChg>
     </pc:docChg>
   </pc:docChgLst>
@@ -1932,163 +2090,6 @@
           <pc:docMk/>
           <pc:sldMk cId="1428503266" sldId="400"/>
         </pc:sldMkLst>
-      </pc:sldChg>
-    </pc:docChg>
-  </pc:docChgLst>
-  <pc:docChgLst>
-    <pc:chgData name="#LOW KAI YUAN ANDRE#" userId="S::kaiyuana001@e.ntu.edu.sg::21debd0c-cf2b-4622-b54a-918816f10f4f" providerId="AD" clId="Web-{7B5B29AC-B858-93EF-FC13-5BDB776370BD}"/>
-    <pc:docChg chg="modSld">
-      <pc:chgData name="#LOW KAI YUAN ANDRE#" userId="S::kaiyuana001@e.ntu.edu.sg::21debd0c-cf2b-4622-b54a-918816f10f4f" providerId="AD" clId="Web-{7B5B29AC-B858-93EF-FC13-5BDB776370BD}" dt="2024-08-12T08:57:46.836" v="144"/>
-      <pc:docMkLst>
-        <pc:docMk/>
-      </pc:docMkLst>
-      <pc:sldChg chg="modSp">
-        <pc:chgData name="#LOW KAI YUAN ANDRE#" userId="S::kaiyuana001@e.ntu.edu.sg::21debd0c-cf2b-4622-b54a-918816f10f4f" providerId="AD" clId="Web-{7B5B29AC-B858-93EF-FC13-5BDB776370BD}" dt="2024-08-12T08:51:03.023" v="0" actId="20577"/>
-        <pc:sldMkLst>
-          <pc:docMk/>
-          <pc:sldMk cId="3044996226" sldId="265"/>
-        </pc:sldMkLst>
-        <pc:spChg chg="mod">
-          <ac:chgData name="#LOW KAI YUAN ANDRE#" userId="S::kaiyuana001@e.ntu.edu.sg::21debd0c-cf2b-4622-b54a-918816f10f4f" providerId="AD" clId="Web-{7B5B29AC-B858-93EF-FC13-5BDB776370BD}" dt="2024-08-12T08:51:03.023" v="0" actId="20577"/>
-          <ac:spMkLst>
-            <pc:docMk/>
-            <pc:sldMk cId="3044996226" sldId="265"/>
-            <ac:spMk id="5" creationId="{DCB89E92-E67B-6B46-6EF8-19C3A84C7365}"/>
-          </ac:spMkLst>
-        </pc:spChg>
-      </pc:sldChg>
-      <pc:sldChg chg="delSp modSp">
-        <pc:chgData name="#LOW KAI YUAN ANDRE#" userId="S::kaiyuana001@e.ntu.edu.sg::21debd0c-cf2b-4622-b54a-918816f10f4f" providerId="AD" clId="Web-{7B5B29AC-B858-93EF-FC13-5BDB776370BD}" dt="2024-08-12T08:57:17.163" v="141" actId="20577"/>
-        <pc:sldMkLst>
-          <pc:docMk/>
-          <pc:sldMk cId="1715466356" sldId="288"/>
-        </pc:sldMkLst>
-        <pc:spChg chg="mod">
-          <ac:chgData name="#LOW KAI YUAN ANDRE#" userId="S::kaiyuana001@e.ntu.edu.sg::21debd0c-cf2b-4622-b54a-918816f10f4f" providerId="AD" clId="Web-{7B5B29AC-B858-93EF-FC13-5BDB776370BD}" dt="2024-08-12T08:57:17.163" v="141" actId="20577"/>
-          <ac:spMkLst>
-            <pc:docMk/>
-            <pc:sldMk cId="1715466356" sldId="288"/>
-            <ac:spMk id="7" creationId="{6C2B1AC2-477C-4E55-712E-1BC6A5DB7925}"/>
-          </ac:spMkLst>
-        </pc:spChg>
-        <pc:picChg chg="del">
-          <ac:chgData name="#LOW KAI YUAN ANDRE#" userId="S::kaiyuana001@e.ntu.edu.sg::21debd0c-cf2b-4622-b54a-918816f10f4f" providerId="AD" clId="Web-{7B5B29AC-B858-93EF-FC13-5BDB776370BD}" dt="2024-08-12T08:52:21.495" v="16"/>
-          <ac:picMkLst>
-            <pc:docMk/>
-            <pc:sldMk cId="1715466356" sldId="288"/>
-            <ac:picMk id="8" creationId="{66BAB1F5-0277-7C0D-290F-45E62DFE23E6}"/>
-          </ac:picMkLst>
-        </pc:picChg>
-      </pc:sldChg>
-      <pc:sldChg chg="modSp">
-        <pc:chgData name="#LOW KAI YUAN ANDRE#" userId="S::kaiyuana001@e.ntu.edu.sg::21debd0c-cf2b-4622-b54a-918816f10f4f" providerId="AD" clId="Web-{7B5B29AC-B858-93EF-FC13-5BDB776370BD}" dt="2024-08-12T08:51:16.976" v="12" actId="20577"/>
-        <pc:sldMkLst>
-          <pc:docMk/>
-          <pc:sldMk cId="1257108610" sldId="327"/>
-        </pc:sldMkLst>
-        <pc:spChg chg="mod">
-          <ac:chgData name="#LOW KAI YUAN ANDRE#" userId="S::kaiyuana001@e.ntu.edu.sg::21debd0c-cf2b-4622-b54a-918816f10f4f" providerId="AD" clId="Web-{7B5B29AC-B858-93EF-FC13-5BDB776370BD}" dt="2024-08-12T08:51:16.976" v="12" actId="20577"/>
-          <ac:spMkLst>
-            <pc:docMk/>
-            <pc:sldMk cId="1257108610" sldId="327"/>
-            <ac:spMk id="3" creationId="{0678247A-D8E0-599A-B0E1-60D7BDE3B0CE}"/>
-          </ac:spMkLst>
-        </pc:spChg>
-      </pc:sldChg>
-      <pc:sldChg chg="addSp delSp modSp addAnim delAnim modAnim">
-        <pc:chgData name="#LOW KAI YUAN ANDRE#" userId="S::kaiyuana001@e.ntu.edu.sg::21debd0c-cf2b-4622-b54a-918816f10f4f" providerId="AD" clId="Web-{7B5B29AC-B858-93EF-FC13-5BDB776370BD}" dt="2024-08-12T08:57:46.836" v="144"/>
-        <pc:sldMkLst>
-          <pc:docMk/>
-          <pc:sldMk cId="2361061170" sldId="331"/>
-        </pc:sldMkLst>
-        <pc:spChg chg="del">
-          <ac:chgData name="#LOW KAI YUAN ANDRE#" userId="S::kaiyuana001@e.ntu.edu.sg::21debd0c-cf2b-4622-b54a-918816f10f4f" providerId="AD" clId="Web-{7B5B29AC-B858-93EF-FC13-5BDB776370BD}" dt="2024-08-12T08:57:46.836" v="144"/>
-          <ac:spMkLst>
-            <pc:docMk/>
-            <pc:sldMk cId="2361061170" sldId="331"/>
-            <ac:spMk id="3" creationId="{BE7D6E56-374C-DD46-B5C6-361678AF7DD3}"/>
-          </ac:spMkLst>
-        </pc:spChg>
-        <pc:spChg chg="del mod">
-          <ac:chgData name="#LOW KAI YUAN ANDRE#" userId="S::kaiyuana001@e.ntu.edu.sg::21debd0c-cf2b-4622-b54a-918816f10f4f" providerId="AD" clId="Web-{7B5B29AC-B858-93EF-FC13-5BDB776370BD}" dt="2024-08-12T08:57:45.570" v="143"/>
-          <ac:spMkLst>
-            <pc:docMk/>
-            <pc:sldMk cId="2361061170" sldId="331"/>
-            <ac:spMk id="5" creationId="{202C94C2-C020-F2AA-3B73-F4E5DE4E0570}"/>
-          </ac:spMkLst>
-        </pc:spChg>
-        <pc:spChg chg="add mod">
-          <ac:chgData name="#LOW KAI YUAN ANDRE#" userId="S::kaiyuana001@e.ntu.edu.sg::21debd0c-cf2b-4622-b54a-918816f10f4f" providerId="AD" clId="Web-{7B5B29AC-B858-93EF-FC13-5BDB776370BD}" dt="2024-08-12T08:56:54.615" v="134" actId="1076"/>
-          <ac:spMkLst>
-            <pc:docMk/>
-            <pc:sldMk cId="2361061170" sldId="331"/>
-            <ac:spMk id="11" creationId="{0DE111F9-21AD-0426-A7B8-AEB85CBC4563}"/>
-          </ac:spMkLst>
-        </pc:spChg>
-        <pc:spChg chg="add del mod">
-          <ac:chgData name="#LOW KAI YUAN ANDRE#" userId="S::kaiyuana001@e.ntu.edu.sg::21debd0c-cf2b-4622-b54a-918816f10f4f" providerId="AD" clId="Web-{7B5B29AC-B858-93EF-FC13-5BDB776370BD}" dt="2024-08-12T08:53:09.481" v="32"/>
-          <ac:spMkLst>
-            <pc:docMk/>
-            <pc:sldMk cId="2361061170" sldId="331"/>
-            <ac:spMk id="13" creationId="{B8F981A9-152E-674C-4434-AD76B545090D}"/>
-          </ac:spMkLst>
-        </pc:spChg>
-        <pc:spChg chg="add mod">
-          <ac:chgData name="#LOW KAI YUAN ANDRE#" userId="S::kaiyuana001@e.ntu.edu.sg::21debd0c-cf2b-4622-b54a-918816f10f4f" providerId="AD" clId="Web-{7B5B29AC-B858-93EF-FC13-5BDB776370BD}" dt="2024-08-12T08:54:11.187" v="90"/>
-          <ac:spMkLst>
-            <pc:docMk/>
-            <pc:sldMk cId="2361061170" sldId="331"/>
-            <ac:spMk id="15" creationId="{FF8461F1-81FB-F675-E9EC-0B9B32E11C23}"/>
-          </ac:spMkLst>
-        </pc:spChg>
-        <pc:spChg chg="add mod">
-          <ac:chgData name="#LOW KAI YUAN ANDRE#" userId="S::kaiyuana001@e.ntu.edu.sg::21debd0c-cf2b-4622-b54a-918816f10f4f" providerId="AD" clId="Web-{7B5B29AC-B858-93EF-FC13-5BDB776370BD}" dt="2024-08-12T08:56:43.521" v="131" actId="1076"/>
-          <ac:spMkLst>
-            <pc:docMk/>
-            <pc:sldMk cId="2361061170" sldId="331"/>
-            <ac:spMk id="16" creationId="{3080AD65-5E8A-D176-FB51-988680A99F01}"/>
-          </ac:spMkLst>
-        </pc:spChg>
-        <pc:spChg chg="add mod">
-          <ac:chgData name="#LOW KAI YUAN ANDRE#" userId="S::kaiyuana001@e.ntu.edu.sg::21debd0c-cf2b-4622-b54a-918816f10f4f" providerId="AD" clId="Web-{7B5B29AC-B858-93EF-FC13-5BDB776370BD}" dt="2024-08-12T08:56:48.068" v="133" actId="1076"/>
-          <ac:spMkLst>
-            <pc:docMk/>
-            <pc:sldMk cId="2361061170" sldId="331"/>
-            <ac:spMk id="17" creationId="{5789A256-99C1-12D7-6B9D-981A2E13568B}"/>
-          </ac:spMkLst>
-        </pc:spChg>
-        <pc:spChg chg="add del mod">
-          <ac:chgData name="#LOW KAI YUAN ANDRE#" userId="S::kaiyuana001@e.ntu.edu.sg::21debd0c-cf2b-4622-b54a-918816f10f4f" providerId="AD" clId="Web-{7B5B29AC-B858-93EF-FC13-5BDB776370BD}" dt="2024-08-12T08:56:00.066" v="108"/>
-          <ac:spMkLst>
-            <pc:docMk/>
-            <pc:sldMk cId="2361061170" sldId="331"/>
-            <ac:spMk id="20" creationId="{C1F80D13-9144-A58B-E9AA-0B091BA9C941}"/>
-          </ac:spMkLst>
-        </pc:spChg>
-        <pc:picChg chg="del mod">
-          <ac:chgData name="#LOW KAI YUAN ANDRE#" userId="S::kaiyuana001@e.ntu.edu.sg::21debd0c-cf2b-4622-b54a-918816f10f4f" providerId="AD" clId="Web-{7B5B29AC-B858-93EF-FC13-5BDB776370BD}" dt="2024-08-12T08:51:50.384" v="14"/>
-          <ac:picMkLst>
-            <pc:docMk/>
-            <pc:sldMk cId="2361061170" sldId="331"/>
-            <ac:picMk id="6" creationId="{A7ADC66D-8010-9D4E-A686-47067F4C6562}"/>
-          </ac:picMkLst>
-        </pc:picChg>
-        <pc:picChg chg="add mod">
-          <ac:chgData name="#LOW KAI YUAN ANDRE#" userId="S::kaiyuana001@e.ntu.edu.sg::21debd0c-cf2b-4622-b54a-918816f10f4f" providerId="AD" clId="Web-{7B5B29AC-B858-93EF-FC13-5BDB776370BD}" dt="2024-08-12T08:53:12.090" v="35" actId="1076"/>
-          <ac:picMkLst>
-            <pc:docMk/>
-            <pc:sldMk cId="2361061170" sldId="331"/>
-            <ac:picMk id="9" creationId="{33AB4E72-D07B-B1CC-22B8-A4CD445F2C90}"/>
-          </ac:picMkLst>
-        </pc:picChg>
-        <pc:cxnChg chg="add mod">
-          <ac:chgData name="#LOW KAI YUAN ANDRE#" userId="S::kaiyuana001@e.ntu.edu.sg::21debd0c-cf2b-4622-b54a-918816f10f4f" providerId="AD" clId="Web-{7B5B29AC-B858-93EF-FC13-5BDB776370BD}" dt="2024-08-12T08:55:49.847" v="105"/>
-          <ac:cxnSpMkLst>
-            <pc:docMk/>
-            <pc:sldMk cId="2361061170" sldId="331"/>
-            <ac:cxnSpMk id="18" creationId="{3496338C-1C26-1A67-9540-532BC4F25829}"/>
-          </ac:cxnSpMkLst>
-        </pc:cxnChg>
       </pc:sldChg>
     </pc:docChg>
   </pc:docChgLst>
@@ -16886,6 +16887,222 @@
           <p:cNvPr id="2" name="Title 1">
             <a:extLst>
               <a:ext uri="{FF2B5EF4-FFF2-40B4-BE49-F238E27FC236}">
+                <a16:creationId xmlns:a16="http://schemas.microsoft.com/office/drawing/2014/main" id="{191A7671-BEDC-C844-A58B-84134783E2D6}"/>
+              </a:ext>
+            </a:extLst>
+          </p:cNvPr>
+          <p:cNvSpPr>
+            <a:spLocks noGrp="1"/>
+          </p:cNvSpPr>
+          <p:nvPr>
+            <p:ph type="title"/>
+          </p:nvPr>
+        </p:nvSpPr>
+        <p:spPr>
+          <a:xfrm>
+            <a:off x="202773" y="-146367"/>
+            <a:ext cx="11989228" cy="1143000"/>
+          </a:xfrm>
+        </p:spPr>
+        <p:txBody>
+          <a:bodyPr>
+            <a:normAutofit/>
+          </a:bodyPr>
+          <a:lstStyle/>
+          <a:p>
+            <a:r>
+              <a:rPr lang="en-SG" sz="4000" dirty="0"/>
+              <a:t>Visualization via Elemental Movers Distance (</a:t>
+            </a:r>
+            <a:r>
+              <a:rPr lang="en-SG" sz="4000" dirty="0" err="1"/>
+              <a:t>ElMD</a:t>
+            </a:r>
+            <a:endParaRPr lang="en-SG" sz="4000" dirty="0"/>
+          </a:p>
+        </p:txBody>
+      </p:sp>
+      <p:sp>
+        <p:nvSpPr>
+          <p:cNvPr id="4" name="Slide Number Placeholder 3">
+            <a:extLst>
+              <a:ext uri="{FF2B5EF4-FFF2-40B4-BE49-F238E27FC236}">
+                <a16:creationId xmlns:a16="http://schemas.microsoft.com/office/drawing/2014/main" id="{1D0E39D6-B9B9-5A39-BEB8-FACFB6DB24AD}"/>
+              </a:ext>
+            </a:extLst>
+          </p:cNvPr>
+          <p:cNvSpPr>
+            <a:spLocks noGrp="1"/>
+          </p:cNvSpPr>
+          <p:nvPr>
+            <p:ph type="sldNum" sz="quarter" idx="12"/>
+          </p:nvPr>
+        </p:nvSpPr>
+        <p:spPr/>
+        <p:txBody>
+          <a:bodyPr/>
+          <a:lstStyle/>
+          <a:p>
+            <a:fld id="{8E6562B1-0B0F-0246-9532-09536BC2AE59}" type="slidenum">
+              <a:rPr lang="en-US" smtClean="0"/>
+              <a:t>10</a:t>
+            </a:fld>
+            <a:endParaRPr lang="en-US"/>
+          </a:p>
+        </p:txBody>
+      </p:sp>
+      <p:sp>
+        <p:nvSpPr>
+          <p:cNvPr id="5" name="TextBox 4">
+            <a:extLst>
+              <a:ext uri="{FF2B5EF4-FFF2-40B4-BE49-F238E27FC236}">
+                <a16:creationId xmlns:a16="http://schemas.microsoft.com/office/drawing/2014/main" id="{FA39FED7-04D3-FC29-822A-0923B4BEC622}"/>
+              </a:ext>
+            </a:extLst>
+          </p:cNvPr>
+          <p:cNvSpPr txBox="1"/>
+          <p:nvPr/>
+        </p:nvSpPr>
+        <p:spPr>
+          <a:xfrm>
+            <a:off x="7496612" y="6155868"/>
+            <a:ext cx="4695388" cy="276999"/>
+          </a:xfrm>
+          <a:prstGeom prst="rect">
+            <a:avLst/>
+          </a:prstGeom>
+          <a:noFill/>
+        </p:spPr>
+        <p:txBody>
+          <a:bodyPr wrap="none" rtlCol="0">
+            <a:spAutoFit/>
+          </a:bodyPr>
+          <a:lstStyle/>
+          <a:p>
+            <a:r>
+              <a:rPr lang="en-US" sz="1200" b="0" i="0" dirty="0">
+                <a:solidFill>
+                  <a:srgbClr val="404040"/>
+                </a:solidFill>
+                <a:effectLst/>
+                <a:latin typeface="+mj-lt"/>
+              </a:rPr>
+              <a:t>C Hargreaves et al, Chem Mater, 2020</a:t>
+            </a:r>
+            <a:r>
+              <a:rPr lang="en-US" sz="1200" dirty="0">
+                <a:solidFill>
+                  <a:srgbClr val="404040"/>
+                </a:solidFill>
+                <a:latin typeface="+mj-lt"/>
+              </a:rPr>
+              <a:t>, 10.1021/acs.chemmater.0c03381</a:t>
+            </a:r>
+            <a:endParaRPr lang="en-US" sz="1200" b="0" i="0" dirty="0">
+              <a:solidFill>
+                <a:srgbClr val="404040"/>
+              </a:solidFill>
+              <a:effectLst/>
+              <a:latin typeface="+mj-lt"/>
+            </a:endParaRPr>
+          </a:p>
+        </p:txBody>
+      </p:sp>
+      <p:pic>
+        <p:nvPicPr>
+          <p:cNvPr id="10" name="Picture 9">
+            <a:extLst>
+              <a:ext uri="{FF2B5EF4-FFF2-40B4-BE49-F238E27FC236}">
+                <a16:creationId xmlns:a16="http://schemas.microsoft.com/office/drawing/2014/main" id="{E254AED7-0B9A-2222-1B09-5AD690514032}"/>
+              </a:ext>
+            </a:extLst>
+          </p:cNvPr>
+          <p:cNvPicPr>
+            <a:picLocks noChangeAspect="1"/>
+          </p:cNvPicPr>
+          <p:nvPr/>
+        </p:nvPicPr>
+        <p:blipFill>
+          <a:blip r:embed="rId2"/>
+          <a:stretch>
+            <a:fillRect/>
+          </a:stretch>
+        </p:blipFill>
+        <p:spPr>
+          <a:xfrm>
+            <a:off x="451806" y="1990673"/>
+            <a:ext cx="4503294" cy="3515392"/>
+          </a:xfrm>
+          <a:prstGeom prst="rect">
+            <a:avLst/>
+          </a:prstGeom>
+        </p:spPr>
+      </p:pic>
+      <p:pic>
+        <p:nvPicPr>
+          <p:cNvPr id="11" name="Picture 10">
+            <a:extLst>
+              <a:ext uri="{FF2B5EF4-FFF2-40B4-BE49-F238E27FC236}">
+                <a16:creationId xmlns:a16="http://schemas.microsoft.com/office/drawing/2014/main" id="{6B5E54DE-9F52-A799-F151-DB053774A877}"/>
+              </a:ext>
+            </a:extLst>
+          </p:cNvPr>
+          <p:cNvPicPr>
+            <a:picLocks noChangeAspect="1"/>
+          </p:cNvPicPr>
+          <p:nvPr/>
+        </p:nvPicPr>
+        <p:blipFill>
+          <a:blip r:embed="rId3"/>
+          <a:stretch>
+            <a:fillRect/>
+          </a:stretch>
+        </p:blipFill>
+        <p:spPr>
+          <a:xfrm>
+            <a:off x="5614221" y="1487265"/>
+            <a:ext cx="5968179" cy="4522207"/>
+          </a:xfrm>
+          <a:prstGeom prst="rect">
+            <a:avLst/>
+          </a:prstGeom>
+        </p:spPr>
+      </p:pic>
+    </p:spTree>
+    <p:extLst>
+      <p:ext uri="{BB962C8B-B14F-4D97-AF65-F5344CB8AC3E}">
+        <p14:creationId xmlns:p14="http://schemas.microsoft.com/office/powerpoint/2010/main" val="712181631"/>
+      </p:ext>
+    </p:extLst>
+  </p:cSld>
+  <p:clrMapOvr>
+    <a:masterClrMapping/>
+  </p:clrMapOvr>
+</p:sld>
+</file>
+
+<file path=ppt/slides/slide11.xml><?xml version="1.0" encoding="utf-8"?>
+<p:sld xmlns:a="http://schemas.openxmlformats.org/drawingml/2006/main" xmlns:r="http://schemas.openxmlformats.org/officeDocument/2006/relationships" xmlns:p="http://schemas.openxmlformats.org/presentationml/2006/main">
+  <p:cSld>
+    <p:spTree>
+      <p:nvGrpSpPr>
+        <p:cNvPr id="1" name=""/>
+        <p:cNvGrpSpPr/>
+        <p:nvPr/>
+      </p:nvGrpSpPr>
+      <p:grpSpPr>
+        <a:xfrm>
+          <a:off x="0" y="0"/>
+          <a:ext cx="0" cy="0"/>
+          <a:chOff x="0" y="0"/>
+          <a:chExt cx="0" cy="0"/>
+        </a:xfrm>
+      </p:grpSpPr>
+      <p:sp>
+        <p:nvSpPr>
+          <p:cNvPr id="2" name="Title 1">
+            <a:extLst>
+              <a:ext uri="{FF2B5EF4-FFF2-40B4-BE49-F238E27FC236}">
                 <a16:creationId xmlns:a16="http://schemas.microsoft.com/office/drawing/2014/main" id="{234B06F0-1938-98AF-4273-9D8F4C7574D7}"/>
               </a:ext>
             </a:extLst>
@@ -16932,7 +17149,7 @@
           <a:p>
             <a:fld id="{8E6562B1-0B0F-0246-9532-09536BC2AE59}" type="slidenum">
               <a:rPr lang="en-US" smtClean="0"/>
-              <a:t>10</a:t>
+              <a:t>11</a:t>
             </a:fld>
             <a:endParaRPr lang="en-US"/>
           </a:p>
@@ -17593,7 +17810,7 @@
 </p:sld>
 </file>
 
-<file path=ppt/slides/slide11.xml><?xml version="1.0" encoding="utf-8"?>
+<file path=ppt/slides/slide12.xml><?xml version="1.0" encoding="utf-8"?>
 <p:sld xmlns:a="http://schemas.openxmlformats.org/drawingml/2006/main" xmlns:r="http://schemas.openxmlformats.org/officeDocument/2006/relationships" xmlns:p="http://schemas.openxmlformats.org/presentationml/2006/main">
   <p:cSld>
     <p:spTree>
@@ -17745,7 +17962,7 @@
           <a:p>
             <a:fld id="{8E6562B1-0B0F-0246-9532-09536BC2AE59}" type="slidenum">
               <a:rPr lang="en-US" smtClean="0"/>
-              <a:t>11</a:t>
+              <a:t>12</a:t>
             </a:fld>
             <a:endParaRPr lang="en-US"/>
           </a:p>
@@ -17764,7 +17981,7 @@
 </p:sld>
 </file>
 
-<file path=ppt/slides/slide12.xml><?xml version="1.0" encoding="utf-8"?>
+<file path=ppt/slides/slide13.xml><?xml version="1.0" encoding="utf-8"?>
 <p:sld xmlns:a="http://schemas.openxmlformats.org/drawingml/2006/main" xmlns:r="http://schemas.openxmlformats.org/officeDocument/2006/relationships" xmlns:p="http://schemas.openxmlformats.org/presentationml/2006/main">
   <p:cSld>
     <p:spTree>
@@ -17839,59 +18056,12 @@
           <a:p>
             <a:fld id="{8E6562B1-0B0F-0246-9532-09536BC2AE59}" type="slidenum">
               <a:rPr lang="en-US" smtClean="0"/>
-              <a:t>12</a:t>
+              <a:t>13</a:t>
             </a:fld>
             <a:endParaRPr lang="en-US"/>
           </a:p>
         </p:txBody>
       </p:sp>
-      <p:pic>
-        <p:nvPicPr>
-          <p:cNvPr id="1028" name="Picture 4" descr="figure 7">
-            <a:extLst>
-              <a:ext uri="{FF2B5EF4-FFF2-40B4-BE49-F238E27FC236}">
-                <a16:creationId xmlns:a16="http://schemas.microsoft.com/office/drawing/2014/main" id="{1A4D8D0D-4AD0-13F4-3E39-A98B6138F437}"/>
-              </a:ext>
-            </a:extLst>
-          </p:cNvPr>
-          <p:cNvPicPr>
-            <a:picLocks noChangeAspect="1" noChangeArrowheads="1"/>
-          </p:cNvPicPr>
-          <p:nvPr/>
-        </p:nvPicPr>
-        <p:blipFill>
-          <a:blip r:embed="rId2">
-            <a:extLst>
-              <a:ext uri="{28A0092B-C50C-407E-A947-70E740481C1C}">
-                <a14:useLocalDpi xmlns:a14="http://schemas.microsoft.com/office/drawing/2010/main" val="0"/>
-              </a:ext>
-            </a:extLst>
-          </a:blip>
-          <a:srcRect/>
-          <a:stretch>
-            <a:fillRect/>
-          </a:stretch>
-        </p:blipFill>
-        <p:spPr bwMode="auto">
-          <a:xfrm>
-            <a:off x="732705" y="588012"/>
-            <a:ext cx="4865191" cy="2840988"/>
-          </a:xfrm>
-          <a:prstGeom prst="rect">
-            <a:avLst/>
-          </a:prstGeom>
-          <a:noFill/>
-          <a:extLst>
-            <a:ext uri="{909E8E84-426E-40DD-AFC4-6F175D3DCCD1}">
-              <a14:hiddenFill xmlns:a14="http://schemas.microsoft.com/office/drawing/2010/main">
-                <a:solidFill>
-                  <a:srgbClr val="FFFFFF"/>
-                </a:solidFill>
-              </a14:hiddenFill>
-            </a:ext>
-          </a:extLst>
-        </p:spPr>
-      </p:pic>
       <p:pic>
         <p:nvPicPr>
           <p:cNvPr id="12" name="Picture 11">
@@ -17907,7 +18077,7 @@
           <p:nvPr/>
         </p:nvPicPr>
         <p:blipFill>
-          <a:blip r:embed="rId3"/>
+          <a:blip r:embed="rId2"/>
           <a:stretch>
             <a:fillRect/>
           </a:stretch>
@@ -17937,7 +18107,7 @@
           <p:nvPr/>
         </p:nvPicPr>
         <p:blipFill rotWithShape="1">
-          <a:blip r:embed="rId4"/>
+          <a:blip r:embed="rId3"/>
           <a:srcRect r="326"/>
           <a:stretch/>
         </p:blipFill>
@@ -18187,7 +18357,7 @@
 </p:sld>
 </file>
 
-<file path=ppt/slides/slide13.xml><?xml version="1.0" encoding="utf-8"?>
+<file path=ppt/slides/slide14.xml><?xml version="1.0" encoding="utf-8"?>
 <p:sld xmlns:a="http://schemas.openxmlformats.org/drawingml/2006/main" xmlns:r="http://schemas.openxmlformats.org/officeDocument/2006/relationships" xmlns:p="http://schemas.openxmlformats.org/presentationml/2006/main">
   <p:cSld>
     <p:spTree>
@@ -18256,7 +18426,7 @@
           <a:p>
             <a:fld id="{8E6562B1-0B0F-0246-9532-09536BC2AE59}" type="slidenum">
               <a:rPr lang="en-US" smtClean="0"/>
-              <a:t>13</a:t>
+              <a:t>14</a:t>
             </a:fld>
             <a:endParaRPr lang="en-US"/>
           </a:p>
@@ -19209,8 +19379,8 @@
           </a:p>
         </p:txBody>
       </p:sp>
-      <mc:AlternateContent xmlns:mc="http://schemas.openxmlformats.org/markup-compatibility/2006">
-        <mc:Choice xmlns:a14="http://schemas.microsoft.com/office/drawing/2010/main" Requires="a14">
+      <mc:AlternateContent xmlns:mc="http://schemas.openxmlformats.org/markup-compatibility/2006" xmlns:a14="http://schemas.microsoft.com/office/drawing/2010/main">
+        <mc:Choice Requires="a14">
           <p:sp>
             <p:nvSpPr>
               <p:cNvPr id="3" name="TextBox 2">
@@ -19265,7 +19435,7 @@
             </p:txBody>
           </p:sp>
         </mc:Choice>
-        <mc:Fallback>
+        <mc:Fallback xmlns="">
           <p:sp>
             <p:nvSpPr>
               <p:cNvPr id="3" name="TextBox 2">
@@ -19356,8 +19526,8 @@
           </a:p>
         </p:txBody>
       </p:sp>
-      <mc:AlternateContent xmlns:mc="http://schemas.openxmlformats.org/markup-compatibility/2006">
-        <mc:Choice xmlns:a14="http://schemas.microsoft.com/office/drawing/2010/main" Requires="a14">
+      <mc:AlternateContent xmlns:mc="http://schemas.openxmlformats.org/markup-compatibility/2006" xmlns:a14="http://schemas.microsoft.com/office/drawing/2010/main">
+        <mc:Choice Requires="a14">
           <p:sp>
             <p:nvSpPr>
               <p:cNvPr id="9" name="TextBox 8">
@@ -19413,7 +19583,7 @@
             </p:txBody>
           </p:sp>
         </mc:Choice>
-        <mc:Fallback>
+        <mc:Fallback xmlns="">
           <p:sp>
             <p:nvSpPr>
               <p:cNvPr id="9" name="TextBox 8">
@@ -19463,8 +19633,8 @@
           </p:sp>
         </mc:Fallback>
       </mc:AlternateContent>
-      <mc:AlternateContent xmlns:mc="http://schemas.openxmlformats.org/markup-compatibility/2006">
-        <mc:Choice xmlns:a14="http://schemas.microsoft.com/office/drawing/2010/main" Requires="a14">
+      <mc:AlternateContent xmlns:mc="http://schemas.openxmlformats.org/markup-compatibility/2006" xmlns:a14="http://schemas.microsoft.com/office/drawing/2010/main">
+        <mc:Choice Requires="a14">
           <p:sp>
             <p:nvSpPr>
               <p:cNvPr id="10" name="TextBox 9">
@@ -19520,7 +19690,7 @@
             </p:txBody>
           </p:sp>
         </mc:Choice>
-        <mc:Fallback>
+        <mc:Fallback xmlns="">
           <p:sp>
             <p:nvSpPr>
               <p:cNvPr id="10" name="TextBox 9">
@@ -19640,8 +19810,8 @@
           </a:p>
         </p:txBody>
       </p:sp>
-      <mc:AlternateContent xmlns:mc="http://schemas.openxmlformats.org/markup-compatibility/2006">
-        <mc:Choice xmlns:a14="http://schemas.microsoft.com/office/drawing/2010/main" Requires="a14">
+      <mc:AlternateContent xmlns:mc="http://schemas.openxmlformats.org/markup-compatibility/2006" xmlns:a14="http://schemas.microsoft.com/office/drawing/2010/main">
+        <mc:Choice Requires="a14">
           <p:sp>
             <p:nvSpPr>
               <p:cNvPr id="24" name="TextBox 23">
@@ -19697,7 +19867,7 @@
             </p:txBody>
           </p:sp>
         </mc:Choice>
-        <mc:Fallback>
+        <mc:Fallback xmlns="">
           <p:sp>
             <p:nvSpPr>
               <p:cNvPr id="24" name="TextBox 23">
@@ -19747,8 +19917,8 @@
           </p:sp>
         </mc:Fallback>
       </mc:AlternateContent>
-      <mc:AlternateContent xmlns:mc="http://schemas.openxmlformats.org/markup-compatibility/2006">
-        <mc:Choice xmlns:a14="http://schemas.microsoft.com/office/drawing/2010/main" Requires="a14">
+      <mc:AlternateContent xmlns:mc="http://schemas.openxmlformats.org/markup-compatibility/2006" xmlns:a14="http://schemas.microsoft.com/office/drawing/2010/main">
+        <mc:Choice Requires="a14">
           <p:sp>
             <p:nvSpPr>
               <p:cNvPr id="25" name="TextBox 24">
@@ -19803,7 +19973,7 @@
             </p:txBody>
           </p:sp>
         </mc:Choice>
-        <mc:Fallback>
+        <mc:Fallback xmlns="">
           <p:sp>
             <p:nvSpPr>
               <p:cNvPr id="25" name="TextBox 24">
@@ -19853,8 +20023,8 @@
           </p:sp>
         </mc:Fallback>
       </mc:AlternateContent>
-      <mc:AlternateContent xmlns:mc="http://schemas.openxmlformats.org/markup-compatibility/2006">
-        <mc:Choice xmlns:a14="http://schemas.microsoft.com/office/drawing/2010/main" Requires="a14">
+      <mc:AlternateContent xmlns:mc="http://schemas.openxmlformats.org/markup-compatibility/2006" xmlns:a14="http://schemas.microsoft.com/office/drawing/2010/main">
+        <mc:Choice Requires="a14">
           <p:sp>
             <p:nvSpPr>
               <p:cNvPr id="26" name="TextBox 25">
@@ -19909,7 +20079,7 @@
             </p:txBody>
           </p:sp>
         </mc:Choice>
-        <mc:Fallback>
+        <mc:Fallback xmlns="">
           <p:sp>
             <p:nvSpPr>
               <p:cNvPr id="26" name="TextBox 25">
@@ -20229,8 +20399,8 @@
           </a:fontRef>
         </p:style>
       </p:cxnSp>
-      <mc:AlternateContent xmlns:mc="http://schemas.openxmlformats.org/markup-compatibility/2006">
-        <mc:Choice xmlns:a14="http://schemas.microsoft.com/office/drawing/2010/main" Requires="a14">
+      <mc:AlternateContent xmlns:mc="http://schemas.openxmlformats.org/markup-compatibility/2006" xmlns:a14="http://schemas.microsoft.com/office/drawing/2010/main">
+        <mc:Choice Requires="a14">
           <p:sp>
             <p:nvSpPr>
               <p:cNvPr id="61" name="TextBox 60">
@@ -20285,7 +20455,7 @@
             </p:txBody>
           </p:sp>
         </mc:Choice>
-        <mc:Fallback>
+        <mc:Fallback xmlns="">
           <p:sp>
             <p:nvSpPr>
               <p:cNvPr id="61" name="TextBox 60">
@@ -20335,8 +20505,8 @@
           </p:sp>
         </mc:Fallback>
       </mc:AlternateContent>
-      <mc:AlternateContent xmlns:mc="http://schemas.openxmlformats.org/markup-compatibility/2006">
-        <mc:Choice xmlns:a14="http://schemas.microsoft.com/office/drawing/2010/main" Requires="a14">
+      <mc:AlternateContent xmlns:mc="http://schemas.openxmlformats.org/markup-compatibility/2006" xmlns:a14="http://schemas.microsoft.com/office/drawing/2010/main">
+        <mc:Choice Requires="a14">
           <p:sp>
             <p:nvSpPr>
               <p:cNvPr id="64" name="TextBox 63">
@@ -20392,7 +20562,7 @@
             </p:txBody>
           </p:sp>
         </mc:Choice>
-        <mc:Fallback>
+        <mc:Fallback xmlns="">
           <p:sp>
             <p:nvSpPr>
               <p:cNvPr id="64" name="TextBox 63">
@@ -20442,8 +20612,8 @@
           </p:sp>
         </mc:Fallback>
       </mc:AlternateContent>
-      <mc:AlternateContent xmlns:mc="http://schemas.openxmlformats.org/markup-compatibility/2006">
-        <mc:Choice xmlns:a14="http://schemas.microsoft.com/office/drawing/2010/main" Requires="a14">
+      <mc:AlternateContent xmlns:mc="http://schemas.openxmlformats.org/markup-compatibility/2006" xmlns:a14="http://schemas.microsoft.com/office/drawing/2010/main">
+        <mc:Choice Requires="a14">
           <p:sp>
             <p:nvSpPr>
               <p:cNvPr id="65" name="TextBox 64">
@@ -20499,7 +20669,7 @@
             </p:txBody>
           </p:sp>
         </mc:Choice>
-        <mc:Fallback>
+        <mc:Fallback xmlns="">
           <p:sp>
             <p:nvSpPr>
               <p:cNvPr id="65" name="TextBox 64">
@@ -20549,8 +20719,8 @@
           </p:sp>
         </mc:Fallback>
       </mc:AlternateContent>
-      <mc:AlternateContent xmlns:mc="http://schemas.openxmlformats.org/markup-compatibility/2006">
-        <mc:Choice xmlns:a14="http://schemas.microsoft.com/office/drawing/2010/main" Requires="a14">
+      <mc:AlternateContent xmlns:mc="http://schemas.openxmlformats.org/markup-compatibility/2006" xmlns:a14="http://schemas.microsoft.com/office/drawing/2010/main">
+        <mc:Choice Requires="a14">
           <p:sp>
             <p:nvSpPr>
               <p:cNvPr id="66" name="TextBox 65">
@@ -20605,7 +20775,7 @@
             </p:txBody>
           </p:sp>
         </mc:Choice>
-        <mc:Fallback>
+        <mc:Fallback xmlns="">
           <p:sp>
             <p:nvSpPr>
               <p:cNvPr id="66" name="TextBox 65">
@@ -20655,8 +20825,8 @@
           </p:sp>
         </mc:Fallback>
       </mc:AlternateContent>
-      <mc:AlternateContent xmlns:mc="http://schemas.openxmlformats.org/markup-compatibility/2006">
-        <mc:Choice xmlns:a14="http://schemas.microsoft.com/office/drawing/2010/main" Requires="a14">
+      <mc:AlternateContent xmlns:mc="http://schemas.openxmlformats.org/markup-compatibility/2006" xmlns:a14="http://schemas.microsoft.com/office/drawing/2010/main">
+        <mc:Choice Requires="a14">
           <p:sp>
             <p:nvSpPr>
               <p:cNvPr id="67" name="TextBox 66">
@@ -20711,7 +20881,7 @@
             </p:txBody>
           </p:sp>
         </mc:Choice>
-        <mc:Fallback>
+        <mc:Fallback xmlns="">
           <p:sp>
             <p:nvSpPr>
               <p:cNvPr id="67" name="TextBox 66">
@@ -21031,6 +21201,234 @@
           </a:p>
         </p:txBody>
       </p:sp>
+      <p:sp>
+        <p:nvSpPr>
+          <p:cNvPr id="3" name="TextBox 2">
+            <a:extLst>
+              <a:ext uri="{FF2B5EF4-FFF2-40B4-BE49-F238E27FC236}">
+                <a16:creationId xmlns:a16="http://schemas.microsoft.com/office/drawing/2014/main" id="{29D7C0DC-349A-0F6A-690D-70A2F8A5514B}"/>
+              </a:ext>
+            </a:extLst>
+          </p:cNvPr>
+          <p:cNvSpPr txBox="1"/>
+          <p:nvPr/>
+        </p:nvSpPr>
+        <p:spPr>
+          <a:xfrm>
+            <a:off x="7992645" y="6155868"/>
+            <a:ext cx="4199355" cy="276999"/>
+          </a:xfrm>
+          <a:prstGeom prst="rect">
+            <a:avLst/>
+          </a:prstGeom>
+          <a:noFill/>
+        </p:spPr>
+        <p:txBody>
+          <a:bodyPr wrap="none" rtlCol="0">
+            <a:spAutoFit/>
+          </a:bodyPr>
+          <a:lstStyle/>
+          <a:p>
+            <a:r>
+              <a:rPr lang="en-US" sz="1200" b="0" i="0" dirty="0">
+                <a:solidFill>
+                  <a:srgbClr val="404040"/>
+                </a:solidFill>
+                <a:effectLst/>
+                <a:latin typeface="+mj-lt"/>
+              </a:rPr>
+              <a:t>A Yang et al, </a:t>
+            </a:r>
+            <a:r>
+              <a:rPr lang="en-US" sz="1200" b="0" i="0" dirty="0" err="1">
+                <a:solidFill>
+                  <a:srgbClr val="404040"/>
+                </a:solidFill>
+                <a:effectLst/>
+                <a:latin typeface="+mj-lt"/>
+              </a:rPr>
+              <a:t>npj</a:t>
+            </a:r>
+            <a:r>
+              <a:rPr lang="en-US" sz="1200" b="0" i="0" dirty="0">
+                <a:solidFill>
+                  <a:srgbClr val="404040"/>
+                </a:solidFill>
+                <a:effectLst/>
+                <a:latin typeface="+mj-lt"/>
+              </a:rPr>
+              <a:t> Comp Mat, 2021</a:t>
+            </a:r>
+            <a:r>
+              <a:rPr lang="en-US" sz="1200" dirty="0">
+                <a:solidFill>
+                  <a:srgbClr val="404040"/>
+                </a:solidFill>
+                <a:latin typeface="+mj-lt"/>
+              </a:rPr>
+              <a:t>, </a:t>
+            </a:r>
+            <a:r>
+              <a:rPr lang="en-SG" sz="1200" b="0" i="0" dirty="0">
+                <a:solidFill>
+                  <a:srgbClr val="222222"/>
+                </a:solidFill>
+                <a:effectLst/>
+                <a:latin typeface="-apple-system"/>
+              </a:rPr>
+              <a:t>10.1038/s41524-021-00545-1</a:t>
+            </a:r>
+            <a:endParaRPr lang="en-US" sz="1200" b="0" i="0" dirty="0">
+              <a:solidFill>
+                <a:srgbClr val="404040"/>
+              </a:solidFill>
+              <a:effectLst/>
+              <a:latin typeface="+mj-lt"/>
+            </a:endParaRPr>
+          </a:p>
+        </p:txBody>
+      </p:sp>
+      <p:pic>
+        <p:nvPicPr>
+          <p:cNvPr id="1028" name="Picture 4" descr="figure 7">
+            <a:extLst>
+              <a:ext uri="{FF2B5EF4-FFF2-40B4-BE49-F238E27FC236}">
+                <a16:creationId xmlns:a16="http://schemas.microsoft.com/office/drawing/2014/main" id="{1A4D8D0D-4AD0-13F4-3E39-A98B6138F437}"/>
+              </a:ext>
+            </a:extLst>
+          </p:cNvPr>
+          <p:cNvPicPr>
+            <a:picLocks noChangeAspect="1" noChangeArrowheads="1"/>
+          </p:cNvPicPr>
+          <p:nvPr/>
+        </p:nvPicPr>
+        <p:blipFill>
+          <a:blip r:embed="rId2">
+            <a:extLst>
+              <a:ext uri="{28A0092B-C50C-407E-A947-70E740481C1C}">
+                <a14:useLocalDpi xmlns:a14="http://schemas.microsoft.com/office/drawing/2010/main" val="0"/>
+              </a:ext>
+            </a:extLst>
+          </a:blip>
+          <a:srcRect/>
+          <a:stretch>
+            <a:fillRect/>
+          </a:stretch>
+        </p:blipFill>
+        <p:spPr bwMode="auto">
+          <a:xfrm>
+            <a:off x="1264968" y="4023803"/>
+            <a:ext cx="3651161" cy="2132065"/>
+          </a:xfrm>
+          <a:prstGeom prst="rect">
+            <a:avLst/>
+          </a:prstGeom>
+          <a:noFill/>
+          <a:extLst>
+            <a:ext uri="{909E8E84-426E-40DD-AFC4-6F175D3DCCD1}">
+              <a14:hiddenFill xmlns:a14="http://schemas.microsoft.com/office/drawing/2010/main">
+                <a:solidFill>
+                  <a:srgbClr val="FFFFFF"/>
+                </a:solidFill>
+              </a14:hiddenFill>
+            </a:ext>
+          </a:extLst>
+        </p:spPr>
+      </p:pic>
+      <p:pic>
+        <p:nvPicPr>
+          <p:cNvPr id="5" name="Picture 4" descr="Fig. 8">
+            <a:extLst>
+              <a:ext uri="{FF2B5EF4-FFF2-40B4-BE49-F238E27FC236}">
+                <a16:creationId xmlns:a16="http://schemas.microsoft.com/office/drawing/2014/main" id="{4EB177AA-291F-B4FC-D274-EE45FCEE7A19}"/>
+              </a:ext>
+            </a:extLst>
+          </p:cNvPr>
+          <p:cNvPicPr>
+            <a:picLocks noChangeAspect="1" noChangeArrowheads="1"/>
+          </p:cNvPicPr>
+          <p:nvPr/>
+        </p:nvPicPr>
+        <p:blipFill>
+          <a:blip r:embed="rId3">
+            <a:extLst>
+              <a:ext uri="{28A0092B-C50C-407E-A947-70E740481C1C}">
+                <a14:useLocalDpi xmlns:a14="http://schemas.microsoft.com/office/drawing/2010/main" val="0"/>
+              </a:ext>
+            </a:extLst>
+          </a:blip>
+          <a:srcRect/>
+          <a:stretch>
+            <a:fillRect/>
+          </a:stretch>
+        </p:blipFill>
+        <p:spPr bwMode="auto">
+          <a:xfrm>
+            <a:off x="6364865" y="1386349"/>
+            <a:ext cx="5179903" cy="4267197"/>
+          </a:xfrm>
+          <a:prstGeom prst="rect">
+            <a:avLst/>
+          </a:prstGeom>
+          <a:noFill/>
+          <a:extLst>
+            <a:ext uri="{909E8E84-426E-40DD-AFC4-6F175D3DCCD1}">
+              <a14:hiddenFill xmlns:a14="http://schemas.microsoft.com/office/drawing/2010/main">
+                <a:solidFill>
+                  <a:srgbClr val="FFFFFF"/>
+                </a:solidFill>
+              </a14:hiddenFill>
+            </a:ext>
+          </a:extLst>
+        </p:spPr>
+      </p:pic>
+      <p:pic>
+        <p:nvPicPr>
+          <p:cNvPr id="1032" name="Picture 8" descr="Fig. 6">
+            <a:extLst>
+              <a:ext uri="{FF2B5EF4-FFF2-40B4-BE49-F238E27FC236}">
+                <a16:creationId xmlns:a16="http://schemas.microsoft.com/office/drawing/2014/main" id="{0B866C1A-29D4-B9B8-6E9E-E58BCE7B04A5}"/>
+              </a:ext>
+            </a:extLst>
+          </p:cNvPr>
+          <p:cNvPicPr>
+            <a:picLocks noChangeAspect="1" noChangeArrowheads="1"/>
+          </p:cNvPicPr>
+          <p:nvPr/>
+        </p:nvPicPr>
+        <p:blipFill>
+          <a:blip r:embed="rId4">
+            <a:extLst>
+              <a:ext uri="{28A0092B-C50C-407E-A947-70E740481C1C}">
+                <a14:useLocalDpi xmlns:a14="http://schemas.microsoft.com/office/drawing/2010/main" val="0"/>
+              </a:ext>
+            </a:extLst>
+          </a:blip>
+          <a:srcRect/>
+          <a:stretch>
+            <a:fillRect/>
+          </a:stretch>
+        </p:blipFill>
+        <p:spPr bwMode="auto">
+          <a:xfrm>
+            <a:off x="521254" y="1877962"/>
+            <a:ext cx="4894912" cy="1994294"/>
+          </a:xfrm>
+          <a:prstGeom prst="rect">
+            <a:avLst/>
+          </a:prstGeom>
+          <a:noFill/>
+          <a:extLst>
+            <a:ext uri="{909E8E84-426E-40DD-AFC4-6F175D3DCCD1}">
+              <a14:hiddenFill xmlns:a14="http://schemas.microsoft.com/office/drawing/2010/main">
+                <a:solidFill>
+                  <a:srgbClr val="FFFFFF"/>
+                </a:solidFill>
+              </a14:hiddenFill>
+            </a:ext>
+          </a:extLst>
+        </p:spPr>
+      </p:pic>
     </p:spTree>
     <p:extLst>
       <p:ext uri="{BB962C8B-B14F-4D97-AF65-F5344CB8AC3E}">
@@ -21045,6 +21443,414 @@
 </file>
 
 <file path=ppt/slides/slide7.xml><?xml version="1.0" encoding="utf-8"?>
+<p:sld xmlns:a="http://schemas.openxmlformats.org/drawingml/2006/main" xmlns:r="http://schemas.openxmlformats.org/officeDocument/2006/relationships" xmlns:p="http://schemas.openxmlformats.org/presentationml/2006/main">
+  <p:cSld>
+    <p:spTree>
+      <p:nvGrpSpPr>
+        <p:cNvPr id="1" name=""/>
+        <p:cNvGrpSpPr/>
+        <p:nvPr/>
+      </p:nvGrpSpPr>
+      <p:grpSpPr>
+        <a:xfrm>
+          <a:off x="0" y="0"/>
+          <a:ext cx="0" cy="0"/>
+          <a:chOff x="0" y="0"/>
+          <a:chExt cx="0" cy="0"/>
+        </a:xfrm>
+      </p:grpSpPr>
+      <p:pic>
+        <p:nvPicPr>
+          <p:cNvPr id="2054" name="Picture 6">
+            <a:extLst>
+              <a:ext uri="{FF2B5EF4-FFF2-40B4-BE49-F238E27FC236}">
+                <a16:creationId xmlns:a16="http://schemas.microsoft.com/office/drawing/2014/main" id="{D0313B61-5904-114A-C394-AD38C59461CD}"/>
+              </a:ext>
+            </a:extLst>
+          </p:cNvPr>
+          <p:cNvPicPr>
+            <a:picLocks noChangeAspect="1" noChangeArrowheads="1"/>
+          </p:cNvPicPr>
+          <p:nvPr/>
+        </p:nvPicPr>
+        <p:blipFill>
+          <a:blip r:embed="rId2">
+            <a:extLst>
+              <a:ext uri="{28A0092B-C50C-407E-A947-70E740481C1C}">
+                <a14:useLocalDpi xmlns:a14="http://schemas.microsoft.com/office/drawing/2010/main" val="0"/>
+              </a:ext>
+            </a:extLst>
+          </a:blip>
+          <a:srcRect/>
+          <a:stretch>
+            <a:fillRect/>
+          </a:stretch>
+        </p:blipFill>
+        <p:spPr bwMode="auto">
+          <a:xfrm>
+            <a:off x="3963917" y="2452872"/>
+            <a:ext cx="3617901" cy="3135514"/>
+          </a:xfrm>
+          <a:prstGeom prst="rect">
+            <a:avLst/>
+          </a:prstGeom>
+          <a:noFill/>
+          <a:extLst>
+            <a:ext uri="{909E8E84-426E-40DD-AFC4-6F175D3DCCD1}">
+              <a14:hiddenFill xmlns:a14="http://schemas.microsoft.com/office/drawing/2010/main">
+                <a:solidFill>
+                  <a:srgbClr val="FFFFFF"/>
+                </a:solidFill>
+              </a14:hiddenFill>
+            </a:ext>
+          </a:extLst>
+        </p:spPr>
+      </p:pic>
+      <p:pic>
+        <p:nvPicPr>
+          <p:cNvPr id="2052" name="Picture 4">
+            <a:extLst>
+              <a:ext uri="{FF2B5EF4-FFF2-40B4-BE49-F238E27FC236}">
+                <a16:creationId xmlns:a16="http://schemas.microsoft.com/office/drawing/2014/main" id="{9858272D-4291-56E7-ABF9-3DD34C51BAC9}"/>
+              </a:ext>
+            </a:extLst>
+          </p:cNvPr>
+          <p:cNvPicPr>
+            <a:picLocks noChangeAspect="1" noChangeArrowheads="1"/>
+          </p:cNvPicPr>
+          <p:nvPr/>
+        </p:nvPicPr>
+        <p:blipFill>
+          <a:blip r:embed="rId3">
+            <a:extLst>
+              <a:ext uri="{28A0092B-C50C-407E-A947-70E740481C1C}">
+                <a14:useLocalDpi xmlns:a14="http://schemas.microsoft.com/office/drawing/2010/main" val="0"/>
+              </a:ext>
+            </a:extLst>
+          </a:blip>
+          <a:srcRect/>
+          <a:stretch>
+            <a:fillRect/>
+          </a:stretch>
+        </p:blipFill>
+        <p:spPr bwMode="auto">
+          <a:xfrm>
+            <a:off x="83026" y="2452872"/>
+            <a:ext cx="3706761" cy="3135514"/>
+          </a:xfrm>
+          <a:prstGeom prst="rect">
+            <a:avLst/>
+          </a:prstGeom>
+          <a:noFill/>
+          <a:extLst>
+            <a:ext uri="{909E8E84-426E-40DD-AFC4-6F175D3DCCD1}">
+              <a14:hiddenFill xmlns:a14="http://schemas.microsoft.com/office/drawing/2010/main">
+                <a:solidFill>
+                  <a:srgbClr val="FFFFFF"/>
+                </a:solidFill>
+              </a14:hiddenFill>
+            </a:ext>
+          </a:extLst>
+        </p:spPr>
+      </p:pic>
+      <p:sp>
+        <p:nvSpPr>
+          <p:cNvPr id="2" name="Title 1">
+            <a:extLst>
+              <a:ext uri="{FF2B5EF4-FFF2-40B4-BE49-F238E27FC236}">
+                <a16:creationId xmlns:a16="http://schemas.microsoft.com/office/drawing/2014/main" id="{8DC64DFE-11B5-9717-0BDD-7084B48517A1}"/>
+              </a:ext>
+            </a:extLst>
+          </p:cNvPr>
+          <p:cNvSpPr>
+            <a:spLocks noGrp="1"/>
+          </p:cNvSpPr>
+          <p:nvPr>
+            <p:ph type="title"/>
+          </p:nvPr>
+        </p:nvSpPr>
+        <p:spPr/>
+        <p:txBody>
+          <a:bodyPr/>
+          <a:lstStyle/>
+          <a:p>
+            <a:r>
+              <a:rPr lang="en-SG" dirty="0"/>
+              <a:t>Model training</a:t>
+            </a:r>
+          </a:p>
+        </p:txBody>
+      </p:sp>
+      <p:sp>
+        <p:nvSpPr>
+          <p:cNvPr id="4" name="Slide Number Placeholder 3">
+            <a:extLst>
+              <a:ext uri="{FF2B5EF4-FFF2-40B4-BE49-F238E27FC236}">
+                <a16:creationId xmlns:a16="http://schemas.microsoft.com/office/drawing/2014/main" id="{3785EE7E-3DE8-2F50-509E-4CF5C8150FB6}"/>
+              </a:ext>
+            </a:extLst>
+          </p:cNvPr>
+          <p:cNvSpPr>
+            <a:spLocks noGrp="1"/>
+          </p:cNvSpPr>
+          <p:nvPr>
+            <p:ph type="sldNum" sz="quarter" idx="12"/>
+          </p:nvPr>
+        </p:nvSpPr>
+        <p:spPr/>
+        <p:txBody>
+          <a:bodyPr/>
+          <a:lstStyle/>
+          <a:p>
+            <a:fld id="{8E6562B1-0B0F-0246-9532-09536BC2AE59}" type="slidenum">
+              <a:rPr lang="en-US" smtClean="0"/>
+              <a:t>7</a:t>
+            </a:fld>
+            <a:endParaRPr lang="en-US"/>
+          </a:p>
+        </p:txBody>
+      </p:sp>
+      <p:sp>
+        <p:nvSpPr>
+          <p:cNvPr id="3" name="Oval 2">
+            <a:extLst>
+              <a:ext uri="{FF2B5EF4-FFF2-40B4-BE49-F238E27FC236}">
+                <a16:creationId xmlns:a16="http://schemas.microsoft.com/office/drawing/2014/main" id="{00E9D90D-8CA8-522D-24F5-AD1BEE4A8495}"/>
+              </a:ext>
+            </a:extLst>
+          </p:cNvPr>
+          <p:cNvSpPr/>
+          <p:nvPr/>
+        </p:nvSpPr>
+        <p:spPr>
+          <a:xfrm>
+            <a:off x="4459660" y="3612884"/>
+            <a:ext cx="1203721" cy="550910"/>
+          </a:xfrm>
+          <a:prstGeom prst="ellipse">
+            <a:avLst/>
+          </a:prstGeom>
+          <a:noFill/>
+          <a:ln w="19050">
+            <a:solidFill>
+              <a:srgbClr val="FF0000"/>
+            </a:solidFill>
+          </a:ln>
+          <a:effectLst/>
+        </p:spPr>
+        <p:style>
+          <a:lnRef idx="1">
+            <a:schemeClr val="accent1"/>
+          </a:lnRef>
+          <a:fillRef idx="3">
+            <a:schemeClr val="accent1"/>
+          </a:fillRef>
+          <a:effectRef idx="2">
+            <a:schemeClr val="accent1"/>
+          </a:effectRef>
+          <a:fontRef idx="minor">
+            <a:schemeClr val="lt1"/>
+          </a:fontRef>
+        </p:style>
+        <p:txBody>
+          <a:bodyPr rtlCol="0" anchor="ctr"/>
+          <a:lstStyle/>
+          <a:p>
+            <a:pPr algn="ctr"/>
+            <a:endParaRPr lang="en-SG"/>
+          </a:p>
+        </p:txBody>
+      </p:sp>
+      <p:sp>
+        <p:nvSpPr>
+          <p:cNvPr id="5" name="TextBox 4">
+            <a:extLst>
+              <a:ext uri="{FF2B5EF4-FFF2-40B4-BE49-F238E27FC236}">
+                <a16:creationId xmlns:a16="http://schemas.microsoft.com/office/drawing/2014/main" id="{C6C7D043-FF54-1EAB-C09F-3E31507A4C13}"/>
+              </a:ext>
+            </a:extLst>
+          </p:cNvPr>
+          <p:cNvSpPr txBox="1"/>
+          <p:nvPr/>
+        </p:nvSpPr>
+        <p:spPr>
+          <a:xfrm>
+            <a:off x="4740610" y="3060450"/>
+            <a:ext cx="849913" cy="369332"/>
+          </a:xfrm>
+          <a:prstGeom prst="rect">
+            <a:avLst/>
+          </a:prstGeom>
+          <a:noFill/>
+        </p:spPr>
+        <p:txBody>
+          <a:bodyPr wrap="none" rtlCol="0">
+            <a:spAutoFit/>
+          </a:bodyPr>
+          <a:lstStyle/>
+          <a:p>
+            <a:r>
+              <a:rPr lang="en-SG" dirty="0">
+                <a:solidFill>
+                  <a:srgbClr val="FF0000"/>
+                </a:solidFill>
+              </a:rPr>
+              <a:t>LiCoO2</a:t>
+            </a:r>
+          </a:p>
+        </p:txBody>
+      </p:sp>
+      <p:pic>
+        <p:nvPicPr>
+          <p:cNvPr id="2058" name="Picture 10">
+            <a:extLst>
+              <a:ext uri="{FF2B5EF4-FFF2-40B4-BE49-F238E27FC236}">
+                <a16:creationId xmlns:a16="http://schemas.microsoft.com/office/drawing/2014/main" id="{7F6C8629-CD82-A891-33C0-189ABC46061E}"/>
+              </a:ext>
+            </a:extLst>
+          </p:cNvPr>
+          <p:cNvPicPr>
+            <a:picLocks noChangeAspect="1" noChangeArrowheads="1"/>
+          </p:cNvPicPr>
+          <p:nvPr/>
+        </p:nvPicPr>
+        <p:blipFill>
+          <a:blip r:embed="rId4">
+            <a:extLst>
+              <a:ext uri="{28A0092B-C50C-407E-A947-70E740481C1C}">
+                <a14:useLocalDpi xmlns:a14="http://schemas.microsoft.com/office/drawing/2010/main" val="0"/>
+              </a:ext>
+            </a:extLst>
+          </a:blip>
+          <a:srcRect/>
+          <a:stretch>
+            <a:fillRect/>
+          </a:stretch>
+        </p:blipFill>
+        <p:spPr bwMode="auto">
+          <a:xfrm>
+            <a:off x="7964499" y="2452872"/>
+            <a:ext cx="3617901" cy="3135514"/>
+          </a:xfrm>
+          <a:prstGeom prst="rect">
+            <a:avLst/>
+          </a:prstGeom>
+          <a:noFill/>
+          <a:extLst>
+            <a:ext uri="{909E8E84-426E-40DD-AFC4-6F175D3DCCD1}">
+              <a14:hiddenFill xmlns:a14="http://schemas.microsoft.com/office/drawing/2010/main">
+                <a:solidFill>
+                  <a:srgbClr val="FFFFFF"/>
+                </a:solidFill>
+              </a14:hiddenFill>
+            </a:ext>
+          </a:extLst>
+        </p:spPr>
+      </p:pic>
+      <p:sp>
+        <p:nvSpPr>
+          <p:cNvPr id="9" name="Oval 8">
+            <a:extLst>
+              <a:ext uri="{FF2B5EF4-FFF2-40B4-BE49-F238E27FC236}">
+                <a16:creationId xmlns:a16="http://schemas.microsoft.com/office/drawing/2014/main" id="{912AA122-DA58-B856-AD0F-D78372C6DF02}"/>
+              </a:ext>
+            </a:extLst>
+          </p:cNvPr>
+          <p:cNvSpPr/>
+          <p:nvPr/>
+        </p:nvSpPr>
+        <p:spPr>
+          <a:xfrm>
+            <a:off x="11007167" y="3612884"/>
+            <a:ext cx="693221" cy="550910"/>
+          </a:xfrm>
+          <a:prstGeom prst="ellipse">
+            <a:avLst/>
+          </a:prstGeom>
+          <a:noFill/>
+          <a:ln w="19050">
+            <a:solidFill>
+              <a:srgbClr val="FF0000"/>
+            </a:solidFill>
+          </a:ln>
+          <a:effectLst/>
+        </p:spPr>
+        <p:style>
+          <a:lnRef idx="1">
+            <a:schemeClr val="accent1"/>
+          </a:lnRef>
+          <a:fillRef idx="3">
+            <a:schemeClr val="accent1"/>
+          </a:fillRef>
+          <a:effectRef idx="2">
+            <a:schemeClr val="accent1"/>
+          </a:effectRef>
+          <a:fontRef idx="minor">
+            <a:schemeClr val="lt1"/>
+          </a:fontRef>
+        </p:style>
+        <p:txBody>
+          <a:bodyPr rtlCol="0" anchor="ctr"/>
+          <a:lstStyle/>
+          <a:p>
+            <a:pPr algn="ctr"/>
+            <a:endParaRPr lang="en-SG"/>
+          </a:p>
+        </p:txBody>
+      </p:sp>
+      <p:sp>
+        <p:nvSpPr>
+          <p:cNvPr id="10" name="TextBox 9">
+            <a:extLst>
+              <a:ext uri="{FF2B5EF4-FFF2-40B4-BE49-F238E27FC236}">
+                <a16:creationId xmlns:a16="http://schemas.microsoft.com/office/drawing/2014/main" id="{5008D24B-9490-C026-ACDA-D006DD969A5A}"/>
+              </a:ext>
+            </a:extLst>
+          </p:cNvPr>
+          <p:cNvSpPr txBox="1"/>
+          <p:nvPr/>
+        </p:nvSpPr>
+        <p:spPr>
+          <a:xfrm>
+            <a:off x="10508600" y="4163794"/>
+            <a:ext cx="572593" cy="369332"/>
+          </a:xfrm>
+          <a:prstGeom prst="rect">
+            <a:avLst/>
+          </a:prstGeom>
+          <a:noFill/>
+        </p:spPr>
+        <p:txBody>
+          <a:bodyPr wrap="none" rtlCol="0">
+            <a:spAutoFit/>
+          </a:bodyPr>
+          <a:lstStyle/>
+          <a:p>
+            <a:r>
+              <a:rPr lang="en-SG" dirty="0">
+                <a:solidFill>
+                  <a:srgbClr val="FF0000"/>
+                </a:solidFill>
+              </a:rPr>
+              <a:t>TiS2</a:t>
+            </a:r>
+          </a:p>
+        </p:txBody>
+      </p:sp>
+    </p:spTree>
+    <p:extLst>
+      <p:ext uri="{BB962C8B-B14F-4D97-AF65-F5344CB8AC3E}">
+        <p14:creationId xmlns:p14="http://schemas.microsoft.com/office/powerpoint/2010/main" val="1315631575"/>
+      </p:ext>
+    </p:extLst>
+  </p:cSld>
+  <p:clrMapOvr>
+    <a:masterClrMapping/>
+  </p:clrMapOvr>
+</p:sld>
+</file>
+
+<file path=ppt/slides/slide8.xml><?xml version="1.0" encoding="utf-8"?>
 <p:sld xmlns:a="http://schemas.openxmlformats.org/drawingml/2006/main" xmlns:r="http://schemas.openxmlformats.org/officeDocument/2006/relationships" xmlns:p="http://schemas.openxmlformats.org/presentationml/2006/main">
   <p:cSld>
     <p:spTree>
@@ -21119,7 +21925,7 @@
           <a:p>
             <a:fld id="{8E6562B1-0B0F-0246-9532-09536BC2AE59}" type="slidenum">
               <a:rPr lang="en-US" smtClean="0"/>
-              <a:t>7</a:t>
+              <a:t>8</a:t>
             </a:fld>
             <a:endParaRPr lang="en-US"/>
           </a:p>
@@ -21643,7 +22449,7 @@
 </p:sld>
 </file>
 
-<file path=ppt/slides/slide8.xml><?xml version="1.0" encoding="utf-8"?>
+<file path=ppt/slides/slide9.xml><?xml version="1.0" encoding="utf-8"?>
 <p:sld xmlns:a="http://schemas.openxmlformats.org/drawingml/2006/main" xmlns:r="http://schemas.openxmlformats.org/officeDocument/2006/relationships" xmlns:p="http://schemas.openxmlformats.org/presentationml/2006/main">
   <p:cSld>
     <p:spTree>
@@ -21718,7 +22524,7 @@
           <a:p>
             <a:fld id="{8E6562B1-0B0F-0246-9532-09536BC2AE59}" type="slidenum">
               <a:rPr lang="en-US" smtClean="0"/>
-              <a:t>8</a:t>
+              <a:t>9</a:t>
             </a:fld>
             <a:endParaRPr lang="en-US"/>
           </a:p>
@@ -22624,222 +23430,6 @@
 </p:sld>
 </file>
 
-<file path=ppt/slides/slide9.xml><?xml version="1.0" encoding="utf-8"?>
-<p:sld xmlns:a="http://schemas.openxmlformats.org/drawingml/2006/main" xmlns:r="http://schemas.openxmlformats.org/officeDocument/2006/relationships" xmlns:p="http://schemas.openxmlformats.org/presentationml/2006/main">
-  <p:cSld>
-    <p:spTree>
-      <p:nvGrpSpPr>
-        <p:cNvPr id="1" name=""/>
-        <p:cNvGrpSpPr/>
-        <p:nvPr/>
-      </p:nvGrpSpPr>
-      <p:grpSpPr>
-        <a:xfrm>
-          <a:off x="0" y="0"/>
-          <a:ext cx="0" cy="0"/>
-          <a:chOff x="0" y="0"/>
-          <a:chExt cx="0" cy="0"/>
-        </a:xfrm>
-      </p:grpSpPr>
-      <p:sp>
-        <p:nvSpPr>
-          <p:cNvPr id="2" name="Title 1">
-            <a:extLst>
-              <a:ext uri="{FF2B5EF4-FFF2-40B4-BE49-F238E27FC236}">
-                <a16:creationId xmlns:a16="http://schemas.microsoft.com/office/drawing/2014/main" id="{191A7671-BEDC-C844-A58B-84134783E2D6}"/>
-              </a:ext>
-            </a:extLst>
-          </p:cNvPr>
-          <p:cNvSpPr>
-            <a:spLocks noGrp="1"/>
-          </p:cNvSpPr>
-          <p:nvPr>
-            <p:ph type="title"/>
-          </p:nvPr>
-        </p:nvSpPr>
-        <p:spPr>
-          <a:xfrm>
-            <a:off x="202773" y="-146367"/>
-            <a:ext cx="11989228" cy="1143000"/>
-          </a:xfrm>
-        </p:spPr>
-        <p:txBody>
-          <a:bodyPr>
-            <a:normAutofit/>
-          </a:bodyPr>
-          <a:lstStyle/>
-          <a:p>
-            <a:r>
-              <a:rPr lang="en-SG" sz="4000" dirty="0"/>
-              <a:t>Visualization via Elemental Movers Distance (</a:t>
-            </a:r>
-            <a:r>
-              <a:rPr lang="en-SG" sz="4000" dirty="0" err="1"/>
-              <a:t>ElMD</a:t>
-            </a:r>
-            <a:endParaRPr lang="en-SG" sz="4000" dirty="0"/>
-          </a:p>
-        </p:txBody>
-      </p:sp>
-      <p:sp>
-        <p:nvSpPr>
-          <p:cNvPr id="4" name="Slide Number Placeholder 3">
-            <a:extLst>
-              <a:ext uri="{FF2B5EF4-FFF2-40B4-BE49-F238E27FC236}">
-                <a16:creationId xmlns:a16="http://schemas.microsoft.com/office/drawing/2014/main" id="{1D0E39D6-B9B9-5A39-BEB8-FACFB6DB24AD}"/>
-              </a:ext>
-            </a:extLst>
-          </p:cNvPr>
-          <p:cNvSpPr>
-            <a:spLocks noGrp="1"/>
-          </p:cNvSpPr>
-          <p:nvPr>
-            <p:ph type="sldNum" sz="quarter" idx="12"/>
-          </p:nvPr>
-        </p:nvSpPr>
-        <p:spPr/>
-        <p:txBody>
-          <a:bodyPr/>
-          <a:lstStyle/>
-          <a:p>
-            <a:fld id="{8E6562B1-0B0F-0246-9532-09536BC2AE59}" type="slidenum">
-              <a:rPr lang="en-US" smtClean="0"/>
-              <a:t>9</a:t>
-            </a:fld>
-            <a:endParaRPr lang="en-US"/>
-          </a:p>
-        </p:txBody>
-      </p:sp>
-      <p:sp>
-        <p:nvSpPr>
-          <p:cNvPr id="5" name="TextBox 4">
-            <a:extLst>
-              <a:ext uri="{FF2B5EF4-FFF2-40B4-BE49-F238E27FC236}">
-                <a16:creationId xmlns:a16="http://schemas.microsoft.com/office/drawing/2014/main" id="{FA39FED7-04D3-FC29-822A-0923B4BEC622}"/>
-              </a:ext>
-            </a:extLst>
-          </p:cNvPr>
-          <p:cNvSpPr txBox="1"/>
-          <p:nvPr/>
-        </p:nvSpPr>
-        <p:spPr>
-          <a:xfrm>
-            <a:off x="7496612" y="6155868"/>
-            <a:ext cx="4695388" cy="276999"/>
-          </a:xfrm>
-          <a:prstGeom prst="rect">
-            <a:avLst/>
-          </a:prstGeom>
-          <a:noFill/>
-        </p:spPr>
-        <p:txBody>
-          <a:bodyPr wrap="none" rtlCol="0">
-            <a:spAutoFit/>
-          </a:bodyPr>
-          <a:lstStyle/>
-          <a:p>
-            <a:r>
-              <a:rPr lang="en-US" sz="1200" b="0" i="0" dirty="0">
-                <a:solidFill>
-                  <a:srgbClr val="404040"/>
-                </a:solidFill>
-                <a:effectLst/>
-                <a:latin typeface="+mj-lt"/>
-              </a:rPr>
-              <a:t>C Hargreaves et al, Chem Mater, 2020</a:t>
-            </a:r>
-            <a:r>
-              <a:rPr lang="en-US" sz="1200" dirty="0">
-                <a:solidFill>
-                  <a:srgbClr val="404040"/>
-                </a:solidFill>
-                <a:latin typeface="+mj-lt"/>
-              </a:rPr>
-              <a:t>, 10.1021/acs.chemmater.0c03381</a:t>
-            </a:r>
-            <a:endParaRPr lang="en-US" sz="1200" b="0" i="0" dirty="0">
-              <a:solidFill>
-                <a:srgbClr val="404040"/>
-              </a:solidFill>
-              <a:effectLst/>
-              <a:latin typeface="+mj-lt"/>
-            </a:endParaRPr>
-          </a:p>
-        </p:txBody>
-      </p:sp>
-      <p:pic>
-        <p:nvPicPr>
-          <p:cNvPr id="10" name="Picture 9">
-            <a:extLst>
-              <a:ext uri="{FF2B5EF4-FFF2-40B4-BE49-F238E27FC236}">
-                <a16:creationId xmlns:a16="http://schemas.microsoft.com/office/drawing/2014/main" id="{E254AED7-0B9A-2222-1B09-5AD690514032}"/>
-              </a:ext>
-            </a:extLst>
-          </p:cNvPr>
-          <p:cNvPicPr>
-            <a:picLocks noChangeAspect="1"/>
-          </p:cNvPicPr>
-          <p:nvPr/>
-        </p:nvPicPr>
-        <p:blipFill>
-          <a:blip r:embed="rId2"/>
-          <a:stretch>
-            <a:fillRect/>
-          </a:stretch>
-        </p:blipFill>
-        <p:spPr>
-          <a:xfrm>
-            <a:off x="451806" y="1990673"/>
-            <a:ext cx="4503294" cy="3515392"/>
-          </a:xfrm>
-          <a:prstGeom prst="rect">
-            <a:avLst/>
-          </a:prstGeom>
-        </p:spPr>
-      </p:pic>
-      <p:pic>
-        <p:nvPicPr>
-          <p:cNvPr id="11" name="Picture 10">
-            <a:extLst>
-              <a:ext uri="{FF2B5EF4-FFF2-40B4-BE49-F238E27FC236}">
-                <a16:creationId xmlns:a16="http://schemas.microsoft.com/office/drawing/2014/main" id="{6B5E54DE-9F52-A799-F151-DB053774A877}"/>
-              </a:ext>
-            </a:extLst>
-          </p:cNvPr>
-          <p:cNvPicPr>
-            <a:picLocks noChangeAspect="1"/>
-          </p:cNvPicPr>
-          <p:nvPr/>
-        </p:nvPicPr>
-        <p:blipFill>
-          <a:blip r:embed="rId3"/>
-          <a:stretch>
-            <a:fillRect/>
-          </a:stretch>
-        </p:blipFill>
-        <p:spPr>
-          <a:xfrm>
-            <a:off x="5614221" y="1487265"/>
-            <a:ext cx="5968179" cy="4522207"/>
-          </a:xfrm>
-          <a:prstGeom prst="rect">
-            <a:avLst/>
-          </a:prstGeom>
-        </p:spPr>
-      </p:pic>
-    </p:spTree>
-    <p:extLst>
-      <p:ext uri="{BB962C8B-B14F-4D97-AF65-F5344CB8AC3E}">
-        <p14:creationId xmlns:p14="http://schemas.microsoft.com/office/powerpoint/2010/main" val="712181631"/>
-      </p:ext>
-    </p:extLst>
-  </p:cSld>
-  <p:clrMapOvr>
-    <a:masterClrMapping/>
-  </p:clrMapOvr>
-</p:sld>
-</file>
-
 <file path=ppt/theme/theme1.xml><?xml version="1.0" encoding="utf-8"?>
 <a:theme xmlns:a="http://schemas.openxmlformats.org/drawingml/2006/main" name="1_Office Theme">
   <a:themeElements>
